--- a/ppt/プレゼン資料.pptx
+++ b/ppt/プレゼン資料.pptx
@@ -7,12 +7,19 @@
   <p:sldIdLst>
     <p:sldId id="256" r:id="rId2"/>
     <p:sldId id="257" r:id="rId3"/>
-    <p:sldId id="258" r:id="rId4"/>
-    <p:sldId id="259" r:id="rId5"/>
-    <p:sldId id="262" r:id="rId6"/>
-    <p:sldId id="263" r:id="rId7"/>
-    <p:sldId id="260" r:id="rId8"/>
-    <p:sldId id="261" r:id="rId9"/>
+    <p:sldId id="269" r:id="rId4"/>
+    <p:sldId id="258" r:id="rId5"/>
+    <p:sldId id="272" r:id="rId6"/>
+    <p:sldId id="259" r:id="rId7"/>
+    <p:sldId id="262" r:id="rId8"/>
+    <p:sldId id="263" r:id="rId9"/>
+    <p:sldId id="261" r:id="rId10"/>
+    <p:sldId id="264" r:id="rId11"/>
+    <p:sldId id="265" r:id="rId12"/>
+    <p:sldId id="266" r:id="rId13"/>
+    <p:sldId id="267" r:id="rId14"/>
+    <p:sldId id="268" r:id="rId15"/>
+    <p:sldId id="270" r:id="rId16"/>
   </p:sldIdLst>
   <p:sldSz cx="9144000" cy="6858000" type="screen4x3"/>
   <p:notesSz cx="6858000" cy="9144000"/>
@@ -295,7 +302,7 @@
           <a:p>
             <a:fld id="{6BAB61C6-82C8-334D-8062-BAFD3864F14C}" type="datetimeFigureOut">
               <a:rPr kumimoji="1" lang="ja-JP" altLang="en-US" smtClean="0"/>
-              <a:t>2013/11/21</a:t>
+              <a:t>2013/11/25</a:t>
             </a:fld>
             <a:endParaRPr kumimoji="1" lang="ja-JP" altLang="en-US"/>
           </a:p>
@@ -497,7 +504,7 @@
           <a:p>
             <a:fld id="{6BAB61C6-82C8-334D-8062-BAFD3864F14C}" type="datetimeFigureOut">
               <a:rPr kumimoji="1" lang="ja-JP" altLang="en-US" smtClean="0"/>
-              <a:t>2013/11/21</a:t>
+              <a:t>2013/11/25</a:t>
             </a:fld>
             <a:endParaRPr kumimoji="1" lang="ja-JP" altLang="en-US"/>
           </a:p>
@@ -709,7 +716,7 @@
           <a:p>
             <a:fld id="{6BAB61C6-82C8-334D-8062-BAFD3864F14C}" type="datetimeFigureOut">
               <a:rPr kumimoji="1" lang="ja-JP" altLang="en-US" smtClean="0"/>
-              <a:t>2013/11/21</a:t>
+              <a:t>2013/11/25</a:t>
             </a:fld>
             <a:endParaRPr kumimoji="1" lang="ja-JP" altLang="en-US"/>
           </a:p>
@@ -911,7 +918,7 @@
           <a:p>
             <a:fld id="{6BAB61C6-82C8-334D-8062-BAFD3864F14C}" type="datetimeFigureOut">
               <a:rPr kumimoji="1" lang="ja-JP" altLang="en-US" smtClean="0"/>
-              <a:t>2013/11/21</a:t>
+              <a:t>2013/11/25</a:t>
             </a:fld>
             <a:endParaRPr kumimoji="1" lang="ja-JP" altLang="en-US"/>
           </a:p>
@@ -1157,7 +1164,7 @@
           <a:p>
             <a:fld id="{6BAB61C6-82C8-334D-8062-BAFD3864F14C}" type="datetimeFigureOut">
               <a:rPr kumimoji="1" lang="ja-JP" altLang="en-US" smtClean="0"/>
-              <a:t>2013/11/21</a:t>
+              <a:t>2013/11/25</a:t>
             </a:fld>
             <a:endParaRPr kumimoji="1" lang="ja-JP" altLang="en-US"/>
           </a:p>
@@ -1509,7 +1516,7 @@
           <a:p>
             <a:fld id="{6BAB61C6-82C8-334D-8062-BAFD3864F14C}" type="datetimeFigureOut">
               <a:rPr kumimoji="1" lang="ja-JP" altLang="en-US" smtClean="0"/>
-              <a:t>2013/11/21</a:t>
+              <a:t>2013/11/25</a:t>
             </a:fld>
             <a:endParaRPr kumimoji="1" lang="ja-JP" altLang="en-US"/>
           </a:p>
@@ -1995,7 +2002,7 @@
           <a:p>
             <a:fld id="{6BAB61C6-82C8-334D-8062-BAFD3864F14C}" type="datetimeFigureOut">
               <a:rPr kumimoji="1" lang="ja-JP" altLang="en-US" smtClean="0"/>
-              <a:t>2013/11/21</a:t>
+              <a:t>2013/11/25</a:t>
             </a:fld>
             <a:endParaRPr kumimoji="1" lang="ja-JP" altLang="en-US"/>
           </a:p>
@@ -2113,7 +2120,7 @@
           <a:p>
             <a:fld id="{6BAB61C6-82C8-334D-8062-BAFD3864F14C}" type="datetimeFigureOut">
               <a:rPr kumimoji="1" lang="ja-JP" altLang="en-US" smtClean="0"/>
-              <a:t>2013/11/21</a:t>
+              <a:t>2013/11/25</a:t>
             </a:fld>
             <a:endParaRPr kumimoji="1" lang="ja-JP" altLang="en-US"/>
           </a:p>
@@ -2208,7 +2215,7 @@
           <a:p>
             <a:fld id="{6BAB61C6-82C8-334D-8062-BAFD3864F14C}" type="datetimeFigureOut">
               <a:rPr kumimoji="1" lang="ja-JP" altLang="en-US" smtClean="0"/>
-              <a:t>2013/11/21</a:t>
+              <a:t>2013/11/25</a:t>
             </a:fld>
             <a:endParaRPr kumimoji="1" lang="ja-JP" altLang="en-US"/>
           </a:p>
@@ -2517,7 +2524,7 @@
           <a:p>
             <a:fld id="{6BAB61C6-82C8-334D-8062-BAFD3864F14C}" type="datetimeFigureOut">
               <a:rPr kumimoji="1" lang="ja-JP" altLang="en-US" smtClean="0"/>
-              <a:t>2013/11/21</a:t>
+              <a:t>2013/11/25</a:t>
             </a:fld>
             <a:endParaRPr kumimoji="1" lang="ja-JP" altLang="en-US"/>
           </a:p>
@@ -2770,7 +2777,7 @@
           <a:p>
             <a:fld id="{6BAB61C6-82C8-334D-8062-BAFD3864F14C}" type="datetimeFigureOut">
               <a:rPr kumimoji="1" lang="ja-JP" altLang="en-US" smtClean="0"/>
-              <a:t>2013/11/21</a:t>
+              <a:t>2013/11/25</a:t>
             </a:fld>
             <a:endParaRPr kumimoji="1" lang="ja-JP" altLang="en-US"/>
           </a:p>
@@ -3015,7 +3022,7 @@
           <a:p>
             <a:fld id="{6BAB61C6-82C8-334D-8062-BAFD3864F14C}" type="datetimeFigureOut">
               <a:rPr kumimoji="1" lang="ja-JP" altLang="en-US" smtClean="0"/>
-              <a:t>2013/11/21</a:t>
+              <a:t>2013/11/25</a:t>
             </a:fld>
             <a:endParaRPr kumimoji="1" lang="ja-JP" altLang="en-US"/>
           </a:p>
@@ -3453,6 +3460,6650 @@
 </p:sld>
 </file>
 
+<file path=ppt/slides/slide10.xml><?xml version="1.0" encoding="utf-8"?>
+<p:sld xmlns:a="http://schemas.openxmlformats.org/drawingml/2006/main" xmlns:r="http://schemas.openxmlformats.org/officeDocument/2006/relationships" xmlns:p="http://schemas.openxmlformats.org/presentationml/2006/main">
+  <p:cSld>
+    <p:spTree>
+      <p:nvGrpSpPr>
+        <p:cNvPr id="1" name=""/>
+        <p:cNvGrpSpPr/>
+        <p:nvPr/>
+      </p:nvGrpSpPr>
+      <p:grpSpPr>
+        <a:xfrm>
+          <a:off x="0" y="0"/>
+          <a:ext cx="0" cy="0"/>
+          <a:chOff x="0" y="0"/>
+          <a:chExt cx="0" cy="0"/>
+        </a:xfrm>
+      </p:grpSpPr>
+      <p:sp>
+        <p:nvSpPr>
+          <p:cNvPr id="2" name="タイトル 1"/>
+          <p:cNvSpPr>
+            <a:spLocks noGrp="1"/>
+          </p:cNvSpPr>
+          <p:nvPr>
+            <p:ph type="title"/>
+          </p:nvPr>
+        </p:nvSpPr>
+        <p:spPr/>
+        <p:txBody>
+          <a:bodyPr>
+            <a:normAutofit/>
+          </a:bodyPr>
+          <a:lstStyle/>
+          <a:p>
+            <a:r>
+              <a:rPr kumimoji="1" lang="ja-JP" altLang="en-US" dirty="0" smtClean="0"/>
+              <a:t>勘定科目（財務</a:t>
+            </a:r>
+            <a:r>
+              <a:rPr kumimoji="1" lang="en-US" altLang="ja-JP" dirty="0" smtClean="0"/>
+              <a:t>/</a:t>
+            </a:r>
+            <a:r>
+              <a:rPr kumimoji="1" lang="ja-JP" altLang="en-US" dirty="0" smtClean="0"/>
+              <a:t>勘定一体型）</a:t>
+            </a:r>
+            <a:endParaRPr kumimoji="1" lang="ja-JP" altLang="en-US" dirty="0"/>
+          </a:p>
+        </p:txBody>
+      </p:sp>
+      <p:sp>
+        <p:nvSpPr>
+          <p:cNvPr id="4" name="正方形/長方形 3"/>
+          <p:cNvSpPr/>
+          <p:nvPr/>
+        </p:nvSpPr>
+        <p:spPr>
+          <a:xfrm>
+            <a:off x="1016001" y="1364163"/>
+            <a:ext cx="1524000" cy="1671052"/>
+          </a:xfrm>
+          <a:prstGeom prst="rect">
+            <a:avLst/>
+          </a:prstGeom>
+          <a:noFill/>
+          <a:ln>
+            <a:solidFill>
+              <a:schemeClr val="tx1"/>
+            </a:solidFill>
+          </a:ln>
+        </p:spPr>
+        <p:style>
+          <a:lnRef idx="1">
+            <a:schemeClr val="accent1"/>
+          </a:lnRef>
+          <a:fillRef idx="3">
+            <a:schemeClr val="accent1"/>
+          </a:fillRef>
+          <a:effectRef idx="2">
+            <a:schemeClr val="accent1"/>
+          </a:effectRef>
+          <a:fontRef idx="minor">
+            <a:schemeClr val="lt1"/>
+          </a:fontRef>
+        </p:style>
+        <p:txBody>
+          <a:bodyPr rtlCol="0" anchor="t"/>
+          <a:lstStyle/>
+          <a:p>
+            <a:pPr algn="ctr"/>
+            <a:r>
+              <a:rPr lang="en-US" altLang="ja-JP" dirty="0" smtClean="0">
+                <a:solidFill>
+                  <a:schemeClr val="tx1"/>
+                </a:solidFill>
+              </a:rPr>
+              <a:t>BS</a:t>
+            </a:r>
+            <a:r>
+              <a:rPr lang="ja-JP" altLang="en-US" dirty="0" smtClean="0">
+                <a:solidFill>
+                  <a:schemeClr val="tx1"/>
+                </a:solidFill>
+              </a:rPr>
+              <a:t>・</a:t>
+            </a:r>
+            <a:r>
+              <a:rPr lang="en-US" altLang="ja-JP" dirty="0" smtClean="0">
+                <a:solidFill>
+                  <a:schemeClr val="tx1"/>
+                </a:solidFill>
+              </a:rPr>
+              <a:t>PL</a:t>
+            </a:r>
+            <a:endParaRPr kumimoji="1" lang="ja-JP" altLang="en-US" dirty="0">
+              <a:solidFill>
+                <a:schemeClr val="tx1"/>
+              </a:solidFill>
+            </a:endParaRPr>
+          </a:p>
+        </p:txBody>
+      </p:sp>
+      <p:sp>
+        <p:nvSpPr>
+          <p:cNvPr id="5" name="正方形/長方形 4"/>
+          <p:cNvSpPr/>
+          <p:nvPr/>
+        </p:nvSpPr>
+        <p:spPr>
+          <a:xfrm>
+            <a:off x="1021353" y="1725108"/>
+            <a:ext cx="1524000" cy="1002635"/>
+          </a:xfrm>
+          <a:prstGeom prst="rect">
+            <a:avLst/>
+          </a:prstGeom>
+          <a:noFill/>
+          <a:ln>
+            <a:solidFill>
+              <a:schemeClr val="tx1"/>
+            </a:solidFill>
+          </a:ln>
+        </p:spPr>
+        <p:style>
+          <a:lnRef idx="1">
+            <a:schemeClr val="accent1"/>
+          </a:lnRef>
+          <a:fillRef idx="3">
+            <a:schemeClr val="accent1"/>
+          </a:fillRef>
+          <a:effectRef idx="2">
+            <a:schemeClr val="accent1"/>
+          </a:effectRef>
+          <a:fontRef idx="minor">
+            <a:schemeClr val="lt1"/>
+          </a:fontRef>
+        </p:style>
+        <p:txBody>
+          <a:bodyPr rtlCol="0" anchor="t"/>
+          <a:lstStyle/>
+          <a:p>
+            <a:pPr marL="285750" indent="-285750">
+              <a:buFontTx/>
+              <a:buChar char="-"/>
+            </a:pPr>
+            <a:r>
+              <a:rPr lang="en-US" altLang="ja-JP" sz="1600" dirty="0">
+                <a:solidFill>
+                  <a:schemeClr val="tx1"/>
+                </a:solidFill>
+              </a:rPr>
+              <a:t>BS</a:t>
+            </a:r>
+            <a:r>
+              <a:rPr lang="ja-JP" altLang="en-US" sz="1600" dirty="0">
+                <a:solidFill>
+                  <a:schemeClr val="tx1"/>
+                </a:solidFill>
+              </a:rPr>
+              <a:t>・</a:t>
+            </a:r>
+            <a:r>
+              <a:rPr lang="en-US" altLang="ja-JP" sz="1600" dirty="0" smtClean="0">
+                <a:solidFill>
+                  <a:schemeClr val="tx1"/>
+                </a:solidFill>
+              </a:rPr>
+              <a:t>PL</a:t>
+            </a:r>
+            <a:endParaRPr lang="en-US" altLang="ja-JP" sz="1600" dirty="0" smtClean="0">
+              <a:solidFill>
+                <a:srgbClr val="000000"/>
+              </a:solidFill>
+            </a:endParaRPr>
+          </a:p>
+          <a:p>
+            <a:pPr marL="285750" indent="-285750">
+              <a:buFontTx/>
+              <a:buChar char="-"/>
+            </a:pPr>
+            <a:r>
+              <a:rPr lang="ja-JP" altLang="en-US" sz="1600" dirty="0" smtClean="0">
+                <a:solidFill>
+                  <a:srgbClr val="000000"/>
+                </a:solidFill>
+              </a:rPr>
+              <a:t>借方・貸方</a:t>
+            </a:r>
+            <a:endParaRPr lang="ja-JP" altLang="en-US" sz="1600" dirty="0">
+              <a:solidFill>
+                <a:schemeClr val="tx1"/>
+              </a:solidFill>
+            </a:endParaRPr>
+          </a:p>
+        </p:txBody>
+      </p:sp>
+      <p:sp>
+        <p:nvSpPr>
+          <p:cNvPr id="10" name="正方形/長方形 9"/>
+          <p:cNvSpPr/>
+          <p:nvPr/>
+        </p:nvSpPr>
+        <p:spPr>
+          <a:xfrm>
+            <a:off x="1007985" y="4050636"/>
+            <a:ext cx="1524000" cy="1671052"/>
+          </a:xfrm>
+          <a:prstGeom prst="rect">
+            <a:avLst/>
+          </a:prstGeom>
+          <a:noFill/>
+          <a:ln>
+            <a:solidFill>
+              <a:schemeClr val="tx1"/>
+            </a:solidFill>
+          </a:ln>
+        </p:spPr>
+        <p:style>
+          <a:lnRef idx="1">
+            <a:schemeClr val="accent1"/>
+          </a:lnRef>
+          <a:fillRef idx="3">
+            <a:schemeClr val="accent1"/>
+          </a:fillRef>
+          <a:effectRef idx="2">
+            <a:schemeClr val="accent1"/>
+          </a:effectRef>
+          <a:fontRef idx="minor">
+            <a:schemeClr val="lt1"/>
+          </a:fontRef>
+        </p:style>
+        <p:txBody>
+          <a:bodyPr rtlCol="0" anchor="t"/>
+          <a:lstStyle/>
+          <a:p>
+            <a:pPr algn="ctr"/>
+            <a:r>
+              <a:rPr lang="ja-JP" altLang="en-US" dirty="0" smtClean="0">
+                <a:solidFill>
+                  <a:schemeClr val="tx1"/>
+                </a:solidFill>
+              </a:rPr>
+              <a:t>勘定科目</a:t>
+            </a:r>
+            <a:endParaRPr kumimoji="1" lang="ja-JP" altLang="en-US" dirty="0">
+              <a:solidFill>
+                <a:schemeClr val="tx1"/>
+              </a:solidFill>
+            </a:endParaRPr>
+          </a:p>
+        </p:txBody>
+      </p:sp>
+      <p:sp>
+        <p:nvSpPr>
+          <p:cNvPr id="11" name="正方形/長方形 10"/>
+          <p:cNvSpPr/>
+          <p:nvPr/>
+        </p:nvSpPr>
+        <p:spPr>
+          <a:xfrm>
+            <a:off x="1013337" y="4411581"/>
+            <a:ext cx="1524000" cy="1002635"/>
+          </a:xfrm>
+          <a:prstGeom prst="rect">
+            <a:avLst/>
+          </a:prstGeom>
+          <a:noFill/>
+          <a:ln>
+            <a:solidFill>
+              <a:schemeClr val="tx1"/>
+            </a:solidFill>
+          </a:ln>
+        </p:spPr>
+        <p:style>
+          <a:lnRef idx="1">
+            <a:schemeClr val="accent1"/>
+          </a:lnRef>
+          <a:fillRef idx="3">
+            <a:schemeClr val="accent1"/>
+          </a:fillRef>
+          <a:effectRef idx="2">
+            <a:schemeClr val="accent1"/>
+          </a:effectRef>
+          <a:fontRef idx="minor">
+            <a:schemeClr val="lt1"/>
+          </a:fontRef>
+        </p:style>
+        <p:txBody>
+          <a:bodyPr rtlCol="0" anchor="t"/>
+          <a:lstStyle/>
+          <a:p>
+            <a:pPr marL="285750" indent="-285750">
+              <a:buFontTx/>
+              <a:buChar char="-"/>
+            </a:pPr>
+            <a:r>
+              <a:rPr kumimoji="1" lang="ja-JP" altLang="en-US" sz="1600" dirty="0" smtClean="0">
+                <a:solidFill>
+                  <a:srgbClr val="000000"/>
+                </a:solidFill>
+              </a:rPr>
+              <a:t>勘定コード</a:t>
+            </a:r>
+            <a:endParaRPr kumimoji="1" lang="en-US" altLang="ja-JP" sz="1600" dirty="0" smtClean="0">
+              <a:solidFill>
+                <a:srgbClr val="000000"/>
+              </a:solidFill>
+            </a:endParaRPr>
+          </a:p>
+          <a:p>
+            <a:pPr marL="285750" indent="-285750">
+              <a:buFontTx/>
+              <a:buChar char="-"/>
+            </a:pPr>
+            <a:r>
+              <a:rPr lang="ja-JP" altLang="en-US" sz="1600" dirty="0" smtClean="0">
+                <a:solidFill>
+                  <a:srgbClr val="000000"/>
+                </a:solidFill>
+              </a:rPr>
+              <a:t>勘定科目名</a:t>
+            </a:r>
+            <a:endParaRPr lang="en-US" altLang="ja-JP" sz="1600" dirty="0" smtClean="0">
+              <a:solidFill>
+                <a:srgbClr val="000000"/>
+              </a:solidFill>
+            </a:endParaRPr>
+          </a:p>
+          <a:p>
+            <a:pPr marL="285750" indent="-285750">
+              <a:buFontTx/>
+              <a:buChar char="-"/>
+            </a:pPr>
+            <a:r>
+              <a:rPr lang="ja-JP" altLang="en-US" sz="1400" dirty="0" smtClean="0">
+                <a:solidFill>
+                  <a:srgbClr val="000000"/>
+                </a:solidFill>
+              </a:rPr>
+              <a:t>親勘定コード</a:t>
+            </a:r>
+            <a:endParaRPr kumimoji="1" lang="ja-JP" altLang="en-US" sz="1400" dirty="0">
+              <a:solidFill>
+                <a:srgbClr val="000000"/>
+              </a:solidFill>
+            </a:endParaRPr>
+          </a:p>
+        </p:txBody>
+      </p:sp>
+      <p:cxnSp>
+        <p:nvCxnSpPr>
+          <p:cNvPr id="12" name="カギ線コネクタ 11"/>
+          <p:cNvCxnSpPr>
+            <a:stCxn id="29" idx="1"/>
+            <a:endCxn id="10" idx="3"/>
+          </p:cNvCxnSpPr>
+          <p:nvPr/>
+        </p:nvCxnSpPr>
+        <p:spPr>
+          <a:xfrm rot="16200000" flipH="1">
+            <a:off x="1797094" y="4151271"/>
+            <a:ext cx="1314709" cy="155072"/>
+          </a:xfrm>
+          <a:prstGeom prst="bentConnector4">
+            <a:avLst>
+              <a:gd name="adj1" fmla="val -11287"/>
+              <a:gd name="adj2" fmla="val 552592"/>
+            </a:avLst>
+          </a:prstGeom>
+          <a:ln>
+            <a:solidFill>
+              <a:schemeClr val="tx1"/>
+            </a:solidFill>
+          </a:ln>
+        </p:spPr>
+        <p:style>
+          <a:lnRef idx="2">
+            <a:schemeClr val="accent1"/>
+          </a:lnRef>
+          <a:fillRef idx="0">
+            <a:schemeClr val="accent1"/>
+          </a:fillRef>
+          <a:effectRef idx="1">
+            <a:schemeClr val="accent1"/>
+          </a:effectRef>
+          <a:fontRef idx="minor">
+            <a:schemeClr val="tx1"/>
+          </a:fontRef>
+        </p:style>
+      </p:cxnSp>
+      <p:sp>
+        <p:nvSpPr>
+          <p:cNvPr id="15" name="フローチャート: 判断 14"/>
+          <p:cNvSpPr/>
+          <p:nvPr/>
+        </p:nvSpPr>
+        <p:spPr>
+          <a:xfrm rot="5400000">
+            <a:off x="1556086" y="3144246"/>
+            <a:ext cx="454526" cy="294105"/>
+          </a:xfrm>
+          <a:prstGeom prst="flowChartDecision">
+            <a:avLst/>
+          </a:prstGeom>
+        </p:spPr>
+        <p:style>
+          <a:lnRef idx="1">
+            <a:schemeClr val="dk1"/>
+          </a:lnRef>
+          <a:fillRef idx="3">
+            <a:schemeClr val="dk1"/>
+          </a:fillRef>
+          <a:effectRef idx="2">
+            <a:schemeClr val="dk1"/>
+          </a:effectRef>
+          <a:fontRef idx="minor">
+            <a:schemeClr val="lt1"/>
+          </a:fontRef>
+        </p:style>
+        <p:txBody>
+          <a:bodyPr rtlCol="0" anchor="ctr"/>
+          <a:lstStyle/>
+          <a:p>
+            <a:pPr algn="ctr"/>
+            <a:endParaRPr kumimoji="1" lang="ja-JP" altLang="en-US" dirty="0"/>
+          </a:p>
+        </p:txBody>
+      </p:sp>
+      <p:cxnSp>
+        <p:nvCxnSpPr>
+          <p:cNvPr id="26" name="直線コネクタ 25"/>
+          <p:cNvCxnSpPr>
+            <a:stCxn id="15" idx="3"/>
+            <a:endCxn id="10" idx="0"/>
+          </p:cNvCxnSpPr>
+          <p:nvPr/>
+        </p:nvCxnSpPr>
+        <p:spPr>
+          <a:xfrm flipH="1">
+            <a:off x="1769985" y="3518562"/>
+            <a:ext cx="13364" cy="532074"/>
+          </a:xfrm>
+          <a:prstGeom prst="line">
+            <a:avLst/>
+          </a:prstGeom>
+          <a:ln>
+            <a:solidFill>
+              <a:schemeClr val="tx1"/>
+            </a:solidFill>
+          </a:ln>
+        </p:spPr>
+        <p:style>
+          <a:lnRef idx="2">
+            <a:schemeClr val="accent1"/>
+          </a:lnRef>
+          <a:fillRef idx="0">
+            <a:schemeClr val="accent1"/>
+          </a:fillRef>
+          <a:effectRef idx="1">
+            <a:schemeClr val="accent1"/>
+          </a:effectRef>
+          <a:fontRef idx="minor">
+            <a:schemeClr val="tx1"/>
+          </a:fontRef>
+        </p:style>
+      </p:cxnSp>
+      <p:sp>
+        <p:nvSpPr>
+          <p:cNvPr id="29" name="フローチャート: 判断 28"/>
+          <p:cNvSpPr/>
+          <p:nvPr/>
+        </p:nvSpPr>
+        <p:spPr>
+          <a:xfrm rot="5400000">
+            <a:off x="2149650" y="3651663"/>
+            <a:ext cx="454526" cy="294105"/>
+          </a:xfrm>
+          <a:prstGeom prst="flowChartDecision">
+            <a:avLst/>
+          </a:prstGeom>
+        </p:spPr>
+        <p:style>
+          <a:lnRef idx="1">
+            <a:schemeClr val="dk1"/>
+          </a:lnRef>
+          <a:fillRef idx="3">
+            <a:schemeClr val="dk1"/>
+          </a:fillRef>
+          <a:effectRef idx="2">
+            <a:schemeClr val="dk1"/>
+          </a:effectRef>
+          <a:fontRef idx="minor">
+            <a:schemeClr val="lt1"/>
+          </a:fontRef>
+        </p:style>
+        <p:txBody>
+          <a:bodyPr rtlCol="0" anchor="ctr"/>
+          <a:lstStyle/>
+          <a:p>
+            <a:pPr algn="ctr"/>
+            <a:endParaRPr kumimoji="1" lang="ja-JP" altLang="en-US"/>
+          </a:p>
+        </p:txBody>
+      </p:sp>
+      <p:sp>
+        <p:nvSpPr>
+          <p:cNvPr id="36" name="正方形/長方形 35"/>
+          <p:cNvSpPr/>
+          <p:nvPr/>
+        </p:nvSpPr>
+        <p:spPr>
+          <a:xfrm>
+            <a:off x="3034659" y="1364163"/>
+            <a:ext cx="1564105" cy="561474"/>
+          </a:xfrm>
+          <a:prstGeom prst="rect">
+            <a:avLst/>
+          </a:prstGeom>
+          <a:noFill/>
+          <a:ln>
+            <a:solidFill>
+              <a:schemeClr val="tx1"/>
+            </a:solidFill>
+          </a:ln>
+        </p:spPr>
+        <p:style>
+          <a:lnRef idx="1">
+            <a:schemeClr val="accent1"/>
+          </a:lnRef>
+          <a:fillRef idx="3">
+            <a:schemeClr val="accent1"/>
+          </a:fillRef>
+          <a:effectRef idx="2">
+            <a:schemeClr val="accent1"/>
+          </a:effectRef>
+          <a:fontRef idx="minor">
+            <a:schemeClr val="lt1"/>
+          </a:fontRef>
+        </p:style>
+        <p:txBody>
+          <a:bodyPr rtlCol="0" anchor="ctr"/>
+          <a:lstStyle/>
+          <a:p>
+            <a:pPr algn="ctr"/>
+            <a:r>
+              <a:rPr kumimoji="1" lang="en-US" altLang="ja-JP" dirty="0" smtClean="0">
+                <a:solidFill>
+                  <a:schemeClr val="tx1"/>
+                </a:solidFill>
+              </a:rPr>
+              <a:t>BS</a:t>
+            </a:r>
+            <a:r>
+              <a:rPr lang="ja-JP" altLang="en-US" dirty="0" smtClean="0">
+                <a:solidFill>
+                  <a:schemeClr val="tx1"/>
+                </a:solidFill>
+              </a:rPr>
+              <a:t>借方</a:t>
+            </a:r>
+            <a:endParaRPr lang="en-US" altLang="ja-JP" dirty="0" smtClean="0">
+              <a:solidFill>
+                <a:schemeClr val="tx1"/>
+              </a:solidFill>
+            </a:endParaRPr>
+          </a:p>
+        </p:txBody>
+      </p:sp>
+      <p:sp>
+        <p:nvSpPr>
+          <p:cNvPr id="37" name="正方形/長方形 36"/>
+          <p:cNvSpPr/>
+          <p:nvPr/>
+        </p:nvSpPr>
+        <p:spPr>
+          <a:xfrm>
+            <a:off x="4110807" y="2172201"/>
+            <a:ext cx="1564105" cy="561474"/>
+          </a:xfrm>
+          <a:prstGeom prst="rect">
+            <a:avLst/>
+          </a:prstGeom>
+          <a:noFill/>
+          <a:ln>
+            <a:solidFill>
+              <a:schemeClr val="tx1"/>
+            </a:solidFill>
+          </a:ln>
+        </p:spPr>
+        <p:style>
+          <a:lnRef idx="1">
+            <a:schemeClr val="accent1"/>
+          </a:lnRef>
+          <a:fillRef idx="3">
+            <a:schemeClr val="accent1"/>
+          </a:fillRef>
+          <a:effectRef idx="2">
+            <a:schemeClr val="accent1"/>
+          </a:effectRef>
+          <a:fontRef idx="minor">
+            <a:schemeClr val="lt1"/>
+          </a:fontRef>
+        </p:style>
+        <p:txBody>
+          <a:bodyPr rtlCol="0" anchor="ctr"/>
+          <a:lstStyle/>
+          <a:p>
+            <a:pPr algn="ctr"/>
+            <a:r>
+              <a:rPr lang="ja-JP" altLang="en-US" dirty="0" smtClean="0">
+                <a:solidFill>
+                  <a:schemeClr val="tx1"/>
+                </a:solidFill>
+              </a:rPr>
+              <a:t>資産</a:t>
+            </a:r>
+            <a:endParaRPr lang="en-US" altLang="ja-JP" dirty="0" smtClean="0">
+              <a:solidFill>
+                <a:schemeClr val="tx1"/>
+              </a:solidFill>
+            </a:endParaRPr>
+          </a:p>
+        </p:txBody>
+      </p:sp>
+      <p:sp>
+        <p:nvSpPr>
+          <p:cNvPr id="38" name="正方形/長方形 37"/>
+          <p:cNvSpPr/>
+          <p:nvPr/>
+        </p:nvSpPr>
+        <p:spPr>
+          <a:xfrm>
+            <a:off x="4852756" y="3064035"/>
+            <a:ext cx="1564105" cy="561474"/>
+          </a:xfrm>
+          <a:prstGeom prst="rect">
+            <a:avLst/>
+          </a:prstGeom>
+          <a:noFill/>
+          <a:ln>
+            <a:solidFill>
+              <a:schemeClr val="tx1"/>
+            </a:solidFill>
+          </a:ln>
+        </p:spPr>
+        <p:style>
+          <a:lnRef idx="1">
+            <a:schemeClr val="accent1"/>
+          </a:lnRef>
+          <a:fillRef idx="3">
+            <a:schemeClr val="accent1"/>
+          </a:fillRef>
+          <a:effectRef idx="2">
+            <a:schemeClr val="accent1"/>
+          </a:effectRef>
+          <a:fontRef idx="minor">
+            <a:schemeClr val="lt1"/>
+          </a:fontRef>
+        </p:style>
+        <p:txBody>
+          <a:bodyPr rtlCol="0" anchor="ctr"/>
+          <a:lstStyle/>
+          <a:p>
+            <a:pPr algn="ctr"/>
+            <a:r>
+              <a:rPr lang="ja-JP" altLang="en-US" dirty="0" smtClean="0">
+                <a:solidFill>
+                  <a:schemeClr val="tx1"/>
+                </a:solidFill>
+              </a:rPr>
+              <a:t>流動資産</a:t>
+            </a:r>
+            <a:endParaRPr lang="en-US" altLang="ja-JP" dirty="0" smtClean="0">
+              <a:solidFill>
+                <a:schemeClr val="tx1"/>
+              </a:solidFill>
+            </a:endParaRPr>
+          </a:p>
+        </p:txBody>
+      </p:sp>
+      <p:sp>
+        <p:nvSpPr>
+          <p:cNvPr id="39" name="正方形/長方形 38"/>
+          <p:cNvSpPr/>
+          <p:nvPr/>
+        </p:nvSpPr>
+        <p:spPr>
+          <a:xfrm>
+            <a:off x="5434278" y="4164263"/>
+            <a:ext cx="1564105" cy="561474"/>
+          </a:xfrm>
+          <a:prstGeom prst="rect">
+            <a:avLst/>
+          </a:prstGeom>
+          <a:noFill/>
+          <a:ln>
+            <a:solidFill>
+              <a:schemeClr val="tx1"/>
+            </a:solidFill>
+          </a:ln>
+        </p:spPr>
+        <p:style>
+          <a:lnRef idx="1">
+            <a:schemeClr val="accent1"/>
+          </a:lnRef>
+          <a:fillRef idx="3">
+            <a:schemeClr val="accent1"/>
+          </a:fillRef>
+          <a:effectRef idx="2">
+            <a:schemeClr val="accent1"/>
+          </a:effectRef>
+          <a:fontRef idx="minor">
+            <a:schemeClr val="lt1"/>
+          </a:fontRef>
+        </p:style>
+        <p:txBody>
+          <a:bodyPr rtlCol="0" anchor="ctr"/>
+          <a:lstStyle/>
+          <a:p>
+            <a:pPr algn="ctr"/>
+            <a:r>
+              <a:rPr lang="ja-JP" altLang="en-US" dirty="0" smtClean="0">
+                <a:solidFill>
+                  <a:schemeClr val="tx1"/>
+                </a:solidFill>
+              </a:rPr>
+              <a:t>現金及び預金</a:t>
+            </a:r>
+            <a:endParaRPr lang="en-US" altLang="ja-JP" dirty="0" smtClean="0">
+              <a:solidFill>
+                <a:schemeClr val="tx1"/>
+              </a:solidFill>
+            </a:endParaRPr>
+          </a:p>
+        </p:txBody>
+      </p:sp>
+      <p:sp>
+        <p:nvSpPr>
+          <p:cNvPr id="40" name="正方形/長方形 39"/>
+          <p:cNvSpPr/>
+          <p:nvPr/>
+        </p:nvSpPr>
+        <p:spPr>
+          <a:xfrm>
+            <a:off x="7452923" y="1791991"/>
+            <a:ext cx="1564105" cy="561474"/>
+          </a:xfrm>
+          <a:prstGeom prst="rect">
+            <a:avLst/>
+          </a:prstGeom>
+          <a:noFill/>
+          <a:ln>
+            <a:solidFill>
+              <a:schemeClr val="tx1"/>
+            </a:solidFill>
+          </a:ln>
+        </p:spPr>
+        <p:style>
+          <a:lnRef idx="1">
+            <a:schemeClr val="accent1"/>
+          </a:lnRef>
+          <a:fillRef idx="3">
+            <a:schemeClr val="accent1"/>
+          </a:fillRef>
+          <a:effectRef idx="2">
+            <a:schemeClr val="accent1"/>
+          </a:effectRef>
+          <a:fontRef idx="minor">
+            <a:schemeClr val="lt1"/>
+          </a:fontRef>
+        </p:style>
+        <p:txBody>
+          <a:bodyPr rtlCol="0" anchor="ctr"/>
+          <a:lstStyle/>
+          <a:p>
+            <a:pPr algn="ctr"/>
+            <a:r>
+              <a:rPr lang="ja-JP" altLang="en-US" dirty="0" smtClean="0">
+                <a:solidFill>
+                  <a:schemeClr val="tx1"/>
+                </a:solidFill>
+              </a:rPr>
+              <a:t>現金</a:t>
+            </a:r>
+            <a:endParaRPr lang="en-US" altLang="ja-JP" dirty="0" smtClean="0">
+              <a:solidFill>
+                <a:schemeClr val="tx1"/>
+              </a:solidFill>
+            </a:endParaRPr>
+          </a:p>
+        </p:txBody>
+      </p:sp>
+      <p:sp>
+        <p:nvSpPr>
+          <p:cNvPr id="41" name="正方形/長方形 40"/>
+          <p:cNvSpPr/>
+          <p:nvPr/>
+        </p:nvSpPr>
+        <p:spPr>
+          <a:xfrm>
+            <a:off x="7452923" y="2565270"/>
+            <a:ext cx="1564105" cy="561474"/>
+          </a:xfrm>
+          <a:prstGeom prst="rect">
+            <a:avLst/>
+          </a:prstGeom>
+          <a:noFill/>
+          <a:ln>
+            <a:solidFill>
+              <a:schemeClr val="tx1"/>
+            </a:solidFill>
+          </a:ln>
+        </p:spPr>
+        <p:style>
+          <a:lnRef idx="1">
+            <a:schemeClr val="accent1"/>
+          </a:lnRef>
+          <a:fillRef idx="3">
+            <a:schemeClr val="accent1"/>
+          </a:fillRef>
+          <a:effectRef idx="2">
+            <a:schemeClr val="accent1"/>
+          </a:effectRef>
+          <a:fontRef idx="minor">
+            <a:schemeClr val="lt1"/>
+          </a:fontRef>
+        </p:style>
+        <p:txBody>
+          <a:bodyPr rtlCol="0" anchor="ctr"/>
+          <a:lstStyle/>
+          <a:p>
+            <a:pPr algn="ctr"/>
+            <a:r>
+              <a:rPr lang="ja-JP" altLang="en-US" dirty="0" smtClean="0">
+                <a:solidFill>
+                  <a:schemeClr val="tx1"/>
+                </a:solidFill>
+              </a:rPr>
+              <a:t>当座預金</a:t>
+            </a:r>
+            <a:endParaRPr lang="en-US" altLang="ja-JP" dirty="0" smtClean="0">
+              <a:solidFill>
+                <a:schemeClr val="tx1"/>
+              </a:solidFill>
+            </a:endParaRPr>
+          </a:p>
+        </p:txBody>
+      </p:sp>
+      <p:sp>
+        <p:nvSpPr>
+          <p:cNvPr id="42" name="正方形/長方形 41"/>
+          <p:cNvSpPr/>
+          <p:nvPr/>
+        </p:nvSpPr>
+        <p:spPr>
+          <a:xfrm>
+            <a:off x="7452923" y="3362201"/>
+            <a:ext cx="1564105" cy="561474"/>
+          </a:xfrm>
+          <a:prstGeom prst="rect">
+            <a:avLst/>
+          </a:prstGeom>
+          <a:noFill/>
+          <a:ln>
+            <a:solidFill>
+              <a:schemeClr val="tx1"/>
+            </a:solidFill>
+          </a:ln>
+        </p:spPr>
+        <p:style>
+          <a:lnRef idx="1">
+            <a:schemeClr val="accent1"/>
+          </a:lnRef>
+          <a:fillRef idx="3">
+            <a:schemeClr val="accent1"/>
+          </a:fillRef>
+          <a:effectRef idx="2">
+            <a:schemeClr val="accent1"/>
+          </a:effectRef>
+          <a:fontRef idx="minor">
+            <a:schemeClr val="lt1"/>
+          </a:fontRef>
+        </p:style>
+        <p:txBody>
+          <a:bodyPr rtlCol="0" anchor="ctr"/>
+          <a:lstStyle/>
+          <a:p>
+            <a:pPr algn="ctr"/>
+            <a:r>
+              <a:rPr lang="ja-JP" altLang="en-US" dirty="0" smtClean="0">
+                <a:solidFill>
+                  <a:schemeClr val="tx1"/>
+                </a:solidFill>
+              </a:rPr>
+              <a:t>普通預金</a:t>
+            </a:r>
+            <a:endParaRPr lang="en-US" altLang="ja-JP" dirty="0" smtClean="0">
+              <a:solidFill>
+                <a:schemeClr val="tx1"/>
+              </a:solidFill>
+            </a:endParaRPr>
+          </a:p>
+        </p:txBody>
+      </p:sp>
+      <p:sp>
+        <p:nvSpPr>
+          <p:cNvPr id="43" name="正方形/長方形 42"/>
+          <p:cNvSpPr/>
+          <p:nvPr/>
+        </p:nvSpPr>
+        <p:spPr>
+          <a:xfrm>
+            <a:off x="7452923" y="4170992"/>
+            <a:ext cx="1564105" cy="561474"/>
+          </a:xfrm>
+          <a:prstGeom prst="rect">
+            <a:avLst/>
+          </a:prstGeom>
+          <a:noFill/>
+          <a:ln>
+            <a:solidFill>
+              <a:schemeClr val="tx1"/>
+            </a:solidFill>
+          </a:ln>
+        </p:spPr>
+        <p:style>
+          <a:lnRef idx="1">
+            <a:schemeClr val="accent1"/>
+          </a:lnRef>
+          <a:fillRef idx="3">
+            <a:schemeClr val="accent1"/>
+          </a:fillRef>
+          <a:effectRef idx="2">
+            <a:schemeClr val="accent1"/>
+          </a:effectRef>
+          <a:fontRef idx="minor">
+            <a:schemeClr val="lt1"/>
+          </a:fontRef>
+        </p:style>
+        <p:txBody>
+          <a:bodyPr rtlCol="0" anchor="ctr"/>
+          <a:lstStyle/>
+          <a:p>
+            <a:pPr algn="ctr"/>
+            <a:r>
+              <a:rPr lang="ja-JP" altLang="en-US" dirty="0" smtClean="0">
+                <a:solidFill>
+                  <a:schemeClr val="tx1"/>
+                </a:solidFill>
+              </a:rPr>
+              <a:t>定期預金</a:t>
+            </a:r>
+            <a:endParaRPr lang="en-US" altLang="ja-JP" dirty="0" smtClean="0">
+              <a:solidFill>
+                <a:schemeClr val="tx1"/>
+              </a:solidFill>
+            </a:endParaRPr>
+          </a:p>
+        </p:txBody>
+      </p:sp>
+      <p:sp>
+        <p:nvSpPr>
+          <p:cNvPr id="44" name="正方形/長方形 43"/>
+          <p:cNvSpPr/>
+          <p:nvPr/>
+        </p:nvSpPr>
+        <p:spPr>
+          <a:xfrm>
+            <a:off x="5434278" y="4998453"/>
+            <a:ext cx="1564105" cy="561474"/>
+          </a:xfrm>
+          <a:prstGeom prst="rect">
+            <a:avLst/>
+          </a:prstGeom>
+          <a:noFill/>
+          <a:ln>
+            <a:solidFill>
+              <a:schemeClr val="tx1"/>
+            </a:solidFill>
+          </a:ln>
+        </p:spPr>
+        <p:style>
+          <a:lnRef idx="1">
+            <a:schemeClr val="accent1"/>
+          </a:lnRef>
+          <a:fillRef idx="3">
+            <a:schemeClr val="accent1"/>
+          </a:fillRef>
+          <a:effectRef idx="2">
+            <a:schemeClr val="accent1"/>
+          </a:effectRef>
+          <a:fontRef idx="minor">
+            <a:schemeClr val="lt1"/>
+          </a:fontRef>
+        </p:style>
+        <p:txBody>
+          <a:bodyPr rtlCol="0" anchor="ctr"/>
+          <a:lstStyle/>
+          <a:p>
+            <a:pPr algn="ctr"/>
+            <a:r>
+              <a:rPr lang="ja-JP" altLang="en-US" dirty="0" smtClean="0">
+                <a:solidFill>
+                  <a:schemeClr val="tx1"/>
+                </a:solidFill>
+              </a:rPr>
+              <a:t>売掛金</a:t>
+            </a:r>
+            <a:endParaRPr lang="en-US" altLang="ja-JP" dirty="0" smtClean="0">
+              <a:solidFill>
+                <a:schemeClr val="tx1"/>
+              </a:solidFill>
+            </a:endParaRPr>
+          </a:p>
+        </p:txBody>
+      </p:sp>
+      <p:cxnSp>
+        <p:nvCxnSpPr>
+          <p:cNvPr id="45" name="カギ線コネクタ 44"/>
+          <p:cNvCxnSpPr>
+            <a:stCxn id="37" idx="1"/>
+            <a:endCxn id="36" idx="2"/>
+          </p:cNvCxnSpPr>
+          <p:nvPr/>
+        </p:nvCxnSpPr>
+        <p:spPr>
+          <a:xfrm rot="10800000">
+            <a:off x="3816713" y="1925638"/>
+            <a:ext cx="294095" cy="527301"/>
+          </a:xfrm>
+          <a:prstGeom prst="bentConnector2">
+            <a:avLst/>
+          </a:prstGeom>
+          <a:ln>
+            <a:solidFill>
+              <a:schemeClr val="tx1"/>
+            </a:solidFill>
+          </a:ln>
+        </p:spPr>
+        <p:style>
+          <a:lnRef idx="2">
+            <a:schemeClr val="accent1"/>
+          </a:lnRef>
+          <a:fillRef idx="0">
+            <a:schemeClr val="accent1"/>
+          </a:fillRef>
+          <a:effectRef idx="1">
+            <a:schemeClr val="accent1"/>
+          </a:effectRef>
+          <a:fontRef idx="minor">
+            <a:schemeClr val="tx1"/>
+          </a:fontRef>
+        </p:style>
+      </p:cxnSp>
+      <p:cxnSp>
+        <p:nvCxnSpPr>
+          <p:cNvPr id="52" name="直線コネクタ 51"/>
+          <p:cNvCxnSpPr/>
+          <p:nvPr/>
+        </p:nvCxnSpPr>
+        <p:spPr>
+          <a:xfrm>
+            <a:off x="4382170" y="2727743"/>
+            <a:ext cx="0" cy="3715836"/>
+          </a:xfrm>
+          <a:prstGeom prst="line">
+            <a:avLst/>
+          </a:prstGeom>
+          <a:ln>
+            <a:solidFill>
+              <a:schemeClr val="tx1"/>
+            </a:solidFill>
+          </a:ln>
+        </p:spPr>
+        <p:style>
+          <a:lnRef idx="2">
+            <a:schemeClr val="accent1"/>
+          </a:lnRef>
+          <a:fillRef idx="0">
+            <a:schemeClr val="accent1"/>
+          </a:fillRef>
+          <a:effectRef idx="1">
+            <a:schemeClr val="accent1"/>
+          </a:effectRef>
+          <a:fontRef idx="minor">
+            <a:schemeClr val="tx1"/>
+          </a:fontRef>
+        </p:style>
+      </p:cxnSp>
+      <p:cxnSp>
+        <p:nvCxnSpPr>
+          <p:cNvPr id="55" name="直線コネクタ 54"/>
+          <p:cNvCxnSpPr>
+            <a:endCxn id="38" idx="1"/>
+          </p:cNvCxnSpPr>
+          <p:nvPr/>
+        </p:nvCxnSpPr>
+        <p:spPr>
+          <a:xfrm>
+            <a:off x="4382170" y="3344772"/>
+            <a:ext cx="470586" cy="0"/>
+          </a:xfrm>
+          <a:prstGeom prst="line">
+            <a:avLst/>
+          </a:prstGeom>
+          <a:ln>
+            <a:solidFill>
+              <a:schemeClr val="tx1"/>
+            </a:solidFill>
+          </a:ln>
+        </p:spPr>
+        <p:style>
+          <a:lnRef idx="2">
+            <a:schemeClr val="accent1"/>
+          </a:lnRef>
+          <a:fillRef idx="0">
+            <a:schemeClr val="accent1"/>
+          </a:fillRef>
+          <a:effectRef idx="1">
+            <a:schemeClr val="accent1"/>
+          </a:effectRef>
+          <a:fontRef idx="minor">
+            <a:schemeClr val="tx1"/>
+          </a:fontRef>
+        </p:style>
+      </p:cxnSp>
+      <p:cxnSp>
+        <p:nvCxnSpPr>
+          <p:cNvPr id="58" name="直線コネクタ 57"/>
+          <p:cNvCxnSpPr/>
+          <p:nvPr/>
+        </p:nvCxnSpPr>
+        <p:spPr>
+          <a:xfrm>
+            <a:off x="5069290" y="3625509"/>
+            <a:ext cx="0" cy="2970470"/>
+          </a:xfrm>
+          <a:prstGeom prst="line">
+            <a:avLst/>
+          </a:prstGeom>
+          <a:ln>
+            <a:solidFill>
+              <a:schemeClr val="tx1"/>
+            </a:solidFill>
+          </a:ln>
+        </p:spPr>
+        <p:style>
+          <a:lnRef idx="2">
+            <a:schemeClr val="accent1"/>
+          </a:lnRef>
+          <a:fillRef idx="0">
+            <a:schemeClr val="accent1"/>
+          </a:fillRef>
+          <a:effectRef idx="1">
+            <a:schemeClr val="accent1"/>
+          </a:effectRef>
+          <a:fontRef idx="minor">
+            <a:schemeClr val="tx1"/>
+          </a:fontRef>
+        </p:style>
+      </p:cxnSp>
+      <p:cxnSp>
+        <p:nvCxnSpPr>
+          <p:cNvPr id="63" name="直線コネクタ 62"/>
+          <p:cNvCxnSpPr>
+            <a:endCxn id="39" idx="1"/>
+          </p:cNvCxnSpPr>
+          <p:nvPr/>
+        </p:nvCxnSpPr>
+        <p:spPr>
+          <a:xfrm>
+            <a:off x="5069290" y="4445000"/>
+            <a:ext cx="364988" cy="0"/>
+          </a:xfrm>
+          <a:prstGeom prst="line">
+            <a:avLst/>
+          </a:prstGeom>
+          <a:ln>
+            <a:solidFill>
+              <a:schemeClr val="tx1"/>
+            </a:solidFill>
+          </a:ln>
+        </p:spPr>
+        <p:style>
+          <a:lnRef idx="2">
+            <a:schemeClr val="accent1"/>
+          </a:lnRef>
+          <a:fillRef idx="0">
+            <a:schemeClr val="accent1"/>
+          </a:fillRef>
+          <a:effectRef idx="1">
+            <a:schemeClr val="accent1"/>
+          </a:effectRef>
+          <a:fontRef idx="minor">
+            <a:schemeClr val="tx1"/>
+          </a:fontRef>
+        </p:style>
+      </p:cxnSp>
+      <p:cxnSp>
+        <p:nvCxnSpPr>
+          <p:cNvPr id="66" name="直線コネクタ 65"/>
+          <p:cNvCxnSpPr>
+            <a:endCxn id="44" idx="1"/>
+          </p:cNvCxnSpPr>
+          <p:nvPr/>
+        </p:nvCxnSpPr>
+        <p:spPr>
+          <a:xfrm>
+            <a:off x="5069290" y="5279190"/>
+            <a:ext cx="364988" cy="0"/>
+          </a:xfrm>
+          <a:prstGeom prst="line">
+            <a:avLst/>
+          </a:prstGeom>
+          <a:ln>
+            <a:solidFill>
+              <a:schemeClr val="tx1"/>
+            </a:solidFill>
+          </a:ln>
+        </p:spPr>
+        <p:style>
+          <a:lnRef idx="2">
+            <a:schemeClr val="accent1"/>
+          </a:lnRef>
+          <a:fillRef idx="0">
+            <a:schemeClr val="accent1"/>
+          </a:fillRef>
+          <a:effectRef idx="1">
+            <a:schemeClr val="accent1"/>
+          </a:effectRef>
+          <a:fontRef idx="minor">
+            <a:schemeClr val="tx1"/>
+          </a:fontRef>
+        </p:style>
+      </p:cxnSp>
+      <p:cxnSp>
+        <p:nvCxnSpPr>
+          <p:cNvPr id="70" name="直線コネクタ 69"/>
+          <p:cNvCxnSpPr>
+            <a:stCxn id="40" idx="1"/>
+            <a:endCxn id="39" idx="3"/>
+          </p:cNvCxnSpPr>
+          <p:nvPr/>
+        </p:nvCxnSpPr>
+        <p:spPr>
+          <a:xfrm flipH="1">
+            <a:off x="6998383" y="2072728"/>
+            <a:ext cx="454540" cy="2372272"/>
+          </a:xfrm>
+          <a:prstGeom prst="line">
+            <a:avLst/>
+          </a:prstGeom>
+          <a:ln>
+            <a:solidFill>
+              <a:schemeClr val="tx1"/>
+            </a:solidFill>
+          </a:ln>
+        </p:spPr>
+        <p:style>
+          <a:lnRef idx="2">
+            <a:schemeClr val="accent1"/>
+          </a:lnRef>
+          <a:fillRef idx="0">
+            <a:schemeClr val="accent1"/>
+          </a:fillRef>
+          <a:effectRef idx="1">
+            <a:schemeClr val="accent1"/>
+          </a:effectRef>
+          <a:fontRef idx="minor">
+            <a:schemeClr val="tx1"/>
+          </a:fontRef>
+        </p:style>
+      </p:cxnSp>
+      <p:cxnSp>
+        <p:nvCxnSpPr>
+          <p:cNvPr id="71" name="直線コネクタ 70"/>
+          <p:cNvCxnSpPr>
+            <a:stCxn id="41" idx="1"/>
+            <a:endCxn id="39" idx="3"/>
+          </p:cNvCxnSpPr>
+          <p:nvPr/>
+        </p:nvCxnSpPr>
+        <p:spPr>
+          <a:xfrm flipH="1">
+            <a:off x="6998383" y="2846007"/>
+            <a:ext cx="454540" cy="1598993"/>
+          </a:xfrm>
+          <a:prstGeom prst="line">
+            <a:avLst/>
+          </a:prstGeom>
+          <a:ln>
+            <a:solidFill>
+              <a:schemeClr val="tx1"/>
+            </a:solidFill>
+          </a:ln>
+        </p:spPr>
+        <p:style>
+          <a:lnRef idx="2">
+            <a:schemeClr val="accent1"/>
+          </a:lnRef>
+          <a:fillRef idx="0">
+            <a:schemeClr val="accent1"/>
+          </a:fillRef>
+          <a:effectRef idx="1">
+            <a:schemeClr val="accent1"/>
+          </a:effectRef>
+          <a:fontRef idx="minor">
+            <a:schemeClr val="tx1"/>
+          </a:fontRef>
+        </p:style>
+      </p:cxnSp>
+      <p:cxnSp>
+        <p:nvCxnSpPr>
+          <p:cNvPr id="74" name="直線コネクタ 73"/>
+          <p:cNvCxnSpPr>
+            <a:stCxn id="42" idx="1"/>
+            <a:endCxn id="39" idx="3"/>
+          </p:cNvCxnSpPr>
+          <p:nvPr/>
+        </p:nvCxnSpPr>
+        <p:spPr>
+          <a:xfrm flipH="1">
+            <a:off x="6998383" y="3642938"/>
+            <a:ext cx="454540" cy="802062"/>
+          </a:xfrm>
+          <a:prstGeom prst="line">
+            <a:avLst/>
+          </a:prstGeom>
+          <a:ln>
+            <a:solidFill>
+              <a:schemeClr val="tx1"/>
+            </a:solidFill>
+          </a:ln>
+        </p:spPr>
+        <p:style>
+          <a:lnRef idx="2">
+            <a:schemeClr val="accent1"/>
+          </a:lnRef>
+          <a:fillRef idx="0">
+            <a:schemeClr val="accent1"/>
+          </a:fillRef>
+          <a:effectRef idx="1">
+            <a:schemeClr val="accent1"/>
+          </a:effectRef>
+          <a:fontRef idx="minor">
+            <a:schemeClr val="tx1"/>
+          </a:fontRef>
+        </p:style>
+      </p:cxnSp>
+      <p:cxnSp>
+        <p:nvCxnSpPr>
+          <p:cNvPr id="77" name="直線コネクタ 76"/>
+          <p:cNvCxnSpPr>
+            <a:stCxn id="43" idx="1"/>
+            <a:endCxn id="39" idx="3"/>
+          </p:cNvCxnSpPr>
+          <p:nvPr/>
+        </p:nvCxnSpPr>
+        <p:spPr>
+          <a:xfrm flipH="1" flipV="1">
+            <a:off x="6998383" y="4445000"/>
+            <a:ext cx="454540" cy="6729"/>
+          </a:xfrm>
+          <a:prstGeom prst="line">
+            <a:avLst/>
+          </a:prstGeom>
+          <a:ln>
+            <a:solidFill>
+              <a:schemeClr val="tx1"/>
+            </a:solidFill>
+          </a:ln>
+        </p:spPr>
+        <p:style>
+          <a:lnRef idx="2">
+            <a:schemeClr val="accent1"/>
+          </a:lnRef>
+          <a:fillRef idx="0">
+            <a:schemeClr val="accent1"/>
+          </a:fillRef>
+          <a:effectRef idx="1">
+            <a:schemeClr val="accent1"/>
+          </a:effectRef>
+          <a:fontRef idx="minor">
+            <a:schemeClr val="tx1"/>
+          </a:fontRef>
+        </p:style>
+      </p:cxnSp>
+      <p:sp>
+        <p:nvSpPr>
+          <p:cNvPr id="80" name="正方形/長方形 79"/>
+          <p:cNvSpPr/>
+          <p:nvPr/>
+        </p:nvSpPr>
+        <p:spPr>
+          <a:xfrm>
+            <a:off x="7452923" y="4998453"/>
+            <a:ext cx="1564105" cy="561474"/>
+          </a:xfrm>
+          <a:prstGeom prst="rect">
+            <a:avLst/>
+          </a:prstGeom>
+          <a:noFill/>
+          <a:ln>
+            <a:solidFill>
+              <a:schemeClr val="tx1"/>
+            </a:solidFill>
+          </a:ln>
+        </p:spPr>
+        <p:style>
+          <a:lnRef idx="1">
+            <a:schemeClr val="accent1"/>
+          </a:lnRef>
+          <a:fillRef idx="3">
+            <a:schemeClr val="accent1"/>
+          </a:fillRef>
+          <a:effectRef idx="2">
+            <a:schemeClr val="accent1"/>
+          </a:effectRef>
+          <a:fontRef idx="minor">
+            <a:schemeClr val="lt1"/>
+          </a:fontRef>
+        </p:style>
+        <p:txBody>
+          <a:bodyPr rtlCol="0" anchor="ctr"/>
+          <a:lstStyle/>
+          <a:p>
+            <a:pPr algn="ctr"/>
+            <a:r>
+              <a:rPr lang="ja-JP" altLang="en-US" dirty="0" smtClean="0">
+                <a:solidFill>
+                  <a:schemeClr val="tx1"/>
+                </a:solidFill>
+              </a:rPr>
+              <a:t>売掛金</a:t>
+            </a:r>
+            <a:endParaRPr lang="en-US" altLang="ja-JP" dirty="0" smtClean="0">
+              <a:solidFill>
+                <a:schemeClr val="tx1"/>
+              </a:solidFill>
+            </a:endParaRPr>
+          </a:p>
+        </p:txBody>
+      </p:sp>
+      <p:cxnSp>
+        <p:nvCxnSpPr>
+          <p:cNvPr id="81" name="直線コネクタ 80"/>
+          <p:cNvCxnSpPr>
+            <a:stCxn id="80" idx="1"/>
+            <a:endCxn id="44" idx="3"/>
+          </p:cNvCxnSpPr>
+          <p:nvPr/>
+        </p:nvCxnSpPr>
+        <p:spPr>
+          <a:xfrm flipH="1">
+            <a:off x="6998383" y="5279190"/>
+            <a:ext cx="454540" cy="0"/>
+          </a:xfrm>
+          <a:prstGeom prst="line">
+            <a:avLst/>
+          </a:prstGeom>
+          <a:ln>
+            <a:solidFill>
+              <a:schemeClr val="tx1"/>
+            </a:solidFill>
+          </a:ln>
+        </p:spPr>
+        <p:style>
+          <a:lnRef idx="2">
+            <a:schemeClr val="accent1"/>
+          </a:lnRef>
+          <a:fillRef idx="0">
+            <a:schemeClr val="accent1"/>
+          </a:fillRef>
+          <a:effectRef idx="1">
+            <a:schemeClr val="accent1"/>
+          </a:effectRef>
+          <a:fontRef idx="minor">
+            <a:schemeClr val="tx1"/>
+          </a:fontRef>
+        </p:style>
+      </p:cxnSp>
+      <p:cxnSp>
+        <p:nvCxnSpPr>
+          <p:cNvPr id="84" name="直線コネクタ 83"/>
+          <p:cNvCxnSpPr>
+            <a:stCxn id="44" idx="2"/>
+          </p:cNvCxnSpPr>
+          <p:nvPr/>
+        </p:nvCxnSpPr>
+        <p:spPr>
+          <a:xfrm flipH="1">
+            <a:off x="6216316" y="5559927"/>
+            <a:ext cx="15" cy="1036052"/>
+          </a:xfrm>
+          <a:prstGeom prst="line">
+            <a:avLst/>
+          </a:prstGeom>
+          <a:ln>
+            <a:solidFill>
+              <a:schemeClr val="tx1"/>
+            </a:solidFill>
+            <a:prstDash val="dash"/>
+          </a:ln>
+        </p:spPr>
+        <p:style>
+          <a:lnRef idx="2">
+            <a:schemeClr val="accent1"/>
+          </a:lnRef>
+          <a:fillRef idx="0">
+            <a:schemeClr val="accent1"/>
+          </a:fillRef>
+          <a:effectRef idx="1">
+            <a:schemeClr val="accent1"/>
+          </a:effectRef>
+          <a:fontRef idx="minor">
+            <a:schemeClr val="tx1"/>
+          </a:fontRef>
+        </p:style>
+      </p:cxnSp>
+      <p:cxnSp>
+        <p:nvCxnSpPr>
+          <p:cNvPr id="85" name="直線コネクタ 84"/>
+          <p:cNvCxnSpPr>
+            <a:stCxn id="80" idx="2"/>
+          </p:cNvCxnSpPr>
+          <p:nvPr/>
+        </p:nvCxnSpPr>
+        <p:spPr>
+          <a:xfrm>
+            <a:off x="8234976" y="5559927"/>
+            <a:ext cx="0" cy="1036052"/>
+          </a:xfrm>
+          <a:prstGeom prst="line">
+            <a:avLst/>
+          </a:prstGeom>
+          <a:ln>
+            <a:solidFill>
+              <a:schemeClr val="tx1"/>
+            </a:solidFill>
+            <a:prstDash val="dash"/>
+          </a:ln>
+        </p:spPr>
+        <p:style>
+          <a:lnRef idx="2">
+            <a:schemeClr val="accent1"/>
+          </a:lnRef>
+          <a:fillRef idx="0">
+            <a:schemeClr val="accent1"/>
+          </a:fillRef>
+          <a:effectRef idx="1">
+            <a:schemeClr val="accent1"/>
+          </a:effectRef>
+          <a:fontRef idx="minor">
+            <a:schemeClr val="tx1"/>
+          </a:fontRef>
+        </p:style>
+      </p:cxnSp>
+    </p:spTree>
+    <p:extLst>
+      <p:ext uri="{BB962C8B-B14F-4D97-AF65-F5344CB8AC3E}">
+        <p14:creationId xmlns:p14="http://schemas.microsoft.com/office/powerpoint/2010/main" val="3230949861"/>
+      </p:ext>
+    </p:extLst>
+  </p:cSld>
+  <p:clrMapOvr>
+    <a:masterClrMapping/>
+  </p:clrMapOvr>
+</p:sld>
+</file>
+
+<file path=ppt/slides/slide11.xml><?xml version="1.0" encoding="utf-8"?>
+<p:sld xmlns:a="http://schemas.openxmlformats.org/drawingml/2006/main" xmlns:r="http://schemas.openxmlformats.org/officeDocument/2006/relationships" xmlns:p="http://schemas.openxmlformats.org/presentationml/2006/main">
+  <p:cSld>
+    <p:spTree>
+      <p:nvGrpSpPr>
+        <p:cNvPr id="1" name=""/>
+        <p:cNvGrpSpPr/>
+        <p:nvPr/>
+      </p:nvGrpSpPr>
+      <p:grpSpPr>
+        <a:xfrm>
+          <a:off x="0" y="0"/>
+          <a:ext cx="0" cy="0"/>
+          <a:chOff x="0" y="0"/>
+          <a:chExt cx="0" cy="0"/>
+        </a:xfrm>
+      </p:grpSpPr>
+      <p:sp>
+        <p:nvSpPr>
+          <p:cNvPr id="2" name="タイトル 1"/>
+          <p:cNvSpPr>
+            <a:spLocks noGrp="1"/>
+          </p:cNvSpPr>
+          <p:nvPr>
+            <p:ph type="title"/>
+          </p:nvPr>
+        </p:nvSpPr>
+        <p:spPr/>
+        <p:txBody>
+          <a:bodyPr>
+            <a:normAutofit/>
+          </a:bodyPr>
+          <a:lstStyle/>
+          <a:p>
+            <a:r>
+              <a:rPr kumimoji="1" lang="ja-JP" altLang="en-US" dirty="0" smtClean="0"/>
+              <a:t>勘定科目（財務</a:t>
+            </a:r>
+            <a:r>
+              <a:rPr kumimoji="1" lang="en-US" altLang="ja-JP" dirty="0" smtClean="0"/>
+              <a:t>/</a:t>
+            </a:r>
+            <a:r>
+              <a:rPr kumimoji="1" lang="ja-JP" altLang="en-US" dirty="0" smtClean="0"/>
+              <a:t>勘定分離型）</a:t>
+            </a:r>
+            <a:endParaRPr kumimoji="1" lang="ja-JP" altLang="en-US" dirty="0"/>
+          </a:p>
+        </p:txBody>
+      </p:sp>
+      <p:sp>
+        <p:nvSpPr>
+          <p:cNvPr id="4" name="正方形/長方形 3"/>
+          <p:cNvSpPr/>
+          <p:nvPr/>
+        </p:nvSpPr>
+        <p:spPr>
+          <a:xfrm>
+            <a:off x="254025" y="1364163"/>
+            <a:ext cx="1524000" cy="1671052"/>
+          </a:xfrm>
+          <a:prstGeom prst="rect">
+            <a:avLst/>
+          </a:prstGeom>
+          <a:noFill/>
+          <a:ln>
+            <a:solidFill>
+              <a:schemeClr val="tx1"/>
+            </a:solidFill>
+          </a:ln>
+        </p:spPr>
+        <p:style>
+          <a:lnRef idx="1">
+            <a:schemeClr val="accent1"/>
+          </a:lnRef>
+          <a:fillRef idx="3">
+            <a:schemeClr val="accent1"/>
+          </a:fillRef>
+          <a:effectRef idx="2">
+            <a:schemeClr val="accent1"/>
+          </a:effectRef>
+          <a:fontRef idx="minor">
+            <a:schemeClr val="lt1"/>
+          </a:fontRef>
+        </p:style>
+        <p:txBody>
+          <a:bodyPr rtlCol="0" anchor="t"/>
+          <a:lstStyle/>
+          <a:p>
+            <a:pPr algn="ctr"/>
+            <a:r>
+              <a:rPr lang="en-US" altLang="ja-JP" dirty="0" smtClean="0">
+                <a:solidFill>
+                  <a:schemeClr val="tx1"/>
+                </a:solidFill>
+              </a:rPr>
+              <a:t>BS</a:t>
+            </a:r>
+            <a:r>
+              <a:rPr lang="ja-JP" altLang="en-US" dirty="0" smtClean="0">
+                <a:solidFill>
+                  <a:schemeClr val="tx1"/>
+                </a:solidFill>
+              </a:rPr>
+              <a:t>・</a:t>
+            </a:r>
+            <a:r>
+              <a:rPr lang="en-US" altLang="ja-JP" dirty="0" smtClean="0">
+                <a:solidFill>
+                  <a:schemeClr val="tx1"/>
+                </a:solidFill>
+              </a:rPr>
+              <a:t>PL</a:t>
+            </a:r>
+            <a:endParaRPr kumimoji="1" lang="ja-JP" altLang="en-US" dirty="0">
+              <a:solidFill>
+                <a:schemeClr val="tx1"/>
+              </a:solidFill>
+            </a:endParaRPr>
+          </a:p>
+        </p:txBody>
+      </p:sp>
+      <p:sp>
+        <p:nvSpPr>
+          <p:cNvPr id="5" name="正方形/長方形 4"/>
+          <p:cNvSpPr/>
+          <p:nvPr/>
+        </p:nvSpPr>
+        <p:spPr>
+          <a:xfrm>
+            <a:off x="259377" y="1725108"/>
+            <a:ext cx="1524000" cy="1002635"/>
+          </a:xfrm>
+          <a:prstGeom prst="rect">
+            <a:avLst/>
+          </a:prstGeom>
+          <a:noFill/>
+          <a:ln>
+            <a:solidFill>
+              <a:schemeClr val="tx1"/>
+            </a:solidFill>
+          </a:ln>
+        </p:spPr>
+        <p:style>
+          <a:lnRef idx="1">
+            <a:schemeClr val="accent1"/>
+          </a:lnRef>
+          <a:fillRef idx="3">
+            <a:schemeClr val="accent1"/>
+          </a:fillRef>
+          <a:effectRef idx="2">
+            <a:schemeClr val="accent1"/>
+          </a:effectRef>
+          <a:fontRef idx="minor">
+            <a:schemeClr val="lt1"/>
+          </a:fontRef>
+        </p:style>
+        <p:txBody>
+          <a:bodyPr rtlCol="0" anchor="t"/>
+          <a:lstStyle/>
+          <a:p>
+            <a:pPr marL="285750" indent="-285750">
+              <a:buFontTx/>
+              <a:buChar char="-"/>
+            </a:pPr>
+            <a:r>
+              <a:rPr lang="en-US" altLang="ja-JP" sz="1600" dirty="0">
+                <a:solidFill>
+                  <a:schemeClr val="tx1"/>
+                </a:solidFill>
+              </a:rPr>
+              <a:t>BS</a:t>
+            </a:r>
+            <a:r>
+              <a:rPr lang="ja-JP" altLang="en-US" sz="1600" dirty="0">
+                <a:solidFill>
+                  <a:schemeClr val="tx1"/>
+                </a:solidFill>
+              </a:rPr>
+              <a:t>・</a:t>
+            </a:r>
+            <a:r>
+              <a:rPr lang="en-US" altLang="ja-JP" sz="1600" dirty="0" smtClean="0">
+                <a:solidFill>
+                  <a:schemeClr val="tx1"/>
+                </a:solidFill>
+              </a:rPr>
+              <a:t>PL</a:t>
+            </a:r>
+            <a:endParaRPr lang="en-US" altLang="ja-JP" sz="1600" dirty="0" smtClean="0">
+              <a:solidFill>
+                <a:srgbClr val="000000"/>
+              </a:solidFill>
+            </a:endParaRPr>
+          </a:p>
+          <a:p>
+            <a:pPr marL="285750" indent="-285750">
+              <a:buFontTx/>
+              <a:buChar char="-"/>
+            </a:pPr>
+            <a:r>
+              <a:rPr lang="ja-JP" altLang="en-US" sz="1600" dirty="0" smtClean="0">
+                <a:solidFill>
+                  <a:srgbClr val="000000"/>
+                </a:solidFill>
+              </a:rPr>
+              <a:t>借方・貸方</a:t>
+            </a:r>
+            <a:endParaRPr lang="ja-JP" altLang="en-US" sz="1600" dirty="0">
+              <a:solidFill>
+                <a:schemeClr val="tx1"/>
+              </a:solidFill>
+            </a:endParaRPr>
+          </a:p>
+        </p:txBody>
+      </p:sp>
+      <p:sp>
+        <p:nvSpPr>
+          <p:cNvPr id="10" name="正方形/長方形 9"/>
+          <p:cNvSpPr/>
+          <p:nvPr/>
+        </p:nvSpPr>
+        <p:spPr>
+          <a:xfrm>
+            <a:off x="246009" y="4050636"/>
+            <a:ext cx="1524000" cy="1671052"/>
+          </a:xfrm>
+          <a:prstGeom prst="rect">
+            <a:avLst/>
+          </a:prstGeom>
+          <a:noFill/>
+          <a:ln>
+            <a:solidFill>
+              <a:schemeClr val="tx1"/>
+            </a:solidFill>
+          </a:ln>
+        </p:spPr>
+        <p:style>
+          <a:lnRef idx="1">
+            <a:schemeClr val="accent1"/>
+          </a:lnRef>
+          <a:fillRef idx="3">
+            <a:schemeClr val="accent1"/>
+          </a:fillRef>
+          <a:effectRef idx="2">
+            <a:schemeClr val="accent1"/>
+          </a:effectRef>
+          <a:fontRef idx="minor">
+            <a:schemeClr val="lt1"/>
+          </a:fontRef>
+        </p:style>
+        <p:txBody>
+          <a:bodyPr rtlCol="0" anchor="t"/>
+          <a:lstStyle/>
+          <a:p>
+            <a:pPr algn="ctr"/>
+            <a:r>
+              <a:rPr lang="ja-JP" altLang="en-US" dirty="0" smtClean="0">
+                <a:solidFill>
+                  <a:schemeClr val="tx1"/>
+                </a:solidFill>
+              </a:rPr>
+              <a:t>財務要素</a:t>
+            </a:r>
+            <a:endParaRPr kumimoji="1" lang="ja-JP" altLang="en-US" dirty="0">
+              <a:solidFill>
+                <a:schemeClr val="tx1"/>
+              </a:solidFill>
+            </a:endParaRPr>
+          </a:p>
+        </p:txBody>
+      </p:sp>
+      <p:sp>
+        <p:nvSpPr>
+          <p:cNvPr id="11" name="正方形/長方形 10"/>
+          <p:cNvSpPr/>
+          <p:nvPr/>
+        </p:nvSpPr>
+        <p:spPr>
+          <a:xfrm>
+            <a:off x="251361" y="4411581"/>
+            <a:ext cx="1524000" cy="1002635"/>
+          </a:xfrm>
+          <a:prstGeom prst="rect">
+            <a:avLst/>
+          </a:prstGeom>
+          <a:noFill/>
+          <a:ln>
+            <a:solidFill>
+              <a:schemeClr val="tx1"/>
+            </a:solidFill>
+          </a:ln>
+        </p:spPr>
+        <p:style>
+          <a:lnRef idx="1">
+            <a:schemeClr val="accent1"/>
+          </a:lnRef>
+          <a:fillRef idx="3">
+            <a:schemeClr val="accent1"/>
+          </a:fillRef>
+          <a:effectRef idx="2">
+            <a:schemeClr val="accent1"/>
+          </a:effectRef>
+          <a:fontRef idx="minor">
+            <a:schemeClr val="lt1"/>
+          </a:fontRef>
+        </p:style>
+        <p:txBody>
+          <a:bodyPr rtlCol="0" anchor="t"/>
+          <a:lstStyle/>
+          <a:p>
+            <a:pPr marL="285750" indent="-285750">
+              <a:buFontTx/>
+              <a:buChar char="-"/>
+            </a:pPr>
+            <a:r>
+              <a:rPr lang="ja-JP" altLang="en-US" sz="1600" dirty="0" smtClean="0">
+                <a:solidFill>
+                  <a:srgbClr val="000000"/>
+                </a:solidFill>
+              </a:rPr>
+              <a:t>財務要素名</a:t>
+            </a:r>
+            <a:endParaRPr lang="en-US" altLang="ja-JP" sz="1600" dirty="0" smtClean="0">
+              <a:solidFill>
+                <a:srgbClr val="000000"/>
+              </a:solidFill>
+            </a:endParaRPr>
+          </a:p>
+          <a:p>
+            <a:pPr marL="285750" indent="-285750">
+              <a:buFontTx/>
+              <a:buChar char="-"/>
+            </a:pPr>
+            <a:r>
+              <a:rPr lang="ja-JP" altLang="en-US" sz="1600" dirty="0" smtClean="0">
+                <a:solidFill>
+                  <a:srgbClr val="000000"/>
+                </a:solidFill>
+              </a:rPr>
+              <a:t>上位財務要素名</a:t>
+            </a:r>
+            <a:endParaRPr lang="en-US" altLang="ja-JP" sz="1600" dirty="0" smtClean="0">
+              <a:solidFill>
+                <a:srgbClr val="000000"/>
+              </a:solidFill>
+            </a:endParaRPr>
+          </a:p>
+        </p:txBody>
+      </p:sp>
+      <p:cxnSp>
+        <p:nvCxnSpPr>
+          <p:cNvPr id="12" name="カギ線コネクタ 11"/>
+          <p:cNvCxnSpPr>
+            <a:stCxn id="29" idx="1"/>
+          </p:cNvCxnSpPr>
+          <p:nvPr/>
+        </p:nvCxnSpPr>
+        <p:spPr>
+          <a:xfrm rot="16200000" flipH="1">
+            <a:off x="1268401" y="3917989"/>
+            <a:ext cx="840128" cy="147057"/>
+          </a:xfrm>
+          <a:prstGeom prst="bentConnector5">
+            <a:avLst>
+              <a:gd name="adj1" fmla="val -27210"/>
+              <a:gd name="adj2" fmla="val 309991"/>
+              <a:gd name="adj3" fmla="val 102511"/>
+            </a:avLst>
+          </a:prstGeom>
+          <a:ln>
+            <a:solidFill>
+              <a:schemeClr val="tx1"/>
+            </a:solidFill>
+          </a:ln>
+        </p:spPr>
+        <p:style>
+          <a:lnRef idx="2">
+            <a:schemeClr val="accent1"/>
+          </a:lnRef>
+          <a:fillRef idx="0">
+            <a:schemeClr val="accent1"/>
+          </a:fillRef>
+          <a:effectRef idx="1">
+            <a:schemeClr val="accent1"/>
+          </a:effectRef>
+          <a:fontRef idx="minor">
+            <a:schemeClr val="tx1"/>
+          </a:fontRef>
+        </p:style>
+      </p:cxnSp>
+      <p:sp>
+        <p:nvSpPr>
+          <p:cNvPr id="15" name="フローチャート: 判断 14"/>
+          <p:cNvSpPr/>
+          <p:nvPr/>
+        </p:nvSpPr>
+        <p:spPr>
+          <a:xfrm rot="5400000">
+            <a:off x="794110" y="3144246"/>
+            <a:ext cx="454526" cy="294105"/>
+          </a:xfrm>
+          <a:prstGeom prst="flowChartDecision">
+            <a:avLst/>
+          </a:prstGeom>
+        </p:spPr>
+        <p:style>
+          <a:lnRef idx="1">
+            <a:schemeClr val="dk1"/>
+          </a:lnRef>
+          <a:fillRef idx="3">
+            <a:schemeClr val="dk1"/>
+          </a:fillRef>
+          <a:effectRef idx="2">
+            <a:schemeClr val="dk1"/>
+          </a:effectRef>
+          <a:fontRef idx="minor">
+            <a:schemeClr val="lt1"/>
+          </a:fontRef>
+        </p:style>
+        <p:txBody>
+          <a:bodyPr rtlCol="0" anchor="ctr"/>
+          <a:lstStyle/>
+          <a:p>
+            <a:pPr algn="ctr"/>
+            <a:endParaRPr kumimoji="1" lang="ja-JP" altLang="en-US" dirty="0"/>
+          </a:p>
+        </p:txBody>
+      </p:sp>
+      <p:cxnSp>
+        <p:nvCxnSpPr>
+          <p:cNvPr id="26" name="直線コネクタ 25"/>
+          <p:cNvCxnSpPr>
+            <a:stCxn id="15" idx="3"/>
+            <a:endCxn id="10" idx="0"/>
+          </p:cNvCxnSpPr>
+          <p:nvPr/>
+        </p:nvCxnSpPr>
+        <p:spPr>
+          <a:xfrm flipH="1">
+            <a:off x="1008009" y="3518562"/>
+            <a:ext cx="13364" cy="532074"/>
+          </a:xfrm>
+          <a:prstGeom prst="line">
+            <a:avLst/>
+          </a:prstGeom>
+          <a:ln>
+            <a:solidFill>
+              <a:schemeClr val="tx1"/>
+            </a:solidFill>
+          </a:ln>
+        </p:spPr>
+        <p:style>
+          <a:lnRef idx="2">
+            <a:schemeClr val="accent1"/>
+          </a:lnRef>
+          <a:fillRef idx="0">
+            <a:schemeClr val="accent1"/>
+          </a:fillRef>
+          <a:effectRef idx="1">
+            <a:schemeClr val="accent1"/>
+          </a:effectRef>
+          <a:fontRef idx="minor">
+            <a:schemeClr val="tx1"/>
+          </a:fontRef>
+        </p:style>
+      </p:cxnSp>
+      <p:sp>
+        <p:nvSpPr>
+          <p:cNvPr id="29" name="フローチャート: 判断 28"/>
+          <p:cNvSpPr/>
+          <p:nvPr/>
+        </p:nvSpPr>
+        <p:spPr>
+          <a:xfrm rot="5400000">
+            <a:off x="1387674" y="3651663"/>
+            <a:ext cx="454526" cy="294105"/>
+          </a:xfrm>
+          <a:prstGeom prst="flowChartDecision">
+            <a:avLst/>
+          </a:prstGeom>
+        </p:spPr>
+        <p:style>
+          <a:lnRef idx="1">
+            <a:schemeClr val="dk1"/>
+          </a:lnRef>
+          <a:fillRef idx="3">
+            <a:schemeClr val="dk1"/>
+          </a:fillRef>
+          <a:effectRef idx="2">
+            <a:schemeClr val="dk1"/>
+          </a:effectRef>
+          <a:fontRef idx="minor">
+            <a:schemeClr val="lt1"/>
+          </a:fontRef>
+        </p:style>
+        <p:txBody>
+          <a:bodyPr rtlCol="0" anchor="ctr"/>
+          <a:lstStyle/>
+          <a:p>
+            <a:pPr algn="ctr"/>
+            <a:endParaRPr kumimoji="1" lang="ja-JP" altLang="en-US"/>
+          </a:p>
+        </p:txBody>
+      </p:sp>
+      <p:sp>
+        <p:nvSpPr>
+          <p:cNvPr id="36" name="正方形/長方形 35"/>
+          <p:cNvSpPr/>
+          <p:nvPr/>
+        </p:nvSpPr>
+        <p:spPr>
+          <a:xfrm>
+            <a:off x="3034659" y="1364163"/>
+            <a:ext cx="1564105" cy="561474"/>
+          </a:xfrm>
+          <a:prstGeom prst="rect">
+            <a:avLst/>
+          </a:prstGeom>
+          <a:noFill/>
+          <a:ln>
+            <a:solidFill>
+              <a:schemeClr val="tx1"/>
+            </a:solidFill>
+          </a:ln>
+        </p:spPr>
+        <p:style>
+          <a:lnRef idx="1">
+            <a:schemeClr val="accent1"/>
+          </a:lnRef>
+          <a:fillRef idx="3">
+            <a:schemeClr val="accent1"/>
+          </a:fillRef>
+          <a:effectRef idx="2">
+            <a:schemeClr val="accent1"/>
+          </a:effectRef>
+          <a:fontRef idx="minor">
+            <a:schemeClr val="lt1"/>
+          </a:fontRef>
+        </p:style>
+        <p:txBody>
+          <a:bodyPr rtlCol="0" anchor="ctr"/>
+          <a:lstStyle/>
+          <a:p>
+            <a:pPr algn="ctr"/>
+            <a:r>
+              <a:rPr kumimoji="1" lang="en-US" altLang="ja-JP" dirty="0" smtClean="0">
+                <a:solidFill>
+                  <a:schemeClr val="tx1"/>
+                </a:solidFill>
+              </a:rPr>
+              <a:t>BS</a:t>
+            </a:r>
+            <a:r>
+              <a:rPr lang="ja-JP" altLang="en-US" dirty="0" smtClean="0">
+                <a:solidFill>
+                  <a:schemeClr val="tx1"/>
+                </a:solidFill>
+              </a:rPr>
+              <a:t>借方</a:t>
+            </a:r>
+            <a:endParaRPr lang="en-US" altLang="ja-JP" dirty="0" smtClean="0">
+              <a:solidFill>
+                <a:schemeClr val="tx1"/>
+              </a:solidFill>
+            </a:endParaRPr>
+          </a:p>
+        </p:txBody>
+      </p:sp>
+      <p:sp>
+        <p:nvSpPr>
+          <p:cNvPr id="37" name="正方形/長方形 36"/>
+          <p:cNvSpPr/>
+          <p:nvPr/>
+        </p:nvSpPr>
+        <p:spPr>
+          <a:xfrm>
+            <a:off x="4110807" y="2172201"/>
+            <a:ext cx="1564105" cy="561474"/>
+          </a:xfrm>
+          <a:prstGeom prst="rect">
+            <a:avLst/>
+          </a:prstGeom>
+          <a:noFill/>
+          <a:ln>
+            <a:solidFill>
+              <a:schemeClr val="tx1"/>
+            </a:solidFill>
+          </a:ln>
+        </p:spPr>
+        <p:style>
+          <a:lnRef idx="1">
+            <a:schemeClr val="accent1"/>
+          </a:lnRef>
+          <a:fillRef idx="3">
+            <a:schemeClr val="accent1"/>
+          </a:fillRef>
+          <a:effectRef idx="2">
+            <a:schemeClr val="accent1"/>
+          </a:effectRef>
+          <a:fontRef idx="minor">
+            <a:schemeClr val="lt1"/>
+          </a:fontRef>
+        </p:style>
+        <p:txBody>
+          <a:bodyPr rtlCol="0" anchor="ctr"/>
+          <a:lstStyle/>
+          <a:p>
+            <a:pPr algn="ctr"/>
+            <a:r>
+              <a:rPr lang="ja-JP" altLang="en-US" dirty="0" smtClean="0">
+                <a:solidFill>
+                  <a:schemeClr val="tx1"/>
+                </a:solidFill>
+              </a:rPr>
+              <a:t>資産</a:t>
+            </a:r>
+            <a:endParaRPr lang="en-US" altLang="ja-JP" dirty="0" smtClean="0">
+              <a:solidFill>
+                <a:schemeClr val="tx1"/>
+              </a:solidFill>
+            </a:endParaRPr>
+          </a:p>
+        </p:txBody>
+      </p:sp>
+      <p:sp>
+        <p:nvSpPr>
+          <p:cNvPr id="38" name="正方形/長方形 37"/>
+          <p:cNvSpPr/>
+          <p:nvPr/>
+        </p:nvSpPr>
+        <p:spPr>
+          <a:xfrm>
+            <a:off x="4852756" y="3064035"/>
+            <a:ext cx="1564105" cy="561474"/>
+          </a:xfrm>
+          <a:prstGeom prst="rect">
+            <a:avLst/>
+          </a:prstGeom>
+          <a:noFill/>
+          <a:ln>
+            <a:solidFill>
+              <a:schemeClr val="tx1"/>
+            </a:solidFill>
+          </a:ln>
+        </p:spPr>
+        <p:style>
+          <a:lnRef idx="1">
+            <a:schemeClr val="accent1"/>
+          </a:lnRef>
+          <a:fillRef idx="3">
+            <a:schemeClr val="accent1"/>
+          </a:fillRef>
+          <a:effectRef idx="2">
+            <a:schemeClr val="accent1"/>
+          </a:effectRef>
+          <a:fontRef idx="minor">
+            <a:schemeClr val="lt1"/>
+          </a:fontRef>
+        </p:style>
+        <p:txBody>
+          <a:bodyPr rtlCol="0" anchor="ctr"/>
+          <a:lstStyle/>
+          <a:p>
+            <a:pPr algn="ctr"/>
+            <a:r>
+              <a:rPr lang="ja-JP" altLang="en-US" dirty="0" smtClean="0">
+                <a:solidFill>
+                  <a:schemeClr val="tx1"/>
+                </a:solidFill>
+              </a:rPr>
+              <a:t>流動資産</a:t>
+            </a:r>
+            <a:endParaRPr lang="en-US" altLang="ja-JP" dirty="0" smtClean="0">
+              <a:solidFill>
+                <a:schemeClr val="tx1"/>
+              </a:solidFill>
+            </a:endParaRPr>
+          </a:p>
+        </p:txBody>
+      </p:sp>
+      <p:sp>
+        <p:nvSpPr>
+          <p:cNvPr id="39" name="正方形/長方形 38"/>
+          <p:cNvSpPr/>
+          <p:nvPr/>
+        </p:nvSpPr>
+        <p:spPr>
+          <a:xfrm>
+            <a:off x="5434278" y="4164263"/>
+            <a:ext cx="1564105" cy="561474"/>
+          </a:xfrm>
+          <a:prstGeom prst="rect">
+            <a:avLst/>
+          </a:prstGeom>
+          <a:noFill/>
+          <a:ln>
+            <a:solidFill>
+              <a:schemeClr val="tx1"/>
+            </a:solidFill>
+          </a:ln>
+        </p:spPr>
+        <p:style>
+          <a:lnRef idx="1">
+            <a:schemeClr val="accent1"/>
+          </a:lnRef>
+          <a:fillRef idx="3">
+            <a:schemeClr val="accent1"/>
+          </a:fillRef>
+          <a:effectRef idx="2">
+            <a:schemeClr val="accent1"/>
+          </a:effectRef>
+          <a:fontRef idx="minor">
+            <a:schemeClr val="lt1"/>
+          </a:fontRef>
+        </p:style>
+        <p:txBody>
+          <a:bodyPr rtlCol="0" anchor="ctr"/>
+          <a:lstStyle/>
+          <a:p>
+            <a:pPr algn="ctr"/>
+            <a:r>
+              <a:rPr lang="ja-JP" altLang="en-US" dirty="0" smtClean="0">
+                <a:solidFill>
+                  <a:schemeClr val="tx1"/>
+                </a:solidFill>
+              </a:rPr>
+              <a:t>現金及び預金</a:t>
+            </a:r>
+            <a:endParaRPr lang="en-US" altLang="ja-JP" dirty="0" smtClean="0">
+              <a:solidFill>
+                <a:schemeClr val="tx1"/>
+              </a:solidFill>
+            </a:endParaRPr>
+          </a:p>
+        </p:txBody>
+      </p:sp>
+      <p:sp>
+        <p:nvSpPr>
+          <p:cNvPr id="40" name="正方形/長方形 39"/>
+          <p:cNvSpPr/>
+          <p:nvPr/>
+        </p:nvSpPr>
+        <p:spPr>
+          <a:xfrm>
+            <a:off x="7452923" y="1791991"/>
+            <a:ext cx="1564105" cy="561474"/>
+          </a:xfrm>
+          <a:prstGeom prst="rect">
+            <a:avLst/>
+          </a:prstGeom>
+          <a:noFill/>
+          <a:ln>
+            <a:solidFill>
+              <a:schemeClr val="tx1"/>
+            </a:solidFill>
+          </a:ln>
+        </p:spPr>
+        <p:style>
+          <a:lnRef idx="1">
+            <a:schemeClr val="accent1"/>
+          </a:lnRef>
+          <a:fillRef idx="3">
+            <a:schemeClr val="accent1"/>
+          </a:fillRef>
+          <a:effectRef idx="2">
+            <a:schemeClr val="accent1"/>
+          </a:effectRef>
+          <a:fontRef idx="minor">
+            <a:schemeClr val="lt1"/>
+          </a:fontRef>
+        </p:style>
+        <p:txBody>
+          <a:bodyPr rtlCol="0" anchor="ctr"/>
+          <a:lstStyle/>
+          <a:p>
+            <a:pPr algn="ctr"/>
+            <a:r>
+              <a:rPr lang="ja-JP" altLang="en-US" dirty="0" smtClean="0">
+                <a:solidFill>
+                  <a:schemeClr val="tx1"/>
+                </a:solidFill>
+              </a:rPr>
+              <a:t>現金</a:t>
+            </a:r>
+            <a:endParaRPr lang="en-US" altLang="ja-JP" dirty="0" smtClean="0">
+              <a:solidFill>
+                <a:schemeClr val="tx1"/>
+              </a:solidFill>
+            </a:endParaRPr>
+          </a:p>
+        </p:txBody>
+      </p:sp>
+      <p:sp>
+        <p:nvSpPr>
+          <p:cNvPr id="41" name="正方形/長方形 40"/>
+          <p:cNvSpPr/>
+          <p:nvPr/>
+        </p:nvSpPr>
+        <p:spPr>
+          <a:xfrm>
+            <a:off x="7452923" y="2565270"/>
+            <a:ext cx="1564105" cy="561474"/>
+          </a:xfrm>
+          <a:prstGeom prst="rect">
+            <a:avLst/>
+          </a:prstGeom>
+          <a:noFill/>
+          <a:ln>
+            <a:solidFill>
+              <a:schemeClr val="tx1"/>
+            </a:solidFill>
+          </a:ln>
+        </p:spPr>
+        <p:style>
+          <a:lnRef idx="1">
+            <a:schemeClr val="accent1"/>
+          </a:lnRef>
+          <a:fillRef idx="3">
+            <a:schemeClr val="accent1"/>
+          </a:fillRef>
+          <a:effectRef idx="2">
+            <a:schemeClr val="accent1"/>
+          </a:effectRef>
+          <a:fontRef idx="minor">
+            <a:schemeClr val="lt1"/>
+          </a:fontRef>
+        </p:style>
+        <p:txBody>
+          <a:bodyPr rtlCol="0" anchor="ctr"/>
+          <a:lstStyle/>
+          <a:p>
+            <a:pPr algn="ctr"/>
+            <a:r>
+              <a:rPr lang="ja-JP" altLang="en-US" dirty="0" smtClean="0">
+                <a:solidFill>
+                  <a:schemeClr val="tx1"/>
+                </a:solidFill>
+              </a:rPr>
+              <a:t>当座預金</a:t>
+            </a:r>
+            <a:endParaRPr lang="en-US" altLang="ja-JP" dirty="0" smtClean="0">
+              <a:solidFill>
+                <a:schemeClr val="tx1"/>
+              </a:solidFill>
+            </a:endParaRPr>
+          </a:p>
+        </p:txBody>
+      </p:sp>
+      <p:sp>
+        <p:nvSpPr>
+          <p:cNvPr id="42" name="正方形/長方形 41"/>
+          <p:cNvSpPr/>
+          <p:nvPr/>
+        </p:nvSpPr>
+        <p:spPr>
+          <a:xfrm>
+            <a:off x="7452923" y="3362201"/>
+            <a:ext cx="1564105" cy="561474"/>
+          </a:xfrm>
+          <a:prstGeom prst="rect">
+            <a:avLst/>
+          </a:prstGeom>
+          <a:noFill/>
+          <a:ln>
+            <a:solidFill>
+              <a:schemeClr val="tx1"/>
+            </a:solidFill>
+          </a:ln>
+        </p:spPr>
+        <p:style>
+          <a:lnRef idx="1">
+            <a:schemeClr val="accent1"/>
+          </a:lnRef>
+          <a:fillRef idx="3">
+            <a:schemeClr val="accent1"/>
+          </a:fillRef>
+          <a:effectRef idx="2">
+            <a:schemeClr val="accent1"/>
+          </a:effectRef>
+          <a:fontRef idx="minor">
+            <a:schemeClr val="lt1"/>
+          </a:fontRef>
+        </p:style>
+        <p:txBody>
+          <a:bodyPr rtlCol="0" anchor="ctr"/>
+          <a:lstStyle/>
+          <a:p>
+            <a:pPr algn="ctr"/>
+            <a:r>
+              <a:rPr lang="ja-JP" altLang="en-US" dirty="0" smtClean="0">
+                <a:solidFill>
+                  <a:schemeClr val="tx1"/>
+                </a:solidFill>
+              </a:rPr>
+              <a:t>普通預金</a:t>
+            </a:r>
+            <a:endParaRPr lang="en-US" altLang="ja-JP" dirty="0" smtClean="0">
+              <a:solidFill>
+                <a:schemeClr val="tx1"/>
+              </a:solidFill>
+            </a:endParaRPr>
+          </a:p>
+        </p:txBody>
+      </p:sp>
+      <p:sp>
+        <p:nvSpPr>
+          <p:cNvPr id="43" name="正方形/長方形 42"/>
+          <p:cNvSpPr/>
+          <p:nvPr/>
+        </p:nvSpPr>
+        <p:spPr>
+          <a:xfrm>
+            <a:off x="7452923" y="4170992"/>
+            <a:ext cx="1564105" cy="561474"/>
+          </a:xfrm>
+          <a:prstGeom prst="rect">
+            <a:avLst/>
+          </a:prstGeom>
+          <a:noFill/>
+          <a:ln>
+            <a:solidFill>
+              <a:schemeClr val="tx1"/>
+            </a:solidFill>
+          </a:ln>
+        </p:spPr>
+        <p:style>
+          <a:lnRef idx="1">
+            <a:schemeClr val="accent1"/>
+          </a:lnRef>
+          <a:fillRef idx="3">
+            <a:schemeClr val="accent1"/>
+          </a:fillRef>
+          <a:effectRef idx="2">
+            <a:schemeClr val="accent1"/>
+          </a:effectRef>
+          <a:fontRef idx="minor">
+            <a:schemeClr val="lt1"/>
+          </a:fontRef>
+        </p:style>
+        <p:txBody>
+          <a:bodyPr rtlCol="0" anchor="ctr"/>
+          <a:lstStyle/>
+          <a:p>
+            <a:pPr algn="ctr"/>
+            <a:r>
+              <a:rPr lang="ja-JP" altLang="en-US" dirty="0" smtClean="0">
+                <a:solidFill>
+                  <a:schemeClr val="tx1"/>
+                </a:solidFill>
+              </a:rPr>
+              <a:t>定期預金</a:t>
+            </a:r>
+            <a:endParaRPr lang="en-US" altLang="ja-JP" dirty="0" smtClean="0">
+              <a:solidFill>
+                <a:schemeClr val="tx1"/>
+              </a:solidFill>
+            </a:endParaRPr>
+          </a:p>
+        </p:txBody>
+      </p:sp>
+      <p:sp>
+        <p:nvSpPr>
+          <p:cNvPr id="44" name="正方形/長方形 43"/>
+          <p:cNvSpPr/>
+          <p:nvPr/>
+        </p:nvSpPr>
+        <p:spPr>
+          <a:xfrm>
+            <a:off x="5434278" y="4998453"/>
+            <a:ext cx="1564105" cy="561474"/>
+          </a:xfrm>
+          <a:prstGeom prst="rect">
+            <a:avLst/>
+          </a:prstGeom>
+          <a:noFill/>
+          <a:ln>
+            <a:solidFill>
+              <a:schemeClr val="tx1"/>
+            </a:solidFill>
+          </a:ln>
+        </p:spPr>
+        <p:style>
+          <a:lnRef idx="1">
+            <a:schemeClr val="accent1"/>
+          </a:lnRef>
+          <a:fillRef idx="3">
+            <a:schemeClr val="accent1"/>
+          </a:fillRef>
+          <a:effectRef idx="2">
+            <a:schemeClr val="accent1"/>
+          </a:effectRef>
+          <a:fontRef idx="minor">
+            <a:schemeClr val="lt1"/>
+          </a:fontRef>
+        </p:style>
+        <p:txBody>
+          <a:bodyPr rtlCol="0" anchor="ctr"/>
+          <a:lstStyle/>
+          <a:p>
+            <a:pPr algn="ctr"/>
+            <a:r>
+              <a:rPr lang="ja-JP" altLang="en-US" dirty="0" smtClean="0">
+                <a:solidFill>
+                  <a:schemeClr val="tx1"/>
+                </a:solidFill>
+              </a:rPr>
+              <a:t>売掛金</a:t>
+            </a:r>
+            <a:endParaRPr lang="en-US" altLang="ja-JP" dirty="0" smtClean="0">
+              <a:solidFill>
+                <a:schemeClr val="tx1"/>
+              </a:solidFill>
+            </a:endParaRPr>
+          </a:p>
+        </p:txBody>
+      </p:sp>
+      <p:cxnSp>
+        <p:nvCxnSpPr>
+          <p:cNvPr id="45" name="カギ線コネクタ 44"/>
+          <p:cNvCxnSpPr>
+            <a:stCxn id="37" idx="1"/>
+            <a:endCxn id="36" idx="2"/>
+          </p:cNvCxnSpPr>
+          <p:nvPr/>
+        </p:nvCxnSpPr>
+        <p:spPr>
+          <a:xfrm rot="10800000">
+            <a:off x="3816713" y="1925638"/>
+            <a:ext cx="294095" cy="527301"/>
+          </a:xfrm>
+          <a:prstGeom prst="bentConnector2">
+            <a:avLst/>
+          </a:prstGeom>
+          <a:ln>
+            <a:solidFill>
+              <a:schemeClr val="tx1"/>
+            </a:solidFill>
+          </a:ln>
+        </p:spPr>
+        <p:style>
+          <a:lnRef idx="2">
+            <a:schemeClr val="accent1"/>
+          </a:lnRef>
+          <a:fillRef idx="0">
+            <a:schemeClr val="accent1"/>
+          </a:fillRef>
+          <a:effectRef idx="1">
+            <a:schemeClr val="accent1"/>
+          </a:effectRef>
+          <a:fontRef idx="minor">
+            <a:schemeClr val="tx1"/>
+          </a:fontRef>
+        </p:style>
+      </p:cxnSp>
+      <p:cxnSp>
+        <p:nvCxnSpPr>
+          <p:cNvPr id="52" name="直線コネクタ 51"/>
+          <p:cNvCxnSpPr/>
+          <p:nvPr/>
+        </p:nvCxnSpPr>
+        <p:spPr>
+          <a:xfrm>
+            <a:off x="4382170" y="2727743"/>
+            <a:ext cx="0" cy="3715836"/>
+          </a:xfrm>
+          <a:prstGeom prst="line">
+            <a:avLst/>
+          </a:prstGeom>
+          <a:ln>
+            <a:solidFill>
+              <a:schemeClr val="tx1"/>
+            </a:solidFill>
+          </a:ln>
+        </p:spPr>
+        <p:style>
+          <a:lnRef idx="2">
+            <a:schemeClr val="accent1"/>
+          </a:lnRef>
+          <a:fillRef idx="0">
+            <a:schemeClr val="accent1"/>
+          </a:fillRef>
+          <a:effectRef idx="1">
+            <a:schemeClr val="accent1"/>
+          </a:effectRef>
+          <a:fontRef idx="minor">
+            <a:schemeClr val="tx1"/>
+          </a:fontRef>
+        </p:style>
+      </p:cxnSp>
+      <p:cxnSp>
+        <p:nvCxnSpPr>
+          <p:cNvPr id="55" name="直線コネクタ 54"/>
+          <p:cNvCxnSpPr>
+            <a:endCxn id="38" idx="1"/>
+          </p:cNvCxnSpPr>
+          <p:nvPr/>
+        </p:nvCxnSpPr>
+        <p:spPr>
+          <a:xfrm>
+            <a:off x="4382170" y="3344772"/>
+            <a:ext cx="470586" cy="0"/>
+          </a:xfrm>
+          <a:prstGeom prst="line">
+            <a:avLst/>
+          </a:prstGeom>
+          <a:ln>
+            <a:solidFill>
+              <a:schemeClr val="tx1"/>
+            </a:solidFill>
+          </a:ln>
+        </p:spPr>
+        <p:style>
+          <a:lnRef idx="2">
+            <a:schemeClr val="accent1"/>
+          </a:lnRef>
+          <a:fillRef idx="0">
+            <a:schemeClr val="accent1"/>
+          </a:fillRef>
+          <a:effectRef idx="1">
+            <a:schemeClr val="accent1"/>
+          </a:effectRef>
+          <a:fontRef idx="minor">
+            <a:schemeClr val="tx1"/>
+          </a:fontRef>
+        </p:style>
+      </p:cxnSp>
+      <p:cxnSp>
+        <p:nvCxnSpPr>
+          <p:cNvPr id="58" name="直線コネクタ 57"/>
+          <p:cNvCxnSpPr/>
+          <p:nvPr/>
+        </p:nvCxnSpPr>
+        <p:spPr>
+          <a:xfrm>
+            <a:off x="5069290" y="3625509"/>
+            <a:ext cx="0" cy="2970470"/>
+          </a:xfrm>
+          <a:prstGeom prst="line">
+            <a:avLst/>
+          </a:prstGeom>
+          <a:ln>
+            <a:solidFill>
+              <a:schemeClr val="tx1"/>
+            </a:solidFill>
+          </a:ln>
+        </p:spPr>
+        <p:style>
+          <a:lnRef idx="2">
+            <a:schemeClr val="accent1"/>
+          </a:lnRef>
+          <a:fillRef idx="0">
+            <a:schemeClr val="accent1"/>
+          </a:fillRef>
+          <a:effectRef idx="1">
+            <a:schemeClr val="accent1"/>
+          </a:effectRef>
+          <a:fontRef idx="minor">
+            <a:schemeClr val="tx1"/>
+          </a:fontRef>
+        </p:style>
+      </p:cxnSp>
+      <p:cxnSp>
+        <p:nvCxnSpPr>
+          <p:cNvPr id="63" name="直線コネクタ 62"/>
+          <p:cNvCxnSpPr>
+            <a:endCxn id="39" idx="1"/>
+          </p:cNvCxnSpPr>
+          <p:nvPr/>
+        </p:nvCxnSpPr>
+        <p:spPr>
+          <a:xfrm>
+            <a:off x="5069290" y="4445000"/>
+            <a:ext cx="364988" cy="0"/>
+          </a:xfrm>
+          <a:prstGeom prst="line">
+            <a:avLst/>
+          </a:prstGeom>
+          <a:ln>
+            <a:solidFill>
+              <a:schemeClr val="tx1"/>
+            </a:solidFill>
+          </a:ln>
+        </p:spPr>
+        <p:style>
+          <a:lnRef idx="2">
+            <a:schemeClr val="accent1"/>
+          </a:lnRef>
+          <a:fillRef idx="0">
+            <a:schemeClr val="accent1"/>
+          </a:fillRef>
+          <a:effectRef idx="1">
+            <a:schemeClr val="accent1"/>
+          </a:effectRef>
+          <a:fontRef idx="minor">
+            <a:schemeClr val="tx1"/>
+          </a:fontRef>
+        </p:style>
+      </p:cxnSp>
+      <p:cxnSp>
+        <p:nvCxnSpPr>
+          <p:cNvPr id="66" name="直線コネクタ 65"/>
+          <p:cNvCxnSpPr>
+            <a:endCxn id="44" idx="1"/>
+          </p:cNvCxnSpPr>
+          <p:nvPr/>
+        </p:nvCxnSpPr>
+        <p:spPr>
+          <a:xfrm>
+            <a:off x="5069290" y="5279190"/>
+            <a:ext cx="364988" cy="0"/>
+          </a:xfrm>
+          <a:prstGeom prst="line">
+            <a:avLst/>
+          </a:prstGeom>
+          <a:ln>
+            <a:solidFill>
+              <a:schemeClr val="tx1"/>
+            </a:solidFill>
+          </a:ln>
+        </p:spPr>
+        <p:style>
+          <a:lnRef idx="2">
+            <a:schemeClr val="accent1"/>
+          </a:lnRef>
+          <a:fillRef idx="0">
+            <a:schemeClr val="accent1"/>
+          </a:fillRef>
+          <a:effectRef idx="1">
+            <a:schemeClr val="accent1"/>
+          </a:effectRef>
+          <a:fontRef idx="minor">
+            <a:schemeClr val="tx1"/>
+          </a:fontRef>
+        </p:style>
+      </p:cxnSp>
+      <p:cxnSp>
+        <p:nvCxnSpPr>
+          <p:cNvPr id="70" name="直線コネクタ 69"/>
+          <p:cNvCxnSpPr>
+            <a:stCxn id="40" idx="1"/>
+            <a:endCxn id="39" idx="3"/>
+          </p:cNvCxnSpPr>
+          <p:nvPr/>
+        </p:nvCxnSpPr>
+        <p:spPr>
+          <a:xfrm flipH="1">
+            <a:off x="6998383" y="2072728"/>
+            <a:ext cx="454540" cy="2372272"/>
+          </a:xfrm>
+          <a:prstGeom prst="line">
+            <a:avLst/>
+          </a:prstGeom>
+          <a:ln>
+            <a:solidFill>
+              <a:schemeClr val="tx1"/>
+            </a:solidFill>
+          </a:ln>
+        </p:spPr>
+        <p:style>
+          <a:lnRef idx="2">
+            <a:schemeClr val="accent1"/>
+          </a:lnRef>
+          <a:fillRef idx="0">
+            <a:schemeClr val="accent1"/>
+          </a:fillRef>
+          <a:effectRef idx="1">
+            <a:schemeClr val="accent1"/>
+          </a:effectRef>
+          <a:fontRef idx="minor">
+            <a:schemeClr val="tx1"/>
+          </a:fontRef>
+        </p:style>
+      </p:cxnSp>
+      <p:cxnSp>
+        <p:nvCxnSpPr>
+          <p:cNvPr id="71" name="直線コネクタ 70"/>
+          <p:cNvCxnSpPr>
+            <a:stCxn id="41" idx="1"/>
+            <a:endCxn id="39" idx="3"/>
+          </p:cNvCxnSpPr>
+          <p:nvPr/>
+        </p:nvCxnSpPr>
+        <p:spPr>
+          <a:xfrm flipH="1">
+            <a:off x="6998383" y="2846007"/>
+            <a:ext cx="454540" cy="1598993"/>
+          </a:xfrm>
+          <a:prstGeom prst="line">
+            <a:avLst/>
+          </a:prstGeom>
+          <a:ln>
+            <a:solidFill>
+              <a:schemeClr val="tx1"/>
+            </a:solidFill>
+          </a:ln>
+        </p:spPr>
+        <p:style>
+          <a:lnRef idx="2">
+            <a:schemeClr val="accent1"/>
+          </a:lnRef>
+          <a:fillRef idx="0">
+            <a:schemeClr val="accent1"/>
+          </a:fillRef>
+          <a:effectRef idx="1">
+            <a:schemeClr val="accent1"/>
+          </a:effectRef>
+          <a:fontRef idx="minor">
+            <a:schemeClr val="tx1"/>
+          </a:fontRef>
+        </p:style>
+      </p:cxnSp>
+      <p:cxnSp>
+        <p:nvCxnSpPr>
+          <p:cNvPr id="74" name="直線コネクタ 73"/>
+          <p:cNvCxnSpPr>
+            <a:stCxn id="42" idx="1"/>
+            <a:endCxn id="39" idx="3"/>
+          </p:cNvCxnSpPr>
+          <p:nvPr/>
+        </p:nvCxnSpPr>
+        <p:spPr>
+          <a:xfrm flipH="1">
+            <a:off x="6998383" y="3642938"/>
+            <a:ext cx="454540" cy="802062"/>
+          </a:xfrm>
+          <a:prstGeom prst="line">
+            <a:avLst/>
+          </a:prstGeom>
+          <a:ln>
+            <a:solidFill>
+              <a:schemeClr val="tx1"/>
+            </a:solidFill>
+          </a:ln>
+        </p:spPr>
+        <p:style>
+          <a:lnRef idx="2">
+            <a:schemeClr val="accent1"/>
+          </a:lnRef>
+          <a:fillRef idx="0">
+            <a:schemeClr val="accent1"/>
+          </a:fillRef>
+          <a:effectRef idx="1">
+            <a:schemeClr val="accent1"/>
+          </a:effectRef>
+          <a:fontRef idx="minor">
+            <a:schemeClr val="tx1"/>
+          </a:fontRef>
+        </p:style>
+      </p:cxnSp>
+      <p:cxnSp>
+        <p:nvCxnSpPr>
+          <p:cNvPr id="77" name="直線コネクタ 76"/>
+          <p:cNvCxnSpPr>
+            <a:stCxn id="43" idx="1"/>
+            <a:endCxn id="39" idx="3"/>
+          </p:cNvCxnSpPr>
+          <p:nvPr/>
+        </p:nvCxnSpPr>
+        <p:spPr>
+          <a:xfrm flipH="1" flipV="1">
+            <a:off x="6998383" y="4445000"/>
+            <a:ext cx="454540" cy="6729"/>
+          </a:xfrm>
+          <a:prstGeom prst="line">
+            <a:avLst/>
+          </a:prstGeom>
+          <a:ln>
+            <a:solidFill>
+              <a:schemeClr val="tx1"/>
+            </a:solidFill>
+          </a:ln>
+        </p:spPr>
+        <p:style>
+          <a:lnRef idx="2">
+            <a:schemeClr val="accent1"/>
+          </a:lnRef>
+          <a:fillRef idx="0">
+            <a:schemeClr val="accent1"/>
+          </a:fillRef>
+          <a:effectRef idx="1">
+            <a:schemeClr val="accent1"/>
+          </a:effectRef>
+          <a:fontRef idx="minor">
+            <a:schemeClr val="tx1"/>
+          </a:fontRef>
+        </p:style>
+      </p:cxnSp>
+      <p:sp>
+        <p:nvSpPr>
+          <p:cNvPr id="80" name="正方形/長方形 79"/>
+          <p:cNvSpPr/>
+          <p:nvPr/>
+        </p:nvSpPr>
+        <p:spPr>
+          <a:xfrm>
+            <a:off x="7452923" y="4998453"/>
+            <a:ext cx="1564105" cy="561474"/>
+          </a:xfrm>
+          <a:prstGeom prst="rect">
+            <a:avLst/>
+          </a:prstGeom>
+          <a:noFill/>
+          <a:ln>
+            <a:solidFill>
+              <a:schemeClr val="tx1"/>
+            </a:solidFill>
+          </a:ln>
+        </p:spPr>
+        <p:style>
+          <a:lnRef idx="1">
+            <a:schemeClr val="accent1"/>
+          </a:lnRef>
+          <a:fillRef idx="3">
+            <a:schemeClr val="accent1"/>
+          </a:fillRef>
+          <a:effectRef idx="2">
+            <a:schemeClr val="accent1"/>
+          </a:effectRef>
+          <a:fontRef idx="minor">
+            <a:schemeClr val="lt1"/>
+          </a:fontRef>
+        </p:style>
+        <p:txBody>
+          <a:bodyPr rtlCol="0" anchor="ctr"/>
+          <a:lstStyle/>
+          <a:p>
+            <a:pPr algn="ctr"/>
+            <a:r>
+              <a:rPr lang="ja-JP" altLang="en-US" dirty="0" smtClean="0">
+                <a:solidFill>
+                  <a:schemeClr val="tx1"/>
+                </a:solidFill>
+              </a:rPr>
+              <a:t>売掛金</a:t>
+            </a:r>
+            <a:endParaRPr lang="en-US" altLang="ja-JP" dirty="0" smtClean="0">
+              <a:solidFill>
+                <a:schemeClr val="tx1"/>
+              </a:solidFill>
+            </a:endParaRPr>
+          </a:p>
+        </p:txBody>
+      </p:sp>
+      <p:cxnSp>
+        <p:nvCxnSpPr>
+          <p:cNvPr id="81" name="直線コネクタ 80"/>
+          <p:cNvCxnSpPr>
+            <a:stCxn id="80" idx="1"/>
+            <a:endCxn id="44" idx="3"/>
+          </p:cNvCxnSpPr>
+          <p:nvPr/>
+        </p:nvCxnSpPr>
+        <p:spPr>
+          <a:xfrm flipH="1">
+            <a:off x="6998383" y="5279190"/>
+            <a:ext cx="454540" cy="0"/>
+          </a:xfrm>
+          <a:prstGeom prst="line">
+            <a:avLst/>
+          </a:prstGeom>
+          <a:ln>
+            <a:solidFill>
+              <a:schemeClr val="tx1"/>
+            </a:solidFill>
+          </a:ln>
+        </p:spPr>
+        <p:style>
+          <a:lnRef idx="2">
+            <a:schemeClr val="accent1"/>
+          </a:lnRef>
+          <a:fillRef idx="0">
+            <a:schemeClr val="accent1"/>
+          </a:fillRef>
+          <a:effectRef idx="1">
+            <a:schemeClr val="accent1"/>
+          </a:effectRef>
+          <a:fontRef idx="minor">
+            <a:schemeClr val="tx1"/>
+          </a:fontRef>
+        </p:style>
+      </p:cxnSp>
+      <p:cxnSp>
+        <p:nvCxnSpPr>
+          <p:cNvPr id="84" name="直線コネクタ 83"/>
+          <p:cNvCxnSpPr>
+            <a:stCxn id="44" idx="2"/>
+          </p:cNvCxnSpPr>
+          <p:nvPr/>
+        </p:nvCxnSpPr>
+        <p:spPr>
+          <a:xfrm flipH="1">
+            <a:off x="6216316" y="5559927"/>
+            <a:ext cx="15" cy="1036052"/>
+          </a:xfrm>
+          <a:prstGeom prst="line">
+            <a:avLst/>
+          </a:prstGeom>
+          <a:ln>
+            <a:solidFill>
+              <a:schemeClr val="tx1"/>
+            </a:solidFill>
+            <a:prstDash val="dash"/>
+          </a:ln>
+        </p:spPr>
+        <p:style>
+          <a:lnRef idx="2">
+            <a:schemeClr val="accent1"/>
+          </a:lnRef>
+          <a:fillRef idx="0">
+            <a:schemeClr val="accent1"/>
+          </a:fillRef>
+          <a:effectRef idx="1">
+            <a:schemeClr val="accent1"/>
+          </a:effectRef>
+          <a:fontRef idx="minor">
+            <a:schemeClr val="tx1"/>
+          </a:fontRef>
+        </p:style>
+      </p:cxnSp>
+      <p:cxnSp>
+        <p:nvCxnSpPr>
+          <p:cNvPr id="85" name="直線コネクタ 84"/>
+          <p:cNvCxnSpPr>
+            <a:stCxn id="80" idx="2"/>
+          </p:cNvCxnSpPr>
+          <p:nvPr/>
+        </p:nvCxnSpPr>
+        <p:spPr>
+          <a:xfrm>
+            <a:off x="8234976" y="5559927"/>
+            <a:ext cx="0" cy="1036052"/>
+          </a:xfrm>
+          <a:prstGeom prst="line">
+            <a:avLst/>
+          </a:prstGeom>
+          <a:ln>
+            <a:solidFill>
+              <a:schemeClr val="tx1"/>
+            </a:solidFill>
+            <a:prstDash val="dash"/>
+          </a:ln>
+        </p:spPr>
+        <p:style>
+          <a:lnRef idx="2">
+            <a:schemeClr val="accent1"/>
+          </a:lnRef>
+          <a:fillRef idx="0">
+            <a:schemeClr val="accent1"/>
+          </a:fillRef>
+          <a:effectRef idx="1">
+            <a:schemeClr val="accent1"/>
+          </a:effectRef>
+          <a:fontRef idx="minor">
+            <a:schemeClr val="tx1"/>
+          </a:fontRef>
+        </p:style>
+      </p:cxnSp>
+      <p:sp>
+        <p:nvSpPr>
+          <p:cNvPr id="53" name="正方形/長方形 52"/>
+          <p:cNvSpPr/>
+          <p:nvPr/>
+        </p:nvSpPr>
+        <p:spPr>
+          <a:xfrm>
+            <a:off x="2586808" y="4055988"/>
+            <a:ext cx="1524000" cy="1671052"/>
+          </a:xfrm>
+          <a:prstGeom prst="rect">
+            <a:avLst/>
+          </a:prstGeom>
+          <a:noFill/>
+          <a:ln>
+            <a:solidFill>
+              <a:schemeClr val="tx1"/>
+            </a:solidFill>
+          </a:ln>
+        </p:spPr>
+        <p:style>
+          <a:lnRef idx="1">
+            <a:schemeClr val="accent1"/>
+          </a:lnRef>
+          <a:fillRef idx="3">
+            <a:schemeClr val="accent1"/>
+          </a:fillRef>
+          <a:effectRef idx="2">
+            <a:schemeClr val="accent1"/>
+          </a:effectRef>
+          <a:fontRef idx="minor">
+            <a:schemeClr val="lt1"/>
+          </a:fontRef>
+        </p:style>
+        <p:txBody>
+          <a:bodyPr rtlCol="0" anchor="t"/>
+          <a:lstStyle/>
+          <a:p>
+            <a:pPr algn="ctr"/>
+            <a:r>
+              <a:rPr lang="ja-JP" altLang="en-US" dirty="0" smtClean="0">
+                <a:solidFill>
+                  <a:schemeClr val="tx1"/>
+                </a:solidFill>
+              </a:rPr>
+              <a:t>勘定科目</a:t>
+            </a:r>
+            <a:endParaRPr kumimoji="1" lang="ja-JP" altLang="en-US" dirty="0">
+              <a:solidFill>
+                <a:schemeClr val="tx1"/>
+              </a:solidFill>
+            </a:endParaRPr>
+          </a:p>
+        </p:txBody>
+      </p:sp>
+      <p:sp>
+        <p:nvSpPr>
+          <p:cNvPr id="54" name="正方形/長方形 53"/>
+          <p:cNvSpPr/>
+          <p:nvPr/>
+        </p:nvSpPr>
+        <p:spPr>
+          <a:xfrm>
+            <a:off x="2592160" y="4416933"/>
+            <a:ext cx="1524000" cy="1002635"/>
+          </a:xfrm>
+          <a:prstGeom prst="rect">
+            <a:avLst/>
+          </a:prstGeom>
+          <a:noFill/>
+          <a:ln>
+            <a:solidFill>
+              <a:schemeClr val="tx1"/>
+            </a:solidFill>
+          </a:ln>
+        </p:spPr>
+        <p:style>
+          <a:lnRef idx="1">
+            <a:schemeClr val="accent1"/>
+          </a:lnRef>
+          <a:fillRef idx="3">
+            <a:schemeClr val="accent1"/>
+          </a:fillRef>
+          <a:effectRef idx="2">
+            <a:schemeClr val="accent1"/>
+          </a:effectRef>
+          <a:fontRef idx="minor">
+            <a:schemeClr val="lt1"/>
+          </a:fontRef>
+        </p:style>
+        <p:txBody>
+          <a:bodyPr rtlCol="0" anchor="t"/>
+          <a:lstStyle/>
+          <a:p>
+            <a:pPr marL="285750" indent="-285750">
+              <a:buFontTx/>
+              <a:buChar char="-"/>
+            </a:pPr>
+            <a:r>
+              <a:rPr kumimoji="1" lang="ja-JP" altLang="en-US" sz="1600" dirty="0" smtClean="0">
+                <a:solidFill>
+                  <a:srgbClr val="000000"/>
+                </a:solidFill>
+              </a:rPr>
+              <a:t>勘定コード</a:t>
+            </a:r>
+            <a:endParaRPr kumimoji="1" lang="en-US" altLang="ja-JP" sz="1600" dirty="0" smtClean="0">
+              <a:solidFill>
+                <a:srgbClr val="000000"/>
+              </a:solidFill>
+            </a:endParaRPr>
+          </a:p>
+          <a:p>
+            <a:pPr marL="285750" indent="-285750">
+              <a:buFontTx/>
+              <a:buChar char="-"/>
+            </a:pPr>
+            <a:r>
+              <a:rPr lang="ja-JP" altLang="en-US" sz="1600" dirty="0" smtClean="0">
+                <a:solidFill>
+                  <a:srgbClr val="000000"/>
+                </a:solidFill>
+              </a:rPr>
+              <a:t>勘定</a:t>
+            </a:r>
+            <a:r>
+              <a:rPr lang="ja-JP" altLang="en-US" sz="1600" dirty="0" smtClean="0">
+                <a:solidFill>
+                  <a:srgbClr val="000000"/>
+                </a:solidFill>
+              </a:rPr>
+              <a:t>科目名</a:t>
+            </a:r>
+            <a:endParaRPr lang="en-US" altLang="ja-JP" sz="1600" dirty="0" smtClean="0">
+              <a:solidFill>
+                <a:srgbClr val="000000"/>
+              </a:solidFill>
+            </a:endParaRPr>
+          </a:p>
+        </p:txBody>
+      </p:sp>
+      <p:cxnSp>
+        <p:nvCxnSpPr>
+          <p:cNvPr id="56" name="直線コネクタ 55"/>
+          <p:cNvCxnSpPr>
+            <a:endCxn id="53" idx="1"/>
+          </p:cNvCxnSpPr>
+          <p:nvPr/>
+        </p:nvCxnSpPr>
+        <p:spPr>
+          <a:xfrm>
+            <a:off x="1778052" y="4879520"/>
+            <a:ext cx="808756" cy="11994"/>
+          </a:xfrm>
+          <a:prstGeom prst="line">
+            <a:avLst/>
+          </a:prstGeom>
+          <a:ln>
+            <a:headEnd type="none"/>
+            <a:tailEnd type="none"/>
+          </a:ln>
+        </p:spPr>
+        <p:style>
+          <a:lnRef idx="2">
+            <a:schemeClr val="dk1"/>
+          </a:lnRef>
+          <a:fillRef idx="0">
+            <a:schemeClr val="dk1"/>
+          </a:fillRef>
+          <a:effectRef idx="1">
+            <a:schemeClr val="dk1"/>
+          </a:effectRef>
+          <a:fontRef idx="minor">
+            <a:schemeClr val="tx1"/>
+          </a:fontRef>
+        </p:style>
+      </p:cxnSp>
+      <p:sp>
+        <p:nvSpPr>
+          <p:cNvPr id="57" name="フローチャート: 判断 56"/>
+          <p:cNvSpPr/>
+          <p:nvPr/>
+        </p:nvSpPr>
+        <p:spPr>
+          <a:xfrm>
+            <a:off x="1783404" y="4732466"/>
+            <a:ext cx="454526" cy="294105"/>
+          </a:xfrm>
+          <a:prstGeom prst="flowChartDecision">
+            <a:avLst/>
+          </a:prstGeom>
+        </p:spPr>
+        <p:style>
+          <a:lnRef idx="1">
+            <a:schemeClr val="dk1"/>
+          </a:lnRef>
+          <a:fillRef idx="3">
+            <a:schemeClr val="dk1"/>
+          </a:fillRef>
+          <a:effectRef idx="2">
+            <a:schemeClr val="dk1"/>
+          </a:effectRef>
+          <a:fontRef idx="minor">
+            <a:schemeClr val="lt1"/>
+          </a:fontRef>
+        </p:style>
+        <p:txBody>
+          <a:bodyPr rtlCol="0" anchor="ctr"/>
+          <a:lstStyle/>
+          <a:p>
+            <a:pPr algn="ctr"/>
+            <a:endParaRPr kumimoji="1" lang="ja-JP" altLang="en-US"/>
+          </a:p>
+        </p:txBody>
+      </p:sp>
+    </p:spTree>
+    <p:extLst>
+      <p:ext uri="{BB962C8B-B14F-4D97-AF65-F5344CB8AC3E}">
+        <p14:creationId xmlns:p14="http://schemas.microsoft.com/office/powerpoint/2010/main" val="1529219817"/>
+      </p:ext>
+    </p:extLst>
+  </p:cSld>
+  <p:clrMapOvr>
+    <a:masterClrMapping/>
+  </p:clrMapOvr>
+</p:sld>
+</file>
+
+<file path=ppt/slides/slide12.xml><?xml version="1.0" encoding="utf-8"?>
+<p:sld xmlns:a="http://schemas.openxmlformats.org/drawingml/2006/main" xmlns:r="http://schemas.openxmlformats.org/officeDocument/2006/relationships" xmlns:p="http://schemas.openxmlformats.org/presentationml/2006/main">
+  <p:cSld>
+    <p:spTree>
+      <p:nvGrpSpPr>
+        <p:cNvPr id="1" name=""/>
+        <p:cNvGrpSpPr/>
+        <p:nvPr/>
+      </p:nvGrpSpPr>
+      <p:grpSpPr>
+        <a:xfrm>
+          <a:off x="0" y="0"/>
+          <a:ext cx="0" cy="0"/>
+          <a:chOff x="0" y="0"/>
+          <a:chExt cx="0" cy="0"/>
+        </a:xfrm>
+      </p:grpSpPr>
+      <p:sp>
+        <p:nvSpPr>
+          <p:cNvPr id="2" name="タイトル 1"/>
+          <p:cNvSpPr>
+            <a:spLocks noGrp="1"/>
+          </p:cNvSpPr>
+          <p:nvPr>
+            <p:ph type="title"/>
+          </p:nvPr>
+        </p:nvSpPr>
+        <p:spPr/>
+        <p:txBody>
+          <a:bodyPr>
+            <a:normAutofit/>
+          </a:bodyPr>
+          <a:lstStyle/>
+          <a:p>
+            <a:r>
+              <a:rPr kumimoji="1" lang="ja-JP" altLang="en-US" dirty="0" smtClean="0"/>
+              <a:t>勘定科目（チルダ連結方式）</a:t>
+            </a:r>
+            <a:endParaRPr kumimoji="1" lang="ja-JP" altLang="en-US" dirty="0"/>
+          </a:p>
+        </p:txBody>
+      </p:sp>
+      <p:sp>
+        <p:nvSpPr>
+          <p:cNvPr id="4" name="正方形/長方形 3"/>
+          <p:cNvSpPr/>
+          <p:nvPr/>
+        </p:nvSpPr>
+        <p:spPr>
+          <a:xfrm>
+            <a:off x="254025" y="1364163"/>
+            <a:ext cx="1524000" cy="1671052"/>
+          </a:xfrm>
+          <a:prstGeom prst="rect">
+            <a:avLst/>
+          </a:prstGeom>
+          <a:noFill/>
+          <a:ln>
+            <a:solidFill>
+              <a:schemeClr val="tx1"/>
+            </a:solidFill>
+          </a:ln>
+        </p:spPr>
+        <p:style>
+          <a:lnRef idx="1">
+            <a:schemeClr val="accent1"/>
+          </a:lnRef>
+          <a:fillRef idx="3">
+            <a:schemeClr val="accent1"/>
+          </a:fillRef>
+          <a:effectRef idx="2">
+            <a:schemeClr val="accent1"/>
+          </a:effectRef>
+          <a:fontRef idx="minor">
+            <a:schemeClr val="lt1"/>
+          </a:fontRef>
+        </p:style>
+        <p:txBody>
+          <a:bodyPr rtlCol="0" anchor="t"/>
+          <a:lstStyle/>
+          <a:p>
+            <a:pPr algn="ctr"/>
+            <a:r>
+              <a:rPr lang="en-US" altLang="ja-JP" dirty="0" smtClean="0">
+                <a:solidFill>
+                  <a:schemeClr val="tx1"/>
+                </a:solidFill>
+              </a:rPr>
+              <a:t>BS</a:t>
+            </a:r>
+            <a:r>
+              <a:rPr lang="ja-JP" altLang="en-US" dirty="0" smtClean="0">
+                <a:solidFill>
+                  <a:schemeClr val="tx1"/>
+                </a:solidFill>
+              </a:rPr>
+              <a:t>・</a:t>
+            </a:r>
+            <a:r>
+              <a:rPr lang="en-US" altLang="ja-JP" dirty="0" smtClean="0">
+                <a:solidFill>
+                  <a:schemeClr val="tx1"/>
+                </a:solidFill>
+              </a:rPr>
+              <a:t>PL</a:t>
+            </a:r>
+            <a:endParaRPr kumimoji="1" lang="ja-JP" altLang="en-US" dirty="0">
+              <a:solidFill>
+                <a:schemeClr val="tx1"/>
+              </a:solidFill>
+            </a:endParaRPr>
+          </a:p>
+        </p:txBody>
+      </p:sp>
+      <p:sp>
+        <p:nvSpPr>
+          <p:cNvPr id="5" name="正方形/長方形 4"/>
+          <p:cNvSpPr/>
+          <p:nvPr/>
+        </p:nvSpPr>
+        <p:spPr>
+          <a:xfrm>
+            <a:off x="259377" y="1725108"/>
+            <a:ext cx="1524000" cy="1002635"/>
+          </a:xfrm>
+          <a:prstGeom prst="rect">
+            <a:avLst/>
+          </a:prstGeom>
+          <a:noFill/>
+          <a:ln>
+            <a:solidFill>
+              <a:schemeClr val="tx1"/>
+            </a:solidFill>
+          </a:ln>
+        </p:spPr>
+        <p:style>
+          <a:lnRef idx="1">
+            <a:schemeClr val="accent1"/>
+          </a:lnRef>
+          <a:fillRef idx="3">
+            <a:schemeClr val="accent1"/>
+          </a:fillRef>
+          <a:effectRef idx="2">
+            <a:schemeClr val="accent1"/>
+          </a:effectRef>
+          <a:fontRef idx="minor">
+            <a:schemeClr val="lt1"/>
+          </a:fontRef>
+        </p:style>
+        <p:txBody>
+          <a:bodyPr rtlCol="0" anchor="t"/>
+          <a:lstStyle/>
+          <a:p>
+            <a:pPr marL="285750" indent="-285750">
+              <a:buFontTx/>
+              <a:buChar char="-"/>
+            </a:pPr>
+            <a:r>
+              <a:rPr lang="en-US" altLang="ja-JP" sz="1600" dirty="0">
+                <a:solidFill>
+                  <a:schemeClr val="tx1"/>
+                </a:solidFill>
+              </a:rPr>
+              <a:t>BS</a:t>
+            </a:r>
+            <a:r>
+              <a:rPr lang="ja-JP" altLang="en-US" sz="1600" dirty="0">
+                <a:solidFill>
+                  <a:schemeClr val="tx1"/>
+                </a:solidFill>
+              </a:rPr>
+              <a:t>・</a:t>
+            </a:r>
+            <a:r>
+              <a:rPr lang="en-US" altLang="ja-JP" sz="1600" dirty="0" smtClean="0">
+                <a:solidFill>
+                  <a:schemeClr val="tx1"/>
+                </a:solidFill>
+              </a:rPr>
+              <a:t>PL</a:t>
+            </a:r>
+            <a:endParaRPr lang="en-US" altLang="ja-JP" sz="1600" dirty="0" smtClean="0">
+              <a:solidFill>
+                <a:srgbClr val="000000"/>
+              </a:solidFill>
+            </a:endParaRPr>
+          </a:p>
+          <a:p>
+            <a:pPr marL="285750" indent="-285750">
+              <a:buFontTx/>
+              <a:buChar char="-"/>
+            </a:pPr>
+            <a:r>
+              <a:rPr lang="ja-JP" altLang="en-US" sz="1600" dirty="0" smtClean="0">
+                <a:solidFill>
+                  <a:srgbClr val="000000"/>
+                </a:solidFill>
+              </a:rPr>
+              <a:t>借方・貸方</a:t>
+            </a:r>
+            <a:endParaRPr lang="ja-JP" altLang="en-US" sz="1600" dirty="0">
+              <a:solidFill>
+                <a:schemeClr val="tx1"/>
+              </a:solidFill>
+            </a:endParaRPr>
+          </a:p>
+        </p:txBody>
+      </p:sp>
+      <p:sp>
+        <p:nvSpPr>
+          <p:cNvPr id="10" name="正方形/長方形 9"/>
+          <p:cNvSpPr/>
+          <p:nvPr/>
+        </p:nvSpPr>
+        <p:spPr>
+          <a:xfrm>
+            <a:off x="246009" y="4050636"/>
+            <a:ext cx="1524000" cy="1671052"/>
+          </a:xfrm>
+          <a:prstGeom prst="rect">
+            <a:avLst/>
+          </a:prstGeom>
+          <a:noFill/>
+          <a:ln>
+            <a:solidFill>
+              <a:schemeClr val="tx1"/>
+            </a:solidFill>
+          </a:ln>
+        </p:spPr>
+        <p:style>
+          <a:lnRef idx="1">
+            <a:schemeClr val="accent1"/>
+          </a:lnRef>
+          <a:fillRef idx="3">
+            <a:schemeClr val="accent1"/>
+          </a:fillRef>
+          <a:effectRef idx="2">
+            <a:schemeClr val="accent1"/>
+          </a:effectRef>
+          <a:fontRef idx="minor">
+            <a:schemeClr val="lt1"/>
+          </a:fontRef>
+        </p:style>
+        <p:txBody>
+          <a:bodyPr rtlCol="0" anchor="t"/>
+          <a:lstStyle/>
+          <a:p>
+            <a:pPr algn="ctr"/>
+            <a:r>
+              <a:rPr lang="ja-JP" altLang="en-US" dirty="0" smtClean="0">
+                <a:solidFill>
+                  <a:schemeClr val="tx1"/>
+                </a:solidFill>
+              </a:rPr>
+              <a:t>勘定科目</a:t>
+            </a:r>
+            <a:endParaRPr kumimoji="1" lang="ja-JP" altLang="en-US" dirty="0">
+              <a:solidFill>
+                <a:schemeClr val="tx1"/>
+              </a:solidFill>
+            </a:endParaRPr>
+          </a:p>
+        </p:txBody>
+      </p:sp>
+      <p:sp>
+        <p:nvSpPr>
+          <p:cNvPr id="11" name="正方形/長方形 10"/>
+          <p:cNvSpPr/>
+          <p:nvPr/>
+        </p:nvSpPr>
+        <p:spPr>
+          <a:xfrm>
+            <a:off x="251361" y="4411581"/>
+            <a:ext cx="1524000" cy="1002635"/>
+          </a:xfrm>
+          <a:prstGeom prst="rect">
+            <a:avLst/>
+          </a:prstGeom>
+          <a:noFill/>
+          <a:ln>
+            <a:solidFill>
+              <a:schemeClr val="tx1"/>
+            </a:solidFill>
+          </a:ln>
+        </p:spPr>
+        <p:style>
+          <a:lnRef idx="1">
+            <a:schemeClr val="accent1"/>
+          </a:lnRef>
+          <a:fillRef idx="3">
+            <a:schemeClr val="accent1"/>
+          </a:fillRef>
+          <a:effectRef idx="2">
+            <a:schemeClr val="accent1"/>
+          </a:effectRef>
+          <a:fontRef idx="minor">
+            <a:schemeClr val="lt1"/>
+          </a:fontRef>
+        </p:style>
+        <p:txBody>
+          <a:bodyPr rtlCol="0" anchor="t"/>
+          <a:lstStyle/>
+          <a:p>
+            <a:pPr marL="285750" indent="-285750">
+              <a:buFontTx/>
+              <a:buChar char="-"/>
+            </a:pPr>
+            <a:r>
+              <a:rPr lang="ja-JP" altLang="en-US" sz="1600" dirty="0">
+                <a:solidFill>
+                  <a:srgbClr val="000000"/>
+                </a:solidFill>
+              </a:rPr>
+              <a:t>勘定コード</a:t>
+            </a:r>
+            <a:endParaRPr lang="en-US" altLang="ja-JP" sz="1600" dirty="0">
+              <a:solidFill>
+                <a:srgbClr val="000000"/>
+              </a:solidFill>
+            </a:endParaRPr>
+          </a:p>
+          <a:p>
+            <a:pPr marL="285750" indent="-285750">
+              <a:buFontTx/>
+              <a:buChar char="-"/>
+            </a:pPr>
+            <a:r>
+              <a:rPr lang="ja-JP" altLang="en-US" sz="1600" dirty="0">
+                <a:solidFill>
+                  <a:srgbClr val="000000"/>
+                </a:solidFill>
+              </a:rPr>
+              <a:t>勘定科目名</a:t>
+            </a:r>
+            <a:endParaRPr lang="en-US" altLang="ja-JP" sz="1600" dirty="0">
+              <a:solidFill>
+                <a:srgbClr val="000000"/>
+              </a:solidFill>
+            </a:endParaRPr>
+          </a:p>
+        </p:txBody>
+      </p:sp>
+      <p:sp>
+        <p:nvSpPr>
+          <p:cNvPr id="15" name="フローチャート: 判断 14"/>
+          <p:cNvSpPr/>
+          <p:nvPr/>
+        </p:nvSpPr>
+        <p:spPr>
+          <a:xfrm rot="5400000">
+            <a:off x="794110" y="3144246"/>
+            <a:ext cx="454526" cy="294105"/>
+          </a:xfrm>
+          <a:prstGeom prst="flowChartDecision">
+            <a:avLst/>
+          </a:prstGeom>
+        </p:spPr>
+        <p:style>
+          <a:lnRef idx="1">
+            <a:schemeClr val="dk1"/>
+          </a:lnRef>
+          <a:fillRef idx="3">
+            <a:schemeClr val="dk1"/>
+          </a:fillRef>
+          <a:effectRef idx="2">
+            <a:schemeClr val="dk1"/>
+          </a:effectRef>
+          <a:fontRef idx="minor">
+            <a:schemeClr val="lt1"/>
+          </a:fontRef>
+        </p:style>
+        <p:txBody>
+          <a:bodyPr rtlCol="0" anchor="ctr"/>
+          <a:lstStyle/>
+          <a:p>
+            <a:pPr algn="ctr"/>
+            <a:endParaRPr kumimoji="1" lang="ja-JP" altLang="en-US" dirty="0"/>
+          </a:p>
+        </p:txBody>
+      </p:sp>
+      <p:cxnSp>
+        <p:nvCxnSpPr>
+          <p:cNvPr id="26" name="直線コネクタ 25"/>
+          <p:cNvCxnSpPr>
+            <a:stCxn id="15" idx="3"/>
+            <a:endCxn id="10" idx="0"/>
+          </p:cNvCxnSpPr>
+          <p:nvPr/>
+        </p:nvCxnSpPr>
+        <p:spPr>
+          <a:xfrm flipH="1">
+            <a:off x="1008009" y="3518562"/>
+            <a:ext cx="13364" cy="532074"/>
+          </a:xfrm>
+          <a:prstGeom prst="line">
+            <a:avLst/>
+          </a:prstGeom>
+          <a:ln>
+            <a:solidFill>
+              <a:schemeClr val="tx1"/>
+            </a:solidFill>
+          </a:ln>
+        </p:spPr>
+        <p:style>
+          <a:lnRef idx="2">
+            <a:schemeClr val="accent1"/>
+          </a:lnRef>
+          <a:fillRef idx="0">
+            <a:schemeClr val="accent1"/>
+          </a:fillRef>
+          <a:effectRef idx="1">
+            <a:schemeClr val="accent1"/>
+          </a:effectRef>
+          <a:fontRef idx="minor">
+            <a:schemeClr val="tx1"/>
+          </a:fontRef>
+        </p:style>
+      </p:cxnSp>
+      <p:sp>
+        <p:nvSpPr>
+          <p:cNvPr id="36" name="正方形/長方形 35"/>
+          <p:cNvSpPr/>
+          <p:nvPr/>
+        </p:nvSpPr>
+        <p:spPr>
+          <a:xfrm>
+            <a:off x="4629453" y="1244470"/>
+            <a:ext cx="1564105" cy="561474"/>
+          </a:xfrm>
+          <a:prstGeom prst="rect">
+            <a:avLst/>
+          </a:prstGeom>
+          <a:noFill/>
+          <a:ln>
+            <a:solidFill>
+              <a:schemeClr val="tx1"/>
+            </a:solidFill>
+          </a:ln>
+        </p:spPr>
+        <p:style>
+          <a:lnRef idx="1">
+            <a:schemeClr val="accent1"/>
+          </a:lnRef>
+          <a:fillRef idx="3">
+            <a:schemeClr val="accent1"/>
+          </a:fillRef>
+          <a:effectRef idx="2">
+            <a:schemeClr val="accent1"/>
+          </a:effectRef>
+          <a:fontRef idx="minor">
+            <a:schemeClr val="lt1"/>
+          </a:fontRef>
+        </p:style>
+        <p:txBody>
+          <a:bodyPr rtlCol="0" anchor="ctr"/>
+          <a:lstStyle/>
+          <a:p>
+            <a:pPr algn="ctr"/>
+            <a:r>
+              <a:rPr kumimoji="1" lang="en-US" altLang="ja-JP" dirty="0" smtClean="0">
+                <a:solidFill>
+                  <a:schemeClr val="tx1"/>
+                </a:solidFill>
+              </a:rPr>
+              <a:t>BS</a:t>
+            </a:r>
+            <a:r>
+              <a:rPr lang="ja-JP" altLang="en-US" dirty="0" smtClean="0">
+                <a:solidFill>
+                  <a:schemeClr val="tx1"/>
+                </a:solidFill>
+              </a:rPr>
+              <a:t>借方</a:t>
+            </a:r>
+            <a:endParaRPr lang="en-US" altLang="ja-JP" dirty="0" smtClean="0">
+              <a:solidFill>
+                <a:schemeClr val="tx1"/>
+              </a:solidFill>
+            </a:endParaRPr>
+          </a:p>
+        </p:txBody>
+      </p:sp>
+      <p:sp>
+        <p:nvSpPr>
+          <p:cNvPr id="37" name="正方形/長方形 36"/>
+          <p:cNvSpPr/>
+          <p:nvPr/>
+        </p:nvSpPr>
+        <p:spPr>
+          <a:xfrm>
+            <a:off x="6021074" y="1956839"/>
+            <a:ext cx="1564105" cy="561474"/>
+          </a:xfrm>
+          <a:prstGeom prst="rect">
+            <a:avLst/>
+          </a:prstGeom>
+          <a:noFill/>
+          <a:ln>
+            <a:solidFill>
+              <a:schemeClr val="tx1"/>
+            </a:solidFill>
+          </a:ln>
+        </p:spPr>
+        <p:style>
+          <a:lnRef idx="1">
+            <a:schemeClr val="accent1"/>
+          </a:lnRef>
+          <a:fillRef idx="3">
+            <a:schemeClr val="accent1"/>
+          </a:fillRef>
+          <a:effectRef idx="2">
+            <a:schemeClr val="accent1"/>
+          </a:effectRef>
+          <a:fontRef idx="minor">
+            <a:schemeClr val="lt1"/>
+          </a:fontRef>
+        </p:style>
+        <p:txBody>
+          <a:bodyPr rtlCol="0" anchor="ctr"/>
+          <a:lstStyle/>
+          <a:p>
+            <a:pPr algn="ctr"/>
+            <a:r>
+              <a:rPr lang="ja-JP" altLang="en-US" dirty="0" smtClean="0">
+                <a:solidFill>
+                  <a:schemeClr val="tx1"/>
+                </a:solidFill>
+              </a:rPr>
+              <a:t>資産</a:t>
+            </a:r>
+            <a:endParaRPr lang="en-US" altLang="ja-JP" dirty="0" smtClean="0">
+              <a:solidFill>
+                <a:schemeClr val="tx1"/>
+              </a:solidFill>
+            </a:endParaRPr>
+          </a:p>
+        </p:txBody>
+      </p:sp>
+      <p:sp>
+        <p:nvSpPr>
+          <p:cNvPr id="38" name="正方形/長方形 37"/>
+          <p:cNvSpPr/>
+          <p:nvPr/>
+        </p:nvSpPr>
+        <p:spPr>
+          <a:xfrm>
+            <a:off x="6021074" y="2727743"/>
+            <a:ext cx="1564105" cy="561474"/>
+          </a:xfrm>
+          <a:prstGeom prst="rect">
+            <a:avLst/>
+          </a:prstGeom>
+          <a:noFill/>
+          <a:ln>
+            <a:solidFill>
+              <a:schemeClr val="tx1"/>
+            </a:solidFill>
+          </a:ln>
+        </p:spPr>
+        <p:style>
+          <a:lnRef idx="1">
+            <a:schemeClr val="accent1"/>
+          </a:lnRef>
+          <a:fillRef idx="3">
+            <a:schemeClr val="accent1"/>
+          </a:fillRef>
+          <a:effectRef idx="2">
+            <a:schemeClr val="accent1"/>
+          </a:effectRef>
+          <a:fontRef idx="minor">
+            <a:schemeClr val="lt1"/>
+          </a:fontRef>
+        </p:style>
+        <p:txBody>
+          <a:bodyPr rtlCol="0" anchor="ctr"/>
+          <a:lstStyle/>
+          <a:p>
+            <a:pPr algn="ctr"/>
+            <a:r>
+              <a:rPr lang="ja-JP" altLang="en-US" dirty="0" smtClean="0">
+                <a:solidFill>
+                  <a:schemeClr val="tx1"/>
+                </a:solidFill>
+              </a:rPr>
+              <a:t>流動資産</a:t>
+            </a:r>
+            <a:endParaRPr lang="en-US" altLang="ja-JP" dirty="0" smtClean="0">
+              <a:solidFill>
+                <a:schemeClr val="tx1"/>
+              </a:solidFill>
+            </a:endParaRPr>
+          </a:p>
+        </p:txBody>
+      </p:sp>
+      <p:sp>
+        <p:nvSpPr>
+          <p:cNvPr id="39" name="正方形/長方形 38"/>
+          <p:cNvSpPr/>
+          <p:nvPr/>
+        </p:nvSpPr>
+        <p:spPr>
+          <a:xfrm>
+            <a:off x="6021074" y="3495846"/>
+            <a:ext cx="1564105" cy="561474"/>
+          </a:xfrm>
+          <a:prstGeom prst="rect">
+            <a:avLst/>
+          </a:prstGeom>
+          <a:noFill/>
+          <a:ln>
+            <a:solidFill>
+              <a:schemeClr val="tx1"/>
+            </a:solidFill>
+          </a:ln>
+        </p:spPr>
+        <p:style>
+          <a:lnRef idx="1">
+            <a:schemeClr val="accent1"/>
+          </a:lnRef>
+          <a:fillRef idx="3">
+            <a:schemeClr val="accent1"/>
+          </a:fillRef>
+          <a:effectRef idx="2">
+            <a:schemeClr val="accent1"/>
+          </a:effectRef>
+          <a:fontRef idx="minor">
+            <a:schemeClr val="lt1"/>
+          </a:fontRef>
+        </p:style>
+        <p:txBody>
+          <a:bodyPr rtlCol="0" anchor="ctr"/>
+          <a:lstStyle/>
+          <a:p>
+            <a:pPr algn="ctr"/>
+            <a:r>
+              <a:rPr lang="ja-JP" altLang="en-US" dirty="0" smtClean="0">
+                <a:solidFill>
+                  <a:schemeClr val="tx1"/>
+                </a:solidFill>
+              </a:rPr>
+              <a:t>現金及び預金</a:t>
+            </a:r>
+            <a:endParaRPr lang="en-US" altLang="ja-JP" dirty="0" smtClean="0">
+              <a:solidFill>
+                <a:schemeClr val="tx1"/>
+              </a:solidFill>
+            </a:endParaRPr>
+          </a:p>
+        </p:txBody>
+      </p:sp>
+      <p:sp>
+        <p:nvSpPr>
+          <p:cNvPr id="40" name="正方形/長方形 39"/>
+          <p:cNvSpPr/>
+          <p:nvPr/>
+        </p:nvSpPr>
+        <p:spPr>
+          <a:xfrm>
+            <a:off x="6021074" y="4211720"/>
+            <a:ext cx="1564105" cy="561474"/>
+          </a:xfrm>
+          <a:prstGeom prst="rect">
+            <a:avLst/>
+          </a:prstGeom>
+          <a:noFill/>
+          <a:ln>
+            <a:solidFill>
+              <a:schemeClr val="tx1"/>
+            </a:solidFill>
+          </a:ln>
+        </p:spPr>
+        <p:style>
+          <a:lnRef idx="1">
+            <a:schemeClr val="accent1"/>
+          </a:lnRef>
+          <a:fillRef idx="3">
+            <a:schemeClr val="accent1"/>
+          </a:fillRef>
+          <a:effectRef idx="2">
+            <a:schemeClr val="accent1"/>
+          </a:effectRef>
+          <a:fontRef idx="minor">
+            <a:schemeClr val="lt1"/>
+          </a:fontRef>
+        </p:style>
+        <p:txBody>
+          <a:bodyPr rtlCol="0" anchor="ctr"/>
+          <a:lstStyle/>
+          <a:p>
+            <a:pPr algn="ctr"/>
+            <a:r>
+              <a:rPr lang="ja-JP" altLang="en-US" dirty="0" smtClean="0">
+                <a:solidFill>
+                  <a:schemeClr val="tx1"/>
+                </a:solidFill>
+              </a:rPr>
+              <a:t>現金</a:t>
+            </a:r>
+            <a:endParaRPr lang="en-US" altLang="ja-JP" dirty="0" smtClean="0">
+              <a:solidFill>
+                <a:schemeClr val="tx1"/>
+              </a:solidFill>
+            </a:endParaRPr>
+          </a:p>
+        </p:txBody>
+      </p:sp>
+      <p:sp>
+        <p:nvSpPr>
+          <p:cNvPr id="41" name="正方形/長方形 40"/>
+          <p:cNvSpPr/>
+          <p:nvPr/>
+        </p:nvSpPr>
+        <p:spPr>
+          <a:xfrm>
+            <a:off x="6021074" y="4903416"/>
+            <a:ext cx="1564105" cy="561474"/>
+          </a:xfrm>
+          <a:prstGeom prst="rect">
+            <a:avLst/>
+          </a:prstGeom>
+          <a:noFill/>
+          <a:ln>
+            <a:solidFill>
+              <a:schemeClr val="tx1"/>
+            </a:solidFill>
+          </a:ln>
+        </p:spPr>
+        <p:style>
+          <a:lnRef idx="1">
+            <a:schemeClr val="accent1"/>
+          </a:lnRef>
+          <a:fillRef idx="3">
+            <a:schemeClr val="accent1"/>
+          </a:fillRef>
+          <a:effectRef idx="2">
+            <a:schemeClr val="accent1"/>
+          </a:effectRef>
+          <a:fontRef idx="minor">
+            <a:schemeClr val="lt1"/>
+          </a:fontRef>
+        </p:style>
+        <p:txBody>
+          <a:bodyPr rtlCol="0" anchor="ctr"/>
+          <a:lstStyle/>
+          <a:p>
+            <a:pPr algn="ctr"/>
+            <a:r>
+              <a:rPr lang="ja-JP" altLang="en-US" dirty="0" smtClean="0">
+                <a:solidFill>
+                  <a:schemeClr val="tx1"/>
+                </a:solidFill>
+              </a:rPr>
+              <a:t>当座預金</a:t>
+            </a:r>
+            <a:endParaRPr lang="en-US" altLang="ja-JP" dirty="0" smtClean="0">
+              <a:solidFill>
+                <a:schemeClr val="tx1"/>
+              </a:solidFill>
+            </a:endParaRPr>
+          </a:p>
+        </p:txBody>
+      </p:sp>
+      <p:cxnSp>
+        <p:nvCxnSpPr>
+          <p:cNvPr id="52" name="直線コネクタ 51"/>
+          <p:cNvCxnSpPr>
+            <a:stCxn id="36" idx="2"/>
+          </p:cNvCxnSpPr>
+          <p:nvPr/>
+        </p:nvCxnSpPr>
+        <p:spPr>
+          <a:xfrm>
+            <a:off x="5411506" y="1805944"/>
+            <a:ext cx="0" cy="5052056"/>
+          </a:xfrm>
+          <a:prstGeom prst="line">
+            <a:avLst/>
+          </a:prstGeom>
+          <a:ln>
+            <a:solidFill>
+              <a:schemeClr val="tx1"/>
+            </a:solidFill>
+          </a:ln>
+        </p:spPr>
+        <p:style>
+          <a:lnRef idx="2">
+            <a:schemeClr val="accent1"/>
+          </a:lnRef>
+          <a:fillRef idx="0">
+            <a:schemeClr val="accent1"/>
+          </a:fillRef>
+          <a:effectRef idx="1">
+            <a:schemeClr val="accent1"/>
+          </a:effectRef>
+          <a:fontRef idx="minor">
+            <a:schemeClr val="tx1"/>
+          </a:fontRef>
+        </p:style>
+      </p:cxnSp>
+      <p:cxnSp>
+        <p:nvCxnSpPr>
+          <p:cNvPr id="55" name="直線コネクタ 54"/>
+          <p:cNvCxnSpPr>
+            <a:endCxn id="37" idx="1"/>
+          </p:cNvCxnSpPr>
+          <p:nvPr/>
+        </p:nvCxnSpPr>
+        <p:spPr>
+          <a:xfrm>
+            <a:off x="5411506" y="2237576"/>
+            <a:ext cx="609568" cy="0"/>
+          </a:xfrm>
+          <a:prstGeom prst="line">
+            <a:avLst/>
+          </a:prstGeom>
+          <a:ln>
+            <a:solidFill>
+              <a:schemeClr val="tx1"/>
+            </a:solidFill>
+          </a:ln>
+        </p:spPr>
+        <p:style>
+          <a:lnRef idx="2">
+            <a:schemeClr val="accent1"/>
+          </a:lnRef>
+          <a:fillRef idx="0">
+            <a:schemeClr val="accent1"/>
+          </a:fillRef>
+          <a:effectRef idx="1">
+            <a:schemeClr val="accent1"/>
+          </a:effectRef>
+          <a:fontRef idx="minor">
+            <a:schemeClr val="tx1"/>
+          </a:fontRef>
+        </p:style>
+      </p:cxnSp>
+      <p:sp>
+        <p:nvSpPr>
+          <p:cNvPr id="80" name="正方形/長方形 79"/>
+          <p:cNvSpPr/>
+          <p:nvPr/>
+        </p:nvSpPr>
+        <p:spPr>
+          <a:xfrm>
+            <a:off x="6021074" y="5721688"/>
+            <a:ext cx="1564105" cy="561474"/>
+          </a:xfrm>
+          <a:prstGeom prst="rect">
+            <a:avLst/>
+          </a:prstGeom>
+          <a:noFill/>
+          <a:ln>
+            <a:solidFill>
+              <a:schemeClr val="tx1"/>
+            </a:solidFill>
+          </a:ln>
+        </p:spPr>
+        <p:style>
+          <a:lnRef idx="1">
+            <a:schemeClr val="accent1"/>
+          </a:lnRef>
+          <a:fillRef idx="3">
+            <a:schemeClr val="accent1"/>
+          </a:fillRef>
+          <a:effectRef idx="2">
+            <a:schemeClr val="accent1"/>
+          </a:effectRef>
+          <a:fontRef idx="minor">
+            <a:schemeClr val="lt1"/>
+          </a:fontRef>
+        </p:style>
+        <p:txBody>
+          <a:bodyPr rtlCol="0" anchor="ctr"/>
+          <a:lstStyle/>
+          <a:p>
+            <a:pPr algn="ctr"/>
+            <a:r>
+              <a:rPr lang="ja-JP" altLang="en-US" dirty="0" smtClean="0">
+                <a:solidFill>
+                  <a:schemeClr val="tx1"/>
+                </a:solidFill>
+              </a:rPr>
+              <a:t>売掛金</a:t>
+            </a:r>
+            <a:endParaRPr lang="en-US" altLang="ja-JP" dirty="0" smtClean="0">
+              <a:solidFill>
+                <a:schemeClr val="tx1"/>
+              </a:solidFill>
+            </a:endParaRPr>
+          </a:p>
+        </p:txBody>
+      </p:sp>
+      <p:cxnSp>
+        <p:nvCxnSpPr>
+          <p:cNvPr id="85" name="直線コネクタ 84"/>
+          <p:cNvCxnSpPr>
+            <a:stCxn id="80" idx="2"/>
+          </p:cNvCxnSpPr>
+          <p:nvPr/>
+        </p:nvCxnSpPr>
+        <p:spPr>
+          <a:xfrm flipH="1">
+            <a:off x="6801728" y="6283162"/>
+            <a:ext cx="1399" cy="574838"/>
+          </a:xfrm>
+          <a:prstGeom prst="line">
+            <a:avLst/>
+          </a:prstGeom>
+          <a:ln>
+            <a:solidFill>
+              <a:schemeClr val="tx1"/>
+            </a:solidFill>
+            <a:prstDash val="dash"/>
+          </a:ln>
+        </p:spPr>
+        <p:style>
+          <a:lnRef idx="2">
+            <a:schemeClr val="accent1"/>
+          </a:lnRef>
+          <a:fillRef idx="0">
+            <a:schemeClr val="accent1"/>
+          </a:fillRef>
+          <a:effectRef idx="1">
+            <a:schemeClr val="accent1"/>
+          </a:effectRef>
+          <a:fontRef idx="minor">
+            <a:schemeClr val="tx1"/>
+          </a:fontRef>
+        </p:style>
+      </p:cxnSp>
+      <p:sp>
+        <p:nvSpPr>
+          <p:cNvPr id="53" name="正方形/長方形 52"/>
+          <p:cNvSpPr/>
+          <p:nvPr/>
+        </p:nvSpPr>
+        <p:spPr>
+          <a:xfrm>
+            <a:off x="2586808" y="4055988"/>
+            <a:ext cx="1524000" cy="1671052"/>
+          </a:xfrm>
+          <a:prstGeom prst="rect">
+            <a:avLst/>
+          </a:prstGeom>
+          <a:noFill/>
+          <a:ln>
+            <a:solidFill>
+              <a:schemeClr val="tx1"/>
+            </a:solidFill>
+          </a:ln>
+        </p:spPr>
+        <p:style>
+          <a:lnRef idx="1">
+            <a:schemeClr val="accent1"/>
+          </a:lnRef>
+          <a:fillRef idx="3">
+            <a:schemeClr val="accent1"/>
+          </a:fillRef>
+          <a:effectRef idx="2">
+            <a:schemeClr val="accent1"/>
+          </a:effectRef>
+          <a:fontRef idx="minor">
+            <a:schemeClr val="lt1"/>
+          </a:fontRef>
+        </p:style>
+        <p:txBody>
+          <a:bodyPr rtlCol="0" anchor="t"/>
+          <a:lstStyle/>
+          <a:p>
+            <a:pPr algn="ctr"/>
+            <a:r>
+              <a:rPr lang="ja-JP" altLang="en-US" sz="1600" dirty="0" smtClean="0">
+                <a:solidFill>
+                  <a:schemeClr val="tx1"/>
+                </a:solidFill>
+              </a:rPr>
+              <a:t>勘定</a:t>
+            </a:r>
+            <a:r>
+              <a:rPr lang="ja-JP" altLang="en-US" sz="1600" dirty="0" smtClean="0">
+                <a:solidFill>
+                  <a:schemeClr val="tx1"/>
+                </a:solidFill>
+              </a:rPr>
+              <a:t>科目</a:t>
+            </a:r>
+            <a:r>
+              <a:rPr lang="ja-JP" altLang="en-US" sz="1600" dirty="0" smtClean="0">
+                <a:solidFill>
+                  <a:schemeClr val="tx1"/>
+                </a:solidFill>
+              </a:rPr>
+              <a:t>構成</a:t>
+            </a:r>
+            <a:endParaRPr kumimoji="1" lang="ja-JP" altLang="en-US" sz="1600" dirty="0">
+              <a:solidFill>
+                <a:schemeClr val="tx1"/>
+              </a:solidFill>
+            </a:endParaRPr>
+          </a:p>
+        </p:txBody>
+      </p:sp>
+      <p:sp>
+        <p:nvSpPr>
+          <p:cNvPr id="54" name="正方形/長方形 53"/>
+          <p:cNvSpPr/>
+          <p:nvPr/>
+        </p:nvSpPr>
+        <p:spPr>
+          <a:xfrm>
+            <a:off x="2592160" y="4416933"/>
+            <a:ext cx="1524000" cy="1002635"/>
+          </a:xfrm>
+          <a:prstGeom prst="rect">
+            <a:avLst/>
+          </a:prstGeom>
+          <a:noFill/>
+          <a:ln>
+            <a:solidFill>
+              <a:schemeClr val="tx1"/>
+            </a:solidFill>
+          </a:ln>
+        </p:spPr>
+        <p:style>
+          <a:lnRef idx="1">
+            <a:schemeClr val="accent1"/>
+          </a:lnRef>
+          <a:fillRef idx="3">
+            <a:schemeClr val="accent1"/>
+          </a:fillRef>
+          <a:effectRef idx="2">
+            <a:schemeClr val="accent1"/>
+          </a:effectRef>
+          <a:fontRef idx="minor">
+            <a:schemeClr val="lt1"/>
+          </a:fontRef>
+        </p:style>
+        <p:txBody>
+          <a:bodyPr rtlCol="0" anchor="t"/>
+          <a:lstStyle/>
+          <a:p>
+            <a:pPr marL="285750" indent="-285750">
+              <a:buFontTx/>
+              <a:buChar char="-"/>
+            </a:pPr>
+            <a:r>
+              <a:rPr lang="ja-JP" altLang="en-US" sz="1400" dirty="0" smtClean="0">
+                <a:solidFill>
+                  <a:srgbClr val="000000"/>
+                </a:solidFill>
+              </a:rPr>
+              <a:t>勘定科目パス</a:t>
+            </a:r>
+            <a:endParaRPr kumimoji="1" lang="en-US" altLang="ja-JP" sz="1400" dirty="0" smtClean="0">
+              <a:solidFill>
+                <a:srgbClr val="000000"/>
+              </a:solidFill>
+            </a:endParaRPr>
+          </a:p>
+        </p:txBody>
+      </p:sp>
+      <p:cxnSp>
+        <p:nvCxnSpPr>
+          <p:cNvPr id="56" name="直線コネクタ 55"/>
+          <p:cNvCxnSpPr>
+            <a:endCxn id="53" idx="1"/>
+          </p:cNvCxnSpPr>
+          <p:nvPr/>
+        </p:nvCxnSpPr>
+        <p:spPr>
+          <a:xfrm>
+            <a:off x="1778052" y="4879520"/>
+            <a:ext cx="808756" cy="11994"/>
+          </a:xfrm>
+          <a:prstGeom prst="line">
+            <a:avLst/>
+          </a:prstGeom>
+          <a:ln>
+            <a:headEnd type="none"/>
+            <a:tailEnd type="none"/>
+          </a:ln>
+        </p:spPr>
+        <p:style>
+          <a:lnRef idx="2">
+            <a:schemeClr val="dk1"/>
+          </a:lnRef>
+          <a:fillRef idx="0">
+            <a:schemeClr val="dk1"/>
+          </a:fillRef>
+          <a:effectRef idx="1">
+            <a:schemeClr val="dk1"/>
+          </a:effectRef>
+          <a:fontRef idx="minor">
+            <a:schemeClr val="tx1"/>
+          </a:fontRef>
+        </p:style>
+      </p:cxnSp>
+      <p:sp>
+        <p:nvSpPr>
+          <p:cNvPr id="57" name="フローチャート: 判断 56"/>
+          <p:cNvSpPr/>
+          <p:nvPr/>
+        </p:nvSpPr>
+        <p:spPr>
+          <a:xfrm>
+            <a:off x="1783404" y="4732466"/>
+            <a:ext cx="454526" cy="294105"/>
+          </a:xfrm>
+          <a:prstGeom prst="flowChartDecision">
+            <a:avLst/>
+          </a:prstGeom>
+        </p:spPr>
+        <p:style>
+          <a:lnRef idx="1">
+            <a:schemeClr val="dk1"/>
+          </a:lnRef>
+          <a:fillRef idx="3">
+            <a:schemeClr val="dk1"/>
+          </a:fillRef>
+          <a:effectRef idx="2">
+            <a:schemeClr val="dk1"/>
+          </a:effectRef>
+          <a:fontRef idx="minor">
+            <a:schemeClr val="lt1"/>
+          </a:fontRef>
+        </p:style>
+        <p:txBody>
+          <a:bodyPr rtlCol="0" anchor="ctr"/>
+          <a:lstStyle/>
+          <a:p>
+            <a:pPr algn="ctr"/>
+            <a:endParaRPr kumimoji="1" lang="ja-JP" altLang="en-US"/>
+          </a:p>
+        </p:txBody>
+      </p:sp>
+      <p:cxnSp>
+        <p:nvCxnSpPr>
+          <p:cNvPr id="59" name="直線コネクタ 58"/>
+          <p:cNvCxnSpPr/>
+          <p:nvPr/>
+        </p:nvCxnSpPr>
+        <p:spPr>
+          <a:xfrm>
+            <a:off x="5411506" y="3035215"/>
+            <a:ext cx="609568" cy="0"/>
+          </a:xfrm>
+          <a:prstGeom prst="line">
+            <a:avLst/>
+          </a:prstGeom>
+          <a:ln>
+            <a:solidFill>
+              <a:schemeClr val="tx1"/>
+            </a:solidFill>
+          </a:ln>
+        </p:spPr>
+        <p:style>
+          <a:lnRef idx="2">
+            <a:schemeClr val="accent1"/>
+          </a:lnRef>
+          <a:fillRef idx="0">
+            <a:schemeClr val="accent1"/>
+          </a:fillRef>
+          <a:effectRef idx="1">
+            <a:schemeClr val="accent1"/>
+          </a:effectRef>
+          <a:fontRef idx="minor">
+            <a:schemeClr val="tx1"/>
+          </a:fontRef>
+        </p:style>
+      </p:cxnSp>
+      <p:cxnSp>
+        <p:nvCxnSpPr>
+          <p:cNvPr id="60" name="直線コネクタ 59"/>
+          <p:cNvCxnSpPr/>
+          <p:nvPr/>
+        </p:nvCxnSpPr>
+        <p:spPr>
+          <a:xfrm>
+            <a:off x="5411506" y="3775826"/>
+            <a:ext cx="609568" cy="0"/>
+          </a:xfrm>
+          <a:prstGeom prst="line">
+            <a:avLst/>
+          </a:prstGeom>
+          <a:ln>
+            <a:solidFill>
+              <a:schemeClr val="tx1"/>
+            </a:solidFill>
+          </a:ln>
+        </p:spPr>
+        <p:style>
+          <a:lnRef idx="2">
+            <a:schemeClr val="accent1"/>
+          </a:lnRef>
+          <a:fillRef idx="0">
+            <a:schemeClr val="accent1"/>
+          </a:fillRef>
+          <a:effectRef idx="1">
+            <a:schemeClr val="accent1"/>
+          </a:effectRef>
+          <a:fontRef idx="minor">
+            <a:schemeClr val="tx1"/>
+          </a:fontRef>
+        </p:style>
+      </p:cxnSp>
+      <p:cxnSp>
+        <p:nvCxnSpPr>
+          <p:cNvPr id="61" name="直線コネクタ 60"/>
+          <p:cNvCxnSpPr>
+            <a:endCxn id="40" idx="1"/>
+          </p:cNvCxnSpPr>
+          <p:nvPr/>
+        </p:nvCxnSpPr>
+        <p:spPr>
+          <a:xfrm>
+            <a:off x="5411506" y="4492457"/>
+            <a:ext cx="609568" cy="0"/>
+          </a:xfrm>
+          <a:prstGeom prst="line">
+            <a:avLst/>
+          </a:prstGeom>
+          <a:ln>
+            <a:solidFill>
+              <a:schemeClr val="tx1"/>
+            </a:solidFill>
+          </a:ln>
+        </p:spPr>
+        <p:style>
+          <a:lnRef idx="2">
+            <a:schemeClr val="accent1"/>
+          </a:lnRef>
+          <a:fillRef idx="0">
+            <a:schemeClr val="accent1"/>
+          </a:fillRef>
+          <a:effectRef idx="1">
+            <a:schemeClr val="accent1"/>
+          </a:effectRef>
+          <a:fontRef idx="minor">
+            <a:schemeClr val="tx1"/>
+          </a:fontRef>
+        </p:style>
+      </p:cxnSp>
+      <p:cxnSp>
+        <p:nvCxnSpPr>
+          <p:cNvPr id="64" name="直線コネクタ 63"/>
+          <p:cNvCxnSpPr/>
+          <p:nvPr/>
+        </p:nvCxnSpPr>
+        <p:spPr>
+          <a:xfrm>
+            <a:off x="5411506" y="5179594"/>
+            <a:ext cx="609568" cy="0"/>
+          </a:xfrm>
+          <a:prstGeom prst="line">
+            <a:avLst/>
+          </a:prstGeom>
+          <a:ln>
+            <a:solidFill>
+              <a:schemeClr val="tx1"/>
+            </a:solidFill>
+          </a:ln>
+        </p:spPr>
+        <p:style>
+          <a:lnRef idx="2">
+            <a:schemeClr val="accent1"/>
+          </a:lnRef>
+          <a:fillRef idx="0">
+            <a:schemeClr val="accent1"/>
+          </a:fillRef>
+          <a:effectRef idx="1">
+            <a:schemeClr val="accent1"/>
+          </a:effectRef>
+          <a:fontRef idx="minor">
+            <a:schemeClr val="tx1"/>
+          </a:fontRef>
+        </p:style>
+      </p:cxnSp>
+      <p:cxnSp>
+        <p:nvCxnSpPr>
+          <p:cNvPr id="65" name="直線コネクタ 64"/>
+          <p:cNvCxnSpPr/>
+          <p:nvPr/>
+        </p:nvCxnSpPr>
+        <p:spPr>
+          <a:xfrm>
+            <a:off x="5411506" y="6013784"/>
+            <a:ext cx="609568" cy="0"/>
+          </a:xfrm>
+          <a:prstGeom prst="line">
+            <a:avLst/>
+          </a:prstGeom>
+          <a:ln>
+            <a:solidFill>
+              <a:schemeClr val="tx1"/>
+            </a:solidFill>
+          </a:ln>
+        </p:spPr>
+        <p:style>
+          <a:lnRef idx="2">
+            <a:schemeClr val="accent1"/>
+          </a:lnRef>
+          <a:fillRef idx="0">
+            <a:schemeClr val="accent1"/>
+          </a:fillRef>
+          <a:effectRef idx="1">
+            <a:schemeClr val="accent1"/>
+          </a:effectRef>
+          <a:fontRef idx="minor">
+            <a:schemeClr val="tx1"/>
+          </a:fontRef>
+        </p:style>
+      </p:cxnSp>
+    </p:spTree>
+    <p:extLst>
+      <p:ext uri="{BB962C8B-B14F-4D97-AF65-F5344CB8AC3E}">
+        <p14:creationId xmlns:p14="http://schemas.microsoft.com/office/powerpoint/2010/main" val="2311461585"/>
+      </p:ext>
+    </p:extLst>
+  </p:cSld>
+  <p:clrMapOvr>
+    <a:masterClrMapping/>
+  </p:clrMapOvr>
+</p:sld>
+</file>
+
+<file path=ppt/slides/slide13.xml><?xml version="1.0" encoding="utf-8"?>
+<p:sld xmlns:a="http://schemas.openxmlformats.org/drawingml/2006/main" xmlns:r="http://schemas.openxmlformats.org/officeDocument/2006/relationships" xmlns:p="http://schemas.openxmlformats.org/presentationml/2006/main">
+  <p:cSld>
+    <p:spTree>
+      <p:nvGrpSpPr>
+        <p:cNvPr id="1" name=""/>
+        <p:cNvGrpSpPr/>
+        <p:nvPr/>
+      </p:nvGrpSpPr>
+      <p:grpSpPr>
+        <a:xfrm>
+          <a:off x="0" y="0"/>
+          <a:ext cx="0" cy="0"/>
+          <a:chOff x="0" y="0"/>
+          <a:chExt cx="0" cy="0"/>
+        </a:xfrm>
+      </p:grpSpPr>
+      <p:sp>
+        <p:nvSpPr>
+          <p:cNvPr id="2" name="タイトル 1"/>
+          <p:cNvSpPr>
+            <a:spLocks noGrp="1"/>
+          </p:cNvSpPr>
+          <p:nvPr>
+            <p:ph type="title"/>
+          </p:nvPr>
+        </p:nvSpPr>
+        <p:spPr/>
+        <p:txBody>
+          <a:bodyPr/>
+          <a:lstStyle/>
+          <a:p>
+            <a:r>
+              <a:rPr lang="en-US" altLang="en-US" dirty="0" smtClean="0"/>
+              <a:t>仕分け（２階層）</a:t>
+            </a:r>
+            <a:endParaRPr kumimoji="1" lang="ja-JP" altLang="en-US" dirty="0"/>
+          </a:p>
+        </p:txBody>
+      </p:sp>
+      <p:sp>
+        <p:nvSpPr>
+          <p:cNvPr id="4" name="正方形/長方形 3"/>
+          <p:cNvSpPr/>
+          <p:nvPr/>
+        </p:nvSpPr>
+        <p:spPr>
+          <a:xfrm>
+            <a:off x="2499890" y="1510630"/>
+            <a:ext cx="1524000" cy="1671052"/>
+          </a:xfrm>
+          <a:prstGeom prst="rect">
+            <a:avLst/>
+          </a:prstGeom>
+          <a:noFill/>
+          <a:ln>
+            <a:solidFill>
+              <a:schemeClr val="tx1"/>
+            </a:solidFill>
+          </a:ln>
+        </p:spPr>
+        <p:style>
+          <a:lnRef idx="1">
+            <a:schemeClr val="accent1"/>
+          </a:lnRef>
+          <a:fillRef idx="3">
+            <a:schemeClr val="accent1"/>
+          </a:fillRef>
+          <a:effectRef idx="2">
+            <a:schemeClr val="accent1"/>
+          </a:effectRef>
+          <a:fontRef idx="minor">
+            <a:schemeClr val="lt1"/>
+          </a:fontRef>
+        </p:style>
+        <p:txBody>
+          <a:bodyPr rtlCol="0" anchor="t"/>
+          <a:lstStyle/>
+          <a:p>
+            <a:pPr algn="ctr"/>
+            <a:r>
+              <a:rPr lang="ja-JP" altLang="en-US" dirty="0" smtClean="0">
+                <a:solidFill>
+                  <a:schemeClr val="tx1"/>
+                </a:solidFill>
+              </a:rPr>
+              <a:t>仕分</a:t>
+            </a:r>
+            <a:endParaRPr kumimoji="1" lang="ja-JP" altLang="en-US" dirty="0">
+              <a:solidFill>
+                <a:schemeClr val="tx1"/>
+              </a:solidFill>
+            </a:endParaRPr>
+          </a:p>
+        </p:txBody>
+      </p:sp>
+      <p:sp>
+        <p:nvSpPr>
+          <p:cNvPr id="5" name="正方形/長方形 4"/>
+          <p:cNvSpPr/>
+          <p:nvPr/>
+        </p:nvSpPr>
+        <p:spPr>
+          <a:xfrm>
+            <a:off x="2505242" y="1871575"/>
+            <a:ext cx="1524000" cy="1002635"/>
+          </a:xfrm>
+          <a:prstGeom prst="rect">
+            <a:avLst/>
+          </a:prstGeom>
+          <a:noFill/>
+          <a:ln>
+            <a:solidFill>
+              <a:schemeClr val="tx1"/>
+            </a:solidFill>
+          </a:ln>
+        </p:spPr>
+        <p:style>
+          <a:lnRef idx="1">
+            <a:schemeClr val="accent1"/>
+          </a:lnRef>
+          <a:fillRef idx="3">
+            <a:schemeClr val="accent1"/>
+          </a:fillRef>
+          <a:effectRef idx="2">
+            <a:schemeClr val="accent1"/>
+          </a:effectRef>
+          <a:fontRef idx="minor">
+            <a:schemeClr val="lt1"/>
+          </a:fontRef>
+        </p:style>
+        <p:txBody>
+          <a:bodyPr rtlCol="0" anchor="t"/>
+          <a:lstStyle/>
+          <a:p>
+            <a:pPr marL="285750" indent="-285750">
+              <a:buFontTx/>
+              <a:buChar char="-"/>
+            </a:pPr>
+            <a:r>
+              <a:rPr lang="en-US" altLang="en-US" sz="1600" dirty="0" smtClean="0">
+                <a:solidFill>
+                  <a:srgbClr val="000000"/>
+                </a:solidFill>
+              </a:rPr>
+              <a:t>計上日</a:t>
+            </a:r>
+          </a:p>
+          <a:p>
+            <a:pPr marL="285750" indent="-285750">
+              <a:buFontTx/>
+              <a:buChar char="-"/>
+            </a:pPr>
+            <a:r>
+              <a:rPr lang="en-US" altLang="en-US" sz="1600" dirty="0" smtClean="0">
+                <a:solidFill>
+                  <a:srgbClr val="000000"/>
+                </a:solidFill>
+              </a:rPr>
+              <a:t>摘要</a:t>
+            </a:r>
+            <a:endParaRPr lang="en-US" altLang="ja-JP" sz="1600" dirty="0" smtClean="0">
+              <a:solidFill>
+                <a:srgbClr val="000000"/>
+              </a:solidFill>
+            </a:endParaRPr>
+          </a:p>
+        </p:txBody>
+      </p:sp>
+      <p:sp>
+        <p:nvSpPr>
+          <p:cNvPr id="7" name="正方形/長方形 6"/>
+          <p:cNvSpPr/>
+          <p:nvPr/>
+        </p:nvSpPr>
+        <p:spPr>
+          <a:xfrm>
+            <a:off x="5098712" y="1510630"/>
+            <a:ext cx="1524000" cy="1671052"/>
+          </a:xfrm>
+          <a:prstGeom prst="rect">
+            <a:avLst/>
+          </a:prstGeom>
+          <a:noFill/>
+          <a:ln>
+            <a:solidFill>
+              <a:schemeClr val="tx1"/>
+            </a:solidFill>
+          </a:ln>
+        </p:spPr>
+        <p:style>
+          <a:lnRef idx="1">
+            <a:schemeClr val="accent1"/>
+          </a:lnRef>
+          <a:fillRef idx="3">
+            <a:schemeClr val="accent1"/>
+          </a:fillRef>
+          <a:effectRef idx="2">
+            <a:schemeClr val="accent1"/>
+          </a:effectRef>
+          <a:fontRef idx="minor">
+            <a:schemeClr val="lt1"/>
+          </a:fontRef>
+        </p:style>
+        <p:txBody>
+          <a:bodyPr rtlCol="0" anchor="t"/>
+          <a:lstStyle/>
+          <a:p>
+            <a:pPr algn="ctr"/>
+            <a:r>
+              <a:rPr lang="ja-JP" altLang="en-US" dirty="0" smtClean="0">
+                <a:solidFill>
+                  <a:schemeClr val="tx1"/>
+                </a:solidFill>
+              </a:rPr>
+              <a:t>仕分明細</a:t>
+            </a:r>
+            <a:endParaRPr kumimoji="1" lang="ja-JP" altLang="en-US" dirty="0">
+              <a:solidFill>
+                <a:schemeClr val="tx1"/>
+              </a:solidFill>
+            </a:endParaRPr>
+          </a:p>
+        </p:txBody>
+      </p:sp>
+      <p:sp>
+        <p:nvSpPr>
+          <p:cNvPr id="8" name="正方形/長方形 7"/>
+          <p:cNvSpPr/>
+          <p:nvPr/>
+        </p:nvSpPr>
+        <p:spPr>
+          <a:xfrm>
+            <a:off x="5104064" y="1871575"/>
+            <a:ext cx="1524000" cy="1002635"/>
+          </a:xfrm>
+          <a:prstGeom prst="rect">
+            <a:avLst/>
+          </a:prstGeom>
+          <a:noFill/>
+          <a:ln>
+            <a:solidFill>
+              <a:schemeClr val="tx1"/>
+            </a:solidFill>
+          </a:ln>
+        </p:spPr>
+        <p:style>
+          <a:lnRef idx="1">
+            <a:schemeClr val="accent1"/>
+          </a:lnRef>
+          <a:fillRef idx="3">
+            <a:schemeClr val="accent1"/>
+          </a:fillRef>
+          <a:effectRef idx="2">
+            <a:schemeClr val="accent1"/>
+          </a:effectRef>
+          <a:fontRef idx="minor">
+            <a:schemeClr val="lt1"/>
+          </a:fontRef>
+        </p:style>
+        <p:txBody>
+          <a:bodyPr rtlCol="0" anchor="t"/>
+          <a:lstStyle/>
+          <a:p>
+            <a:pPr marL="285750" indent="-285750">
+              <a:buFontTx/>
+              <a:buChar char="-"/>
+            </a:pPr>
+            <a:r>
+              <a:rPr kumimoji="1" lang="ja-JP" altLang="en-US" sz="1600" dirty="0" smtClean="0">
+                <a:solidFill>
+                  <a:srgbClr val="000000"/>
+                </a:solidFill>
+              </a:rPr>
+              <a:t>貸借</a:t>
+            </a:r>
+            <a:endParaRPr kumimoji="1" lang="en-US" altLang="ja-JP" sz="1600" dirty="0" smtClean="0">
+              <a:solidFill>
+                <a:srgbClr val="000000"/>
+              </a:solidFill>
+            </a:endParaRPr>
+          </a:p>
+          <a:p>
+            <a:pPr marL="285750" indent="-285750">
+              <a:buFontTx/>
+              <a:buChar char="-"/>
+            </a:pPr>
+            <a:r>
+              <a:rPr lang="ja-JP" altLang="en-US" sz="1600" dirty="0" smtClean="0">
+                <a:solidFill>
+                  <a:srgbClr val="000000"/>
+                </a:solidFill>
+              </a:rPr>
+              <a:t>貸方金額</a:t>
+            </a:r>
+            <a:endParaRPr lang="en-US" altLang="ja-JP" sz="1600" dirty="0" smtClean="0">
+              <a:solidFill>
+                <a:srgbClr val="000000"/>
+              </a:solidFill>
+            </a:endParaRPr>
+          </a:p>
+          <a:p>
+            <a:pPr marL="285750" indent="-285750">
+              <a:buFontTx/>
+              <a:buChar char="-"/>
+            </a:pPr>
+            <a:r>
+              <a:rPr kumimoji="1" lang="ja-JP" altLang="en-US" sz="1600" dirty="0" smtClean="0">
+                <a:solidFill>
+                  <a:srgbClr val="000000"/>
+                </a:solidFill>
+              </a:rPr>
+              <a:t>借方金額</a:t>
+            </a:r>
+            <a:endParaRPr kumimoji="1" lang="ja-JP" altLang="en-US" sz="1600" dirty="0">
+              <a:solidFill>
+                <a:srgbClr val="000000"/>
+              </a:solidFill>
+            </a:endParaRPr>
+          </a:p>
+        </p:txBody>
+      </p:sp>
+      <p:cxnSp>
+        <p:nvCxnSpPr>
+          <p:cNvPr id="21" name="直線コネクタ 20"/>
+          <p:cNvCxnSpPr/>
+          <p:nvPr/>
+        </p:nvCxnSpPr>
+        <p:spPr>
+          <a:xfrm>
+            <a:off x="4023890" y="2473158"/>
+            <a:ext cx="1074822" cy="0"/>
+          </a:xfrm>
+          <a:prstGeom prst="line">
+            <a:avLst/>
+          </a:prstGeom>
+          <a:ln>
+            <a:headEnd type="none"/>
+            <a:tailEnd type="none"/>
+          </a:ln>
+        </p:spPr>
+        <p:style>
+          <a:lnRef idx="2">
+            <a:schemeClr val="dk1"/>
+          </a:lnRef>
+          <a:fillRef idx="0">
+            <a:schemeClr val="dk1"/>
+          </a:fillRef>
+          <a:effectRef idx="1">
+            <a:schemeClr val="dk1"/>
+          </a:effectRef>
+          <a:fontRef idx="minor">
+            <a:schemeClr val="tx1"/>
+          </a:fontRef>
+        </p:style>
+      </p:cxnSp>
+      <p:sp>
+        <p:nvSpPr>
+          <p:cNvPr id="23" name="フローチャート: 判断 22"/>
+          <p:cNvSpPr/>
+          <p:nvPr/>
+        </p:nvSpPr>
+        <p:spPr>
+          <a:xfrm>
+            <a:off x="4029242" y="2326104"/>
+            <a:ext cx="454526" cy="294105"/>
+          </a:xfrm>
+          <a:prstGeom prst="flowChartDecision">
+            <a:avLst/>
+          </a:prstGeom>
+        </p:spPr>
+        <p:style>
+          <a:lnRef idx="1">
+            <a:schemeClr val="dk1"/>
+          </a:lnRef>
+          <a:fillRef idx="3">
+            <a:schemeClr val="dk1"/>
+          </a:fillRef>
+          <a:effectRef idx="2">
+            <a:schemeClr val="dk1"/>
+          </a:effectRef>
+          <a:fontRef idx="minor">
+            <a:schemeClr val="lt1"/>
+          </a:fontRef>
+        </p:style>
+        <p:txBody>
+          <a:bodyPr rtlCol="0" anchor="ctr"/>
+          <a:lstStyle/>
+          <a:p>
+            <a:pPr algn="ctr"/>
+            <a:endParaRPr kumimoji="1" lang="ja-JP" altLang="en-US"/>
+          </a:p>
+        </p:txBody>
+      </p:sp>
+      <p:graphicFrame>
+        <p:nvGraphicFramePr>
+          <p:cNvPr id="3" name="表 2"/>
+          <p:cNvGraphicFramePr>
+            <a:graphicFrameLocks noGrp="1"/>
+          </p:cNvGraphicFramePr>
+          <p:nvPr>
+            <p:extLst>
+              <p:ext uri="{D42A27DB-BD31-4B8C-83A1-F6EECF244321}">
+                <p14:modId xmlns:p14="http://schemas.microsoft.com/office/powerpoint/2010/main" val="2310899441"/>
+              </p:ext>
+            </p:extLst>
+          </p:nvPr>
+        </p:nvGraphicFramePr>
+        <p:xfrm>
+          <a:off x="989264" y="3830053"/>
+          <a:ext cx="7697538" cy="1112520"/>
+        </p:xfrm>
+        <a:graphic>
+          <a:graphicData uri="http://schemas.openxmlformats.org/drawingml/2006/table">
+            <a:tbl>
+              <a:tblPr firstRow="1" bandRow="1">
+                <a:tableStyleId>{5C22544A-7EE6-4342-B048-85BDC9FD1C3A}</a:tableStyleId>
+              </a:tblPr>
+              <a:tblGrid>
+                <a:gridCol w="1282923"/>
+                <a:gridCol w="1282923"/>
+                <a:gridCol w="1282923"/>
+                <a:gridCol w="1282923"/>
+                <a:gridCol w="1282923"/>
+                <a:gridCol w="1282923"/>
+              </a:tblGrid>
+              <a:tr h="370840">
+                <a:tc rowSpan="2">
+                  <a:txBody>
+                    <a:bodyPr/>
+                    <a:lstStyle/>
+                    <a:p>
+                      <a:r>
+                        <a:rPr kumimoji="1" lang="ja-JP" altLang="en-US" dirty="0" smtClean="0"/>
+                        <a:t>計上日</a:t>
+                      </a:r>
+                      <a:endParaRPr kumimoji="1" lang="ja-JP" altLang="en-US" dirty="0"/>
+                    </a:p>
+                    <a:p>
+                      <a:pPr marL="0" marR="0" indent="0" algn="l" defTabSz="457200" rtl="0" eaLnBrk="1" fontAlgn="auto" latinLnBrk="0" hangingPunct="1">
+                        <a:lnSpc>
+                          <a:spcPct val="100000"/>
+                        </a:lnSpc>
+                        <a:spcBef>
+                          <a:spcPts val="0"/>
+                        </a:spcBef>
+                        <a:spcAft>
+                          <a:spcPts val="0"/>
+                        </a:spcAft>
+                        <a:buClrTx/>
+                        <a:buSzTx/>
+                        <a:buFontTx/>
+                        <a:buNone/>
+                        <a:tabLst/>
+                        <a:defRPr/>
+                      </a:pPr>
+                      <a:endParaRPr kumimoji="1" lang="ja-JP" altLang="en-US" dirty="0" smtClean="0"/>
+                    </a:p>
+                  </a:txBody>
+                  <a:tcPr/>
+                </a:tc>
+                <a:tc gridSpan="2">
+                  <a:txBody>
+                    <a:bodyPr/>
+                    <a:lstStyle/>
+                    <a:p>
+                      <a:r>
+                        <a:rPr kumimoji="1" lang="ja-JP" altLang="en-US" dirty="0" smtClean="0"/>
+                        <a:t>借方</a:t>
+                      </a:r>
+                      <a:endParaRPr kumimoji="1" lang="ja-JP" altLang="en-US" dirty="0"/>
+                    </a:p>
+                  </a:txBody>
+                  <a:tcPr/>
+                </a:tc>
+                <a:tc hMerge="1">
+                  <a:txBody>
+                    <a:bodyPr/>
+                    <a:lstStyle/>
+                    <a:p>
+                      <a:endParaRPr kumimoji="1" lang="ja-JP" altLang="en-US" dirty="0"/>
+                    </a:p>
+                  </a:txBody>
+                  <a:tcPr/>
+                </a:tc>
+                <a:tc gridSpan="2">
+                  <a:txBody>
+                    <a:bodyPr/>
+                    <a:lstStyle/>
+                    <a:p>
+                      <a:r>
+                        <a:rPr kumimoji="1" lang="ja-JP" altLang="en-US" dirty="0" smtClean="0"/>
+                        <a:t>貸方</a:t>
+                      </a:r>
+                      <a:endParaRPr kumimoji="1" lang="ja-JP" altLang="en-US" dirty="0"/>
+                    </a:p>
+                  </a:txBody>
+                  <a:tcPr/>
+                </a:tc>
+                <a:tc hMerge="1">
+                  <a:txBody>
+                    <a:bodyPr/>
+                    <a:lstStyle/>
+                    <a:p>
+                      <a:endParaRPr kumimoji="1" lang="ja-JP" altLang="en-US" dirty="0"/>
+                    </a:p>
+                  </a:txBody>
+                  <a:tcPr/>
+                </a:tc>
+                <a:tc rowSpan="2">
+                  <a:txBody>
+                    <a:bodyPr/>
+                    <a:lstStyle/>
+                    <a:p>
+                      <a:r>
+                        <a:rPr kumimoji="1" lang="ja-JP" altLang="en-US" dirty="0" smtClean="0"/>
+                        <a:t>摘要</a:t>
+                      </a:r>
+                      <a:endParaRPr kumimoji="1" lang="ja-JP" altLang="en-US" dirty="0"/>
+                    </a:p>
+                  </a:txBody>
+                  <a:tcPr/>
+                </a:tc>
+              </a:tr>
+              <a:tr h="370840">
+                <a:tc vMerge="1">
+                  <a:txBody>
+                    <a:bodyPr/>
+                    <a:lstStyle/>
+                    <a:p>
+                      <a:pPr marL="0" marR="0" indent="0" algn="l" defTabSz="457200" rtl="0" eaLnBrk="1" fontAlgn="auto" latinLnBrk="0" hangingPunct="1">
+                        <a:lnSpc>
+                          <a:spcPct val="100000"/>
+                        </a:lnSpc>
+                        <a:spcBef>
+                          <a:spcPts val="0"/>
+                        </a:spcBef>
+                        <a:spcAft>
+                          <a:spcPts val="0"/>
+                        </a:spcAft>
+                        <a:buClrTx/>
+                        <a:buSzTx/>
+                        <a:buFontTx/>
+                        <a:buNone/>
+                        <a:tabLst/>
+                        <a:defRPr/>
+                      </a:pPr>
+                      <a:endParaRPr kumimoji="1" lang="ja-JP" altLang="en-US" dirty="0" smtClean="0"/>
+                    </a:p>
+                  </a:txBody>
+                  <a:tcPr/>
+                </a:tc>
+                <a:tc>
+                  <a:txBody>
+                    <a:bodyPr/>
+                    <a:lstStyle/>
+                    <a:p>
+                      <a:pPr marL="0" marR="0" indent="0" algn="l" defTabSz="457200" rtl="0" eaLnBrk="1" fontAlgn="auto" latinLnBrk="0" hangingPunct="1">
+                        <a:lnSpc>
+                          <a:spcPct val="100000"/>
+                        </a:lnSpc>
+                        <a:spcBef>
+                          <a:spcPts val="0"/>
+                        </a:spcBef>
+                        <a:spcAft>
+                          <a:spcPts val="0"/>
+                        </a:spcAft>
+                        <a:buClrTx/>
+                        <a:buSzTx/>
+                        <a:buFontTx/>
+                        <a:buNone/>
+                        <a:tabLst/>
+                        <a:defRPr/>
+                      </a:pPr>
+                      <a:r>
+                        <a:rPr kumimoji="1" lang="ja-JP" altLang="en-US" dirty="0" smtClean="0"/>
+                        <a:t>勘定科目</a:t>
+                      </a:r>
+                    </a:p>
+                  </a:txBody>
+                  <a:tcPr/>
+                </a:tc>
+                <a:tc>
+                  <a:txBody>
+                    <a:bodyPr/>
+                    <a:lstStyle/>
+                    <a:p>
+                      <a:r>
+                        <a:rPr kumimoji="1" lang="ja-JP" altLang="en-US" dirty="0" smtClean="0"/>
+                        <a:t>金額</a:t>
+                      </a:r>
+                      <a:endParaRPr kumimoji="1" lang="ja-JP" altLang="en-US" dirty="0"/>
+                    </a:p>
+                  </a:txBody>
+                  <a:tcPr/>
+                </a:tc>
+                <a:tc>
+                  <a:txBody>
+                    <a:bodyPr/>
+                    <a:lstStyle/>
+                    <a:p>
+                      <a:r>
+                        <a:rPr kumimoji="1" lang="ja-JP" altLang="en-US" dirty="0" smtClean="0"/>
+                        <a:t>勘定科目</a:t>
+                      </a:r>
+                      <a:endParaRPr kumimoji="1" lang="ja-JP" altLang="en-US" dirty="0"/>
+                    </a:p>
+                  </a:txBody>
+                  <a:tcPr/>
+                </a:tc>
+                <a:tc>
+                  <a:txBody>
+                    <a:bodyPr/>
+                    <a:lstStyle/>
+                    <a:p>
+                      <a:r>
+                        <a:rPr kumimoji="1" lang="ja-JP" altLang="en-US" dirty="0" smtClean="0"/>
+                        <a:t>金額</a:t>
+                      </a:r>
+                      <a:endParaRPr kumimoji="1" lang="ja-JP" altLang="en-US" dirty="0"/>
+                    </a:p>
+                  </a:txBody>
+                  <a:tcPr/>
+                </a:tc>
+                <a:tc vMerge="1">
+                  <a:txBody>
+                    <a:bodyPr/>
+                    <a:lstStyle/>
+                    <a:p>
+                      <a:endParaRPr kumimoji="1" lang="ja-JP" altLang="en-US" dirty="0"/>
+                    </a:p>
+                  </a:txBody>
+                  <a:tcPr/>
+                </a:tc>
+              </a:tr>
+              <a:tr h="370840">
+                <a:tc>
+                  <a:txBody>
+                    <a:bodyPr/>
+                    <a:lstStyle/>
+                    <a:p>
+                      <a:r>
+                        <a:rPr kumimoji="1" lang="en-US" altLang="ja-JP" dirty="0" smtClean="0"/>
+                        <a:t>2013/11/25</a:t>
+                      </a:r>
+                      <a:endParaRPr kumimoji="1" lang="ja-JP" altLang="en-US" dirty="0"/>
+                    </a:p>
+                  </a:txBody>
+                  <a:tcPr/>
+                </a:tc>
+                <a:tc>
+                  <a:txBody>
+                    <a:bodyPr/>
+                    <a:lstStyle/>
+                    <a:p>
+                      <a:r>
+                        <a:rPr kumimoji="1" lang="ja-JP" altLang="en-US" dirty="0" smtClean="0"/>
+                        <a:t>当座預金</a:t>
+                      </a:r>
+                      <a:endParaRPr kumimoji="1" lang="ja-JP" altLang="en-US" dirty="0"/>
+                    </a:p>
+                  </a:txBody>
+                  <a:tcPr/>
+                </a:tc>
+                <a:tc>
+                  <a:txBody>
+                    <a:bodyPr/>
+                    <a:lstStyle/>
+                    <a:p>
+                      <a:r>
+                        <a:rPr kumimoji="1" lang="en-US" altLang="ja-JP" dirty="0" smtClean="0"/>
+                        <a:t>1000</a:t>
+                      </a:r>
+                      <a:endParaRPr kumimoji="1" lang="ja-JP" altLang="en-US" dirty="0"/>
+                    </a:p>
+                  </a:txBody>
+                  <a:tcPr/>
+                </a:tc>
+                <a:tc>
+                  <a:txBody>
+                    <a:bodyPr/>
+                    <a:lstStyle/>
+                    <a:p>
+                      <a:r>
+                        <a:rPr kumimoji="1" lang="ja-JP" altLang="en-US" dirty="0" smtClean="0"/>
+                        <a:t>売上</a:t>
+                      </a:r>
+                      <a:endParaRPr kumimoji="1" lang="ja-JP" altLang="en-US" dirty="0"/>
+                    </a:p>
+                  </a:txBody>
+                  <a:tcPr/>
+                </a:tc>
+                <a:tc>
+                  <a:txBody>
+                    <a:bodyPr/>
+                    <a:lstStyle/>
+                    <a:p>
+                      <a:r>
+                        <a:rPr kumimoji="1" lang="en-US" altLang="ja-JP" dirty="0" smtClean="0"/>
+                        <a:t>1000</a:t>
+                      </a:r>
+                      <a:endParaRPr kumimoji="1" lang="ja-JP" altLang="en-US" dirty="0"/>
+                    </a:p>
+                  </a:txBody>
+                  <a:tcPr/>
+                </a:tc>
+                <a:tc>
+                  <a:txBody>
+                    <a:bodyPr/>
+                    <a:lstStyle/>
+                    <a:p>
+                      <a:r>
+                        <a:rPr kumimoji="1" lang="ja-JP" altLang="en-US" dirty="0" smtClean="0"/>
+                        <a:t>売上計上</a:t>
+                      </a:r>
+                      <a:endParaRPr kumimoji="1" lang="ja-JP" altLang="en-US" dirty="0"/>
+                    </a:p>
+                  </a:txBody>
+                  <a:tcPr/>
+                </a:tc>
+              </a:tr>
+            </a:tbl>
+          </a:graphicData>
+        </a:graphic>
+      </p:graphicFrame>
+    </p:spTree>
+    <p:extLst>
+      <p:ext uri="{BB962C8B-B14F-4D97-AF65-F5344CB8AC3E}">
+        <p14:creationId xmlns:p14="http://schemas.microsoft.com/office/powerpoint/2010/main" val="2972034837"/>
+      </p:ext>
+    </p:extLst>
+  </p:cSld>
+  <p:clrMapOvr>
+    <a:masterClrMapping/>
+  </p:clrMapOvr>
+</p:sld>
+</file>
+
+<file path=ppt/slides/slide14.xml><?xml version="1.0" encoding="utf-8"?>
+<p:sld xmlns:a="http://schemas.openxmlformats.org/drawingml/2006/main" xmlns:r="http://schemas.openxmlformats.org/officeDocument/2006/relationships" xmlns:p="http://schemas.openxmlformats.org/presentationml/2006/main">
+  <p:cSld>
+    <p:spTree>
+      <p:nvGrpSpPr>
+        <p:cNvPr id="1" name=""/>
+        <p:cNvGrpSpPr/>
+        <p:nvPr/>
+      </p:nvGrpSpPr>
+      <p:grpSpPr>
+        <a:xfrm>
+          <a:off x="0" y="0"/>
+          <a:ext cx="0" cy="0"/>
+          <a:chOff x="0" y="0"/>
+          <a:chExt cx="0" cy="0"/>
+        </a:xfrm>
+      </p:grpSpPr>
+      <p:sp>
+        <p:nvSpPr>
+          <p:cNvPr id="2" name="タイトル 1"/>
+          <p:cNvSpPr>
+            <a:spLocks noGrp="1"/>
+          </p:cNvSpPr>
+          <p:nvPr>
+            <p:ph type="title"/>
+          </p:nvPr>
+        </p:nvSpPr>
+        <p:spPr/>
+        <p:txBody>
+          <a:bodyPr/>
+          <a:lstStyle/>
+          <a:p>
+            <a:r>
+              <a:rPr lang="en-US" altLang="en-US" dirty="0" smtClean="0"/>
+              <a:t>仕分け（3階層）</a:t>
+            </a:r>
+            <a:endParaRPr kumimoji="1" lang="ja-JP" altLang="en-US" dirty="0"/>
+          </a:p>
+        </p:txBody>
+      </p:sp>
+      <p:sp>
+        <p:nvSpPr>
+          <p:cNvPr id="4" name="正方形/長方形 3"/>
+          <p:cNvSpPr/>
+          <p:nvPr/>
+        </p:nvSpPr>
+        <p:spPr>
+          <a:xfrm>
+            <a:off x="970538" y="1577468"/>
+            <a:ext cx="1524000" cy="1671052"/>
+          </a:xfrm>
+          <a:prstGeom prst="rect">
+            <a:avLst/>
+          </a:prstGeom>
+          <a:noFill/>
+          <a:ln>
+            <a:solidFill>
+              <a:schemeClr val="tx1"/>
+            </a:solidFill>
+          </a:ln>
+        </p:spPr>
+        <p:style>
+          <a:lnRef idx="1">
+            <a:schemeClr val="accent1"/>
+          </a:lnRef>
+          <a:fillRef idx="3">
+            <a:schemeClr val="accent1"/>
+          </a:fillRef>
+          <a:effectRef idx="2">
+            <a:schemeClr val="accent1"/>
+          </a:effectRef>
+          <a:fontRef idx="minor">
+            <a:schemeClr val="lt1"/>
+          </a:fontRef>
+        </p:style>
+        <p:txBody>
+          <a:bodyPr rtlCol="0" anchor="t"/>
+          <a:lstStyle/>
+          <a:p>
+            <a:pPr algn="ctr"/>
+            <a:r>
+              <a:rPr lang="ja-JP" altLang="en-US" dirty="0" smtClean="0">
+                <a:solidFill>
+                  <a:schemeClr val="tx1"/>
+                </a:solidFill>
+              </a:rPr>
+              <a:t>仕分</a:t>
+            </a:r>
+            <a:endParaRPr kumimoji="1" lang="ja-JP" altLang="en-US" dirty="0">
+              <a:solidFill>
+                <a:schemeClr val="tx1"/>
+              </a:solidFill>
+            </a:endParaRPr>
+          </a:p>
+        </p:txBody>
+      </p:sp>
+      <p:sp>
+        <p:nvSpPr>
+          <p:cNvPr id="5" name="正方形/長方形 4"/>
+          <p:cNvSpPr/>
+          <p:nvPr/>
+        </p:nvSpPr>
+        <p:spPr>
+          <a:xfrm>
+            <a:off x="975890" y="1938413"/>
+            <a:ext cx="1524000" cy="1002635"/>
+          </a:xfrm>
+          <a:prstGeom prst="rect">
+            <a:avLst/>
+          </a:prstGeom>
+          <a:noFill/>
+          <a:ln>
+            <a:solidFill>
+              <a:schemeClr val="tx1"/>
+            </a:solidFill>
+          </a:ln>
+        </p:spPr>
+        <p:style>
+          <a:lnRef idx="1">
+            <a:schemeClr val="accent1"/>
+          </a:lnRef>
+          <a:fillRef idx="3">
+            <a:schemeClr val="accent1"/>
+          </a:fillRef>
+          <a:effectRef idx="2">
+            <a:schemeClr val="accent1"/>
+          </a:effectRef>
+          <a:fontRef idx="minor">
+            <a:schemeClr val="lt1"/>
+          </a:fontRef>
+        </p:style>
+        <p:txBody>
+          <a:bodyPr rtlCol="0" anchor="t"/>
+          <a:lstStyle/>
+          <a:p>
+            <a:pPr marL="285750" indent="-285750">
+              <a:buFontTx/>
+              <a:buChar char="-"/>
+            </a:pPr>
+            <a:r>
+              <a:rPr lang="en-US" altLang="en-US" sz="1600" dirty="0" smtClean="0">
+                <a:solidFill>
+                  <a:srgbClr val="000000"/>
+                </a:solidFill>
+              </a:rPr>
+              <a:t>計上</a:t>
+            </a:r>
+            <a:r>
+              <a:rPr lang="en-US" altLang="en-US" sz="1600" dirty="0" smtClean="0">
+                <a:solidFill>
+                  <a:srgbClr val="000000"/>
+                </a:solidFill>
+              </a:rPr>
+              <a:t>日</a:t>
+            </a:r>
+            <a:endParaRPr lang="en-US" altLang="en-US" sz="1600" dirty="0" smtClean="0">
+              <a:solidFill>
+                <a:srgbClr val="000000"/>
+              </a:solidFill>
+            </a:endParaRPr>
+          </a:p>
+        </p:txBody>
+      </p:sp>
+      <p:sp>
+        <p:nvSpPr>
+          <p:cNvPr id="7" name="正方形/長方形 6"/>
+          <p:cNvSpPr/>
+          <p:nvPr/>
+        </p:nvSpPr>
+        <p:spPr>
+          <a:xfrm>
+            <a:off x="3569360" y="1577468"/>
+            <a:ext cx="1524000" cy="1671052"/>
+          </a:xfrm>
+          <a:prstGeom prst="rect">
+            <a:avLst/>
+          </a:prstGeom>
+          <a:noFill/>
+          <a:ln>
+            <a:solidFill>
+              <a:schemeClr val="tx1"/>
+            </a:solidFill>
+          </a:ln>
+        </p:spPr>
+        <p:style>
+          <a:lnRef idx="1">
+            <a:schemeClr val="accent1"/>
+          </a:lnRef>
+          <a:fillRef idx="3">
+            <a:schemeClr val="accent1"/>
+          </a:fillRef>
+          <a:effectRef idx="2">
+            <a:schemeClr val="accent1"/>
+          </a:effectRef>
+          <a:fontRef idx="minor">
+            <a:schemeClr val="lt1"/>
+          </a:fontRef>
+        </p:style>
+        <p:txBody>
+          <a:bodyPr rtlCol="0" anchor="t"/>
+          <a:lstStyle/>
+          <a:p>
+            <a:pPr algn="ctr"/>
+            <a:r>
+              <a:rPr lang="ja-JP" altLang="en-US" dirty="0" smtClean="0">
+                <a:solidFill>
+                  <a:schemeClr val="tx1"/>
+                </a:solidFill>
+              </a:rPr>
+              <a:t>仕分明細</a:t>
+            </a:r>
+            <a:endParaRPr kumimoji="1" lang="ja-JP" altLang="en-US" dirty="0">
+              <a:solidFill>
+                <a:schemeClr val="tx1"/>
+              </a:solidFill>
+            </a:endParaRPr>
+          </a:p>
+        </p:txBody>
+      </p:sp>
+      <p:sp>
+        <p:nvSpPr>
+          <p:cNvPr id="8" name="正方形/長方形 7"/>
+          <p:cNvSpPr/>
+          <p:nvPr/>
+        </p:nvSpPr>
+        <p:spPr>
+          <a:xfrm>
+            <a:off x="3574712" y="1938413"/>
+            <a:ext cx="1524000" cy="1002635"/>
+          </a:xfrm>
+          <a:prstGeom prst="rect">
+            <a:avLst/>
+          </a:prstGeom>
+          <a:noFill/>
+          <a:ln>
+            <a:solidFill>
+              <a:schemeClr val="tx1"/>
+            </a:solidFill>
+          </a:ln>
+        </p:spPr>
+        <p:style>
+          <a:lnRef idx="1">
+            <a:schemeClr val="accent1"/>
+          </a:lnRef>
+          <a:fillRef idx="3">
+            <a:schemeClr val="accent1"/>
+          </a:fillRef>
+          <a:effectRef idx="2">
+            <a:schemeClr val="accent1"/>
+          </a:effectRef>
+          <a:fontRef idx="minor">
+            <a:schemeClr val="lt1"/>
+          </a:fontRef>
+        </p:style>
+        <p:txBody>
+          <a:bodyPr rtlCol="0" anchor="t"/>
+          <a:lstStyle/>
+          <a:p>
+            <a:pPr marL="285750" indent="-285750">
+              <a:buFontTx/>
+              <a:buChar char="-"/>
+            </a:pPr>
+            <a:r>
+              <a:rPr lang="ja-JP" altLang="en-US" sz="1600" dirty="0" smtClean="0">
+                <a:solidFill>
+                  <a:srgbClr val="000000"/>
+                </a:solidFill>
+              </a:rPr>
+              <a:t>仕分行番号</a:t>
+            </a:r>
+            <a:endParaRPr lang="en-US" altLang="ja-JP" sz="1600" dirty="0" smtClean="0">
+              <a:solidFill>
+                <a:srgbClr val="000000"/>
+              </a:solidFill>
+            </a:endParaRPr>
+          </a:p>
+          <a:p>
+            <a:pPr marL="285750" indent="-285750">
+              <a:buFontTx/>
+              <a:buChar char="-"/>
+            </a:pPr>
+            <a:r>
+              <a:rPr kumimoji="1" lang="ja-JP" altLang="en-US" sz="1600" dirty="0" smtClean="0">
+                <a:solidFill>
+                  <a:srgbClr val="000000"/>
+                </a:solidFill>
+              </a:rPr>
+              <a:t>行摘要</a:t>
+            </a:r>
+            <a:endParaRPr kumimoji="1" lang="en-US" altLang="ja-JP" sz="1600" dirty="0" smtClean="0">
+              <a:solidFill>
+                <a:srgbClr val="000000"/>
+              </a:solidFill>
+            </a:endParaRPr>
+          </a:p>
+        </p:txBody>
+      </p:sp>
+      <p:cxnSp>
+        <p:nvCxnSpPr>
+          <p:cNvPr id="21" name="直線コネクタ 20"/>
+          <p:cNvCxnSpPr/>
+          <p:nvPr/>
+        </p:nvCxnSpPr>
+        <p:spPr>
+          <a:xfrm>
+            <a:off x="2494538" y="2539996"/>
+            <a:ext cx="1074822" cy="0"/>
+          </a:xfrm>
+          <a:prstGeom prst="line">
+            <a:avLst/>
+          </a:prstGeom>
+          <a:ln>
+            <a:headEnd type="none"/>
+            <a:tailEnd type="none"/>
+          </a:ln>
+        </p:spPr>
+        <p:style>
+          <a:lnRef idx="2">
+            <a:schemeClr val="dk1"/>
+          </a:lnRef>
+          <a:fillRef idx="0">
+            <a:schemeClr val="dk1"/>
+          </a:fillRef>
+          <a:effectRef idx="1">
+            <a:schemeClr val="dk1"/>
+          </a:effectRef>
+          <a:fontRef idx="minor">
+            <a:schemeClr val="tx1"/>
+          </a:fontRef>
+        </p:style>
+      </p:cxnSp>
+      <p:sp>
+        <p:nvSpPr>
+          <p:cNvPr id="23" name="フローチャート: 判断 22"/>
+          <p:cNvSpPr/>
+          <p:nvPr/>
+        </p:nvSpPr>
+        <p:spPr>
+          <a:xfrm>
+            <a:off x="2499890" y="2392942"/>
+            <a:ext cx="454526" cy="294105"/>
+          </a:xfrm>
+          <a:prstGeom prst="flowChartDecision">
+            <a:avLst/>
+          </a:prstGeom>
+        </p:spPr>
+        <p:style>
+          <a:lnRef idx="1">
+            <a:schemeClr val="dk1"/>
+          </a:lnRef>
+          <a:fillRef idx="3">
+            <a:schemeClr val="dk1"/>
+          </a:fillRef>
+          <a:effectRef idx="2">
+            <a:schemeClr val="dk1"/>
+          </a:effectRef>
+          <a:fontRef idx="minor">
+            <a:schemeClr val="lt1"/>
+          </a:fontRef>
+        </p:style>
+        <p:txBody>
+          <a:bodyPr rtlCol="0" anchor="ctr"/>
+          <a:lstStyle/>
+          <a:p>
+            <a:pPr algn="ctr"/>
+            <a:endParaRPr kumimoji="1" lang="ja-JP" altLang="en-US"/>
+          </a:p>
+        </p:txBody>
+      </p:sp>
+      <p:graphicFrame>
+        <p:nvGraphicFramePr>
+          <p:cNvPr id="3" name="表 2"/>
+          <p:cNvGraphicFramePr>
+            <a:graphicFrameLocks noGrp="1"/>
+          </p:cNvGraphicFramePr>
+          <p:nvPr>
+            <p:extLst>
+              <p:ext uri="{D42A27DB-BD31-4B8C-83A1-F6EECF244321}">
+                <p14:modId xmlns:p14="http://schemas.microsoft.com/office/powerpoint/2010/main" val="2691852786"/>
+              </p:ext>
+            </p:extLst>
+          </p:nvPr>
+        </p:nvGraphicFramePr>
+        <p:xfrm>
+          <a:off x="457201" y="3830053"/>
+          <a:ext cx="8406062" cy="1483360"/>
+        </p:xfrm>
+        <a:graphic>
+          <a:graphicData uri="http://schemas.openxmlformats.org/drawingml/2006/table">
+            <a:tbl>
+              <a:tblPr firstRow="1" bandRow="1">
+                <a:tableStyleId>{5C22544A-7EE6-4342-B048-85BDC9FD1C3A}</a:tableStyleId>
+              </a:tblPr>
+              <a:tblGrid>
+                <a:gridCol w="1414378"/>
+                <a:gridCol w="987354"/>
+                <a:gridCol w="1200866"/>
+                <a:gridCol w="1200866"/>
+                <a:gridCol w="1200866"/>
+                <a:gridCol w="1200866"/>
+                <a:gridCol w="1200866"/>
+              </a:tblGrid>
+              <a:tr h="370840">
+                <a:tc rowSpan="2">
+                  <a:txBody>
+                    <a:bodyPr/>
+                    <a:lstStyle/>
+                    <a:p>
+                      <a:r>
+                        <a:rPr kumimoji="1" lang="ja-JP" altLang="en-US" dirty="0" smtClean="0"/>
+                        <a:t>計上日</a:t>
+                      </a:r>
+                      <a:endParaRPr kumimoji="1" lang="ja-JP" altLang="en-US" dirty="0"/>
+                    </a:p>
+                    <a:p>
+                      <a:pPr marL="0" marR="0" indent="0" algn="l" defTabSz="457200" rtl="0" eaLnBrk="1" fontAlgn="auto" latinLnBrk="0" hangingPunct="1">
+                        <a:lnSpc>
+                          <a:spcPct val="100000"/>
+                        </a:lnSpc>
+                        <a:spcBef>
+                          <a:spcPts val="0"/>
+                        </a:spcBef>
+                        <a:spcAft>
+                          <a:spcPts val="0"/>
+                        </a:spcAft>
+                        <a:buClrTx/>
+                        <a:buSzTx/>
+                        <a:buFontTx/>
+                        <a:buNone/>
+                        <a:tabLst/>
+                        <a:defRPr/>
+                      </a:pPr>
+                      <a:endParaRPr kumimoji="1" lang="ja-JP" altLang="en-US" dirty="0" smtClean="0"/>
+                    </a:p>
+                  </a:txBody>
+                  <a:tcPr/>
+                </a:tc>
+                <a:tc rowSpan="2">
+                  <a:txBody>
+                    <a:bodyPr/>
+                    <a:lstStyle/>
+                    <a:p>
+                      <a:pPr marL="0" marR="0" indent="0" algn="l" defTabSz="457200" rtl="0" eaLnBrk="1" fontAlgn="auto" latinLnBrk="0" hangingPunct="1">
+                        <a:lnSpc>
+                          <a:spcPct val="100000"/>
+                        </a:lnSpc>
+                        <a:spcBef>
+                          <a:spcPts val="0"/>
+                        </a:spcBef>
+                        <a:spcAft>
+                          <a:spcPts val="0"/>
+                        </a:spcAft>
+                        <a:buClrTx/>
+                        <a:buSzTx/>
+                        <a:buFontTx/>
+                        <a:buNone/>
+                        <a:tabLst/>
+                        <a:defRPr/>
+                      </a:pPr>
+                      <a:r>
+                        <a:rPr kumimoji="1" lang="ja-JP" altLang="en-US" dirty="0" smtClean="0"/>
+                        <a:t>行番号</a:t>
+                      </a:r>
+                      <a:endParaRPr kumimoji="1" lang="ja-JP" altLang="en-US" dirty="0" smtClean="0"/>
+                    </a:p>
+                  </a:txBody>
+                  <a:tcPr/>
+                </a:tc>
+                <a:tc gridSpan="2">
+                  <a:txBody>
+                    <a:bodyPr/>
+                    <a:lstStyle/>
+                    <a:p>
+                      <a:r>
+                        <a:rPr kumimoji="1" lang="ja-JP" altLang="en-US" dirty="0" smtClean="0"/>
+                        <a:t>借方</a:t>
+                      </a:r>
+                      <a:endParaRPr kumimoji="1" lang="ja-JP" altLang="en-US" dirty="0"/>
+                    </a:p>
+                  </a:txBody>
+                  <a:tcPr/>
+                </a:tc>
+                <a:tc hMerge="1">
+                  <a:txBody>
+                    <a:bodyPr/>
+                    <a:lstStyle/>
+                    <a:p>
+                      <a:endParaRPr kumimoji="1" lang="ja-JP" altLang="en-US" dirty="0"/>
+                    </a:p>
+                  </a:txBody>
+                  <a:tcPr/>
+                </a:tc>
+                <a:tc gridSpan="2">
+                  <a:txBody>
+                    <a:bodyPr/>
+                    <a:lstStyle/>
+                    <a:p>
+                      <a:r>
+                        <a:rPr kumimoji="1" lang="ja-JP" altLang="en-US" dirty="0" smtClean="0"/>
+                        <a:t>貸方</a:t>
+                      </a:r>
+                      <a:endParaRPr kumimoji="1" lang="ja-JP" altLang="en-US" dirty="0"/>
+                    </a:p>
+                  </a:txBody>
+                  <a:tcPr/>
+                </a:tc>
+                <a:tc hMerge="1">
+                  <a:txBody>
+                    <a:bodyPr/>
+                    <a:lstStyle/>
+                    <a:p>
+                      <a:endParaRPr kumimoji="1" lang="ja-JP" altLang="en-US" dirty="0"/>
+                    </a:p>
+                  </a:txBody>
+                  <a:tcPr/>
+                </a:tc>
+                <a:tc rowSpan="2">
+                  <a:txBody>
+                    <a:bodyPr/>
+                    <a:lstStyle/>
+                    <a:p>
+                      <a:r>
+                        <a:rPr kumimoji="1" lang="ja-JP" altLang="en-US" dirty="0" smtClean="0"/>
+                        <a:t>摘要</a:t>
+                      </a:r>
+                      <a:endParaRPr kumimoji="1" lang="ja-JP" altLang="en-US" dirty="0"/>
+                    </a:p>
+                  </a:txBody>
+                  <a:tcPr/>
+                </a:tc>
+              </a:tr>
+              <a:tr h="370840">
+                <a:tc vMerge="1">
+                  <a:txBody>
+                    <a:bodyPr/>
+                    <a:lstStyle/>
+                    <a:p>
+                      <a:pPr marL="0" marR="0" indent="0" algn="l" defTabSz="457200" rtl="0" eaLnBrk="1" fontAlgn="auto" latinLnBrk="0" hangingPunct="1">
+                        <a:lnSpc>
+                          <a:spcPct val="100000"/>
+                        </a:lnSpc>
+                        <a:spcBef>
+                          <a:spcPts val="0"/>
+                        </a:spcBef>
+                        <a:spcAft>
+                          <a:spcPts val="0"/>
+                        </a:spcAft>
+                        <a:buClrTx/>
+                        <a:buSzTx/>
+                        <a:buFontTx/>
+                        <a:buNone/>
+                        <a:tabLst/>
+                        <a:defRPr/>
+                      </a:pPr>
+                      <a:endParaRPr kumimoji="1" lang="ja-JP" altLang="en-US" dirty="0" smtClean="0"/>
+                    </a:p>
+                  </a:txBody>
+                  <a:tcPr/>
+                </a:tc>
+                <a:tc vMerge="1">
+                  <a:txBody>
+                    <a:bodyPr/>
+                    <a:lstStyle/>
+                    <a:p>
+                      <a:endParaRPr kumimoji="1" lang="ja-JP" altLang="en-US"/>
+                    </a:p>
+                  </a:txBody>
+                  <a:tcPr/>
+                </a:tc>
+                <a:tc>
+                  <a:txBody>
+                    <a:bodyPr/>
+                    <a:lstStyle/>
+                    <a:p>
+                      <a:pPr marL="0" marR="0" indent="0" algn="l" defTabSz="457200" rtl="0" eaLnBrk="1" fontAlgn="auto" latinLnBrk="0" hangingPunct="1">
+                        <a:lnSpc>
+                          <a:spcPct val="100000"/>
+                        </a:lnSpc>
+                        <a:spcBef>
+                          <a:spcPts val="0"/>
+                        </a:spcBef>
+                        <a:spcAft>
+                          <a:spcPts val="0"/>
+                        </a:spcAft>
+                        <a:buClrTx/>
+                        <a:buSzTx/>
+                        <a:buFontTx/>
+                        <a:buNone/>
+                        <a:tabLst/>
+                        <a:defRPr/>
+                      </a:pPr>
+                      <a:r>
+                        <a:rPr kumimoji="1" lang="ja-JP" altLang="en-US" dirty="0" smtClean="0"/>
+                        <a:t>勘定科目</a:t>
+                      </a:r>
+                    </a:p>
+                  </a:txBody>
+                  <a:tcPr/>
+                </a:tc>
+                <a:tc>
+                  <a:txBody>
+                    <a:bodyPr/>
+                    <a:lstStyle/>
+                    <a:p>
+                      <a:r>
+                        <a:rPr kumimoji="1" lang="ja-JP" altLang="en-US" dirty="0" smtClean="0"/>
+                        <a:t>金額</a:t>
+                      </a:r>
+                      <a:endParaRPr kumimoji="1" lang="ja-JP" altLang="en-US" dirty="0"/>
+                    </a:p>
+                  </a:txBody>
+                  <a:tcPr/>
+                </a:tc>
+                <a:tc>
+                  <a:txBody>
+                    <a:bodyPr/>
+                    <a:lstStyle/>
+                    <a:p>
+                      <a:r>
+                        <a:rPr kumimoji="1" lang="ja-JP" altLang="en-US" dirty="0" smtClean="0"/>
+                        <a:t>勘定科目</a:t>
+                      </a:r>
+                      <a:endParaRPr kumimoji="1" lang="ja-JP" altLang="en-US" dirty="0"/>
+                    </a:p>
+                  </a:txBody>
+                  <a:tcPr/>
+                </a:tc>
+                <a:tc>
+                  <a:txBody>
+                    <a:bodyPr/>
+                    <a:lstStyle/>
+                    <a:p>
+                      <a:r>
+                        <a:rPr kumimoji="1" lang="ja-JP" altLang="en-US" dirty="0" smtClean="0"/>
+                        <a:t>金額</a:t>
+                      </a:r>
+                      <a:endParaRPr kumimoji="1" lang="ja-JP" altLang="en-US" dirty="0"/>
+                    </a:p>
+                  </a:txBody>
+                  <a:tcPr/>
+                </a:tc>
+                <a:tc vMerge="1">
+                  <a:txBody>
+                    <a:bodyPr/>
+                    <a:lstStyle/>
+                    <a:p>
+                      <a:endParaRPr kumimoji="1" lang="ja-JP" altLang="en-US" dirty="0"/>
+                    </a:p>
+                  </a:txBody>
+                  <a:tcPr/>
+                </a:tc>
+              </a:tr>
+              <a:tr h="370840">
+                <a:tc>
+                  <a:txBody>
+                    <a:bodyPr/>
+                    <a:lstStyle/>
+                    <a:p>
+                      <a:r>
+                        <a:rPr kumimoji="1" lang="en-US" altLang="ja-JP" dirty="0" smtClean="0"/>
+                        <a:t>2013/11/25</a:t>
+                      </a:r>
+                      <a:endParaRPr kumimoji="1" lang="ja-JP" altLang="en-US" dirty="0"/>
+                    </a:p>
+                  </a:txBody>
+                  <a:tcPr/>
+                </a:tc>
+                <a:tc>
+                  <a:txBody>
+                    <a:bodyPr/>
+                    <a:lstStyle/>
+                    <a:p>
+                      <a:r>
+                        <a:rPr kumimoji="1" lang="en-US" altLang="ja-JP" dirty="0" smtClean="0"/>
+                        <a:t>1</a:t>
+                      </a:r>
+                      <a:endParaRPr kumimoji="1" lang="ja-JP" altLang="en-US" dirty="0"/>
+                    </a:p>
+                  </a:txBody>
+                  <a:tcPr/>
+                </a:tc>
+                <a:tc>
+                  <a:txBody>
+                    <a:bodyPr/>
+                    <a:lstStyle/>
+                    <a:p>
+                      <a:r>
+                        <a:rPr kumimoji="1" lang="ja-JP" altLang="en-US" dirty="0" smtClean="0"/>
+                        <a:t>当座預金</a:t>
+                      </a:r>
+                      <a:endParaRPr kumimoji="1" lang="ja-JP" altLang="en-US" dirty="0"/>
+                    </a:p>
+                  </a:txBody>
+                  <a:tcPr/>
+                </a:tc>
+                <a:tc>
+                  <a:txBody>
+                    <a:bodyPr/>
+                    <a:lstStyle/>
+                    <a:p>
+                      <a:r>
+                        <a:rPr kumimoji="1" lang="en-US" altLang="ja-JP" dirty="0" smtClean="0"/>
+                        <a:t>500</a:t>
+                      </a:r>
+                      <a:endParaRPr kumimoji="1" lang="ja-JP" altLang="en-US" dirty="0"/>
+                    </a:p>
+                  </a:txBody>
+                  <a:tcPr/>
+                </a:tc>
+                <a:tc>
+                  <a:txBody>
+                    <a:bodyPr/>
+                    <a:lstStyle/>
+                    <a:p>
+                      <a:r>
+                        <a:rPr kumimoji="1" lang="ja-JP" altLang="en-US" dirty="0" smtClean="0"/>
+                        <a:t>売上</a:t>
+                      </a:r>
+                      <a:endParaRPr kumimoji="1" lang="ja-JP" altLang="en-US" dirty="0"/>
+                    </a:p>
+                  </a:txBody>
+                  <a:tcPr/>
+                </a:tc>
+                <a:tc>
+                  <a:txBody>
+                    <a:bodyPr/>
+                    <a:lstStyle/>
+                    <a:p>
+                      <a:r>
+                        <a:rPr kumimoji="1" lang="en-US" altLang="ja-JP" dirty="0" smtClean="0"/>
+                        <a:t>1000</a:t>
+                      </a:r>
+                      <a:endParaRPr kumimoji="1" lang="ja-JP" altLang="en-US" dirty="0"/>
+                    </a:p>
+                  </a:txBody>
+                  <a:tcPr/>
+                </a:tc>
+                <a:tc>
+                  <a:txBody>
+                    <a:bodyPr/>
+                    <a:lstStyle/>
+                    <a:p>
+                      <a:r>
+                        <a:rPr kumimoji="1" lang="ja-JP" altLang="en-US" dirty="0" smtClean="0"/>
+                        <a:t>売上入金</a:t>
+                      </a:r>
+                      <a:endParaRPr kumimoji="1" lang="ja-JP" altLang="en-US" dirty="0"/>
+                    </a:p>
+                  </a:txBody>
+                  <a:tcPr/>
+                </a:tc>
+              </a:tr>
+              <a:tr h="370840">
+                <a:tc>
+                  <a:txBody>
+                    <a:bodyPr/>
+                    <a:lstStyle/>
+                    <a:p>
+                      <a:pPr marL="0" marR="0" indent="0" algn="l" defTabSz="457200" rtl="0" eaLnBrk="1" fontAlgn="auto" latinLnBrk="0" hangingPunct="1">
+                        <a:lnSpc>
+                          <a:spcPct val="100000"/>
+                        </a:lnSpc>
+                        <a:spcBef>
+                          <a:spcPts val="0"/>
+                        </a:spcBef>
+                        <a:spcAft>
+                          <a:spcPts val="0"/>
+                        </a:spcAft>
+                        <a:buClrTx/>
+                        <a:buSzTx/>
+                        <a:buFontTx/>
+                        <a:buNone/>
+                        <a:tabLst/>
+                        <a:defRPr/>
+                      </a:pPr>
+                      <a:r>
+                        <a:rPr kumimoji="1" lang="en-US" altLang="ja-JP" dirty="0" smtClean="0"/>
+                        <a:t>2013/11/25</a:t>
+                      </a:r>
+                      <a:endParaRPr kumimoji="1" lang="ja-JP" altLang="en-US" dirty="0" smtClean="0"/>
+                    </a:p>
+                  </a:txBody>
+                  <a:tcPr/>
+                </a:tc>
+                <a:tc>
+                  <a:txBody>
+                    <a:bodyPr/>
+                    <a:lstStyle/>
+                    <a:p>
+                      <a:r>
+                        <a:rPr kumimoji="1" lang="en-US" altLang="ja-JP" dirty="0" smtClean="0"/>
+                        <a:t>2</a:t>
+                      </a:r>
+                      <a:endParaRPr kumimoji="1" lang="ja-JP" altLang="en-US" dirty="0"/>
+                    </a:p>
+                  </a:txBody>
+                  <a:tcPr/>
+                </a:tc>
+                <a:tc>
+                  <a:txBody>
+                    <a:bodyPr/>
+                    <a:lstStyle/>
+                    <a:p>
+                      <a:r>
+                        <a:rPr kumimoji="1" lang="ja-JP" altLang="en-US" dirty="0" smtClean="0"/>
+                        <a:t>売掛金</a:t>
+                      </a:r>
+                      <a:endParaRPr kumimoji="1" lang="ja-JP" altLang="en-US" dirty="0"/>
+                    </a:p>
+                  </a:txBody>
+                  <a:tcPr/>
+                </a:tc>
+                <a:tc>
+                  <a:txBody>
+                    <a:bodyPr/>
+                    <a:lstStyle/>
+                    <a:p>
+                      <a:r>
+                        <a:rPr kumimoji="1" lang="en-US" altLang="ja-JP" dirty="0" smtClean="0"/>
+                        <a:t>500</a:t>
+                      </a:r>
+                      <a:endParaRPr kumimoji="1" lang="ja-JP" altLang="en-US" dirty="0"/>
+                    </a:p>
+                  </a:txBody>
+                  <a:tcPr/>
+                </a:tc>
+                <a:tc>
+                  <a:txBody>
+                    <a:bodyPr/>
+                    <a:lstStyle/>
+                    <a:p>
+                      <a:endParaRPr kumimoji="1" lang="ja-JP" altLang="en-US" dirty="0"/>
+                    </a:p>
+                  </a:txBody>
+                  <a:tcPr/>
+                </a:tc>
+                <a:tc>
+                  <a:txBody>
+                    <a:bodyPr/>
+                    <a:lstStyle/>
+                    <a:p>
+                      <a:endParaRPr kumimoji="1" lang="ja-JP" altLang="en-US" dirty="0"/>
+                    </a:p>
+                  </a:txBody>
+                  <a:tcPr/>
+                </a:tc>
+                <a:tc>
+                  <a:txBody>
+                    <a:bodyPr/>
+                    <a:lstStyle/>
+                    <a:p>
+                      <a:r>
+                        <a:rPr kumimoji="1" lang="ja-JP" altLang="en-US" dirty="0" smtClean="0"/>
+                        <a:t>売上掛け</a:t>
+                      </a:r>
+                      <a:endParaRPr kumimoji="1" lang="ja-JP" altLang="en-US" dirty="0"/>
+                    </a:p>
+                  </a:txBody>
+                  <a:tcPr/>
+                </a:tc>
+              </a:tr>
+            </a:tbl>
+          </a:graphicData>
+        </a:graphic>
+      </p:graphicFrame>
+      <p:sp>
+        <p:nvSpPr>
+          <p:cNvPr id="10" name="正方形/長方形 9"/>
+          <p:cNvSpPr/>
+          <p:nvPr/>
+        </p:nvSpPr>
+        <p:spPr>
+          <a:xfrm>
+            <a:off x="6168182" y="1582807"/>
+            <a:ext cx="1524000" cy="1671052"/>
+          </a:xfrm>
+          <a:prstGeom prst="rect">
+            <a:avLst/>
+          </a:prstGeom>
+          <a:noFill/>
+          <a:ln>
+            <a:solidFill>
+              <a:schemeClr val="tx1"/>
+            </a:solidFill>
+          </a:ln>
+        </p:spPr>
+        <p:style>
+          <a:lnRef idx="1">
+            <a:schemeClr val="accent1"/>
+          </a:lnRef>
+          <a:fillRef idx="3">
+            <a:schemeClr val="accent1"/>
+          </a:fillRef>
+          <a:effectRef idx="2">
+            <a:schemeClr val="accent1"/>
+          </a:effectRef>
+          <a:fontRef idx="minor">
+            <a:schemeClr val="lt1"/>
+          </a:fontRef>
+        </p:style>
+        <p:txBody>
+          <a:bodyPr rtlCol="0" anchor="t"/>
+          <a:lstStyle/>
+          <a:p>
+            <a:pPr algn="ctr"/>
+            <a:r>
+              <a:rPr lang="ja-JP" altLang="en-US" sz="1600" dirty="0" smtClean="0">
+                <a:solidFill>
+                  <a:schemeClr val="tx1"/>
+                </a:solidFill>
+              </a:rPr>
+              <a:t>仕分</a:t>
+            </a:r>
+            <a:r>
+              <a:rPr lang="ja-JP" altLang="en-US" sz="1600" dirty="0" smtClean="0">
+                <a:solidFill>
+                  <a:schemeClr val="tx1"/>
+                </a:solidFill>
+              </a:rPr>
+              <a:t>貸借</a:t>
+            </a:r>
+            <a:r>
+              <a:rPr lang="ja-JP" altLang="en-US" sz="1600" dirty="0" smtClean="0">
+                <a:solidFill>
+                  <a:schemeClr val="tx1"/>
+                </a:solidFill>
+              </a:rPr>
+              <a:t>明細</a:t>
+            </a:r>
+            <a:endParaRPr kumimoji="1" lang="ja-JP" altLang="en-US" sz="1600" dirty="0">
+              <a:solidFill>
+                <a:schemeClr val="tx1"/>
+              </a:solidFill>
+            </a:endParaRPr>
+          </a:p>
+        </p:txBody>
+      </p:sp>
+      <p:sp>
+        <p:nvSpPr>
+          <p:cNvPr id="11" name="正方形/長方形 10"/>
+          <p:cNvSpPr/>
+          <p:nvPr/>
+        </p:nvSpPr>
+        <p:spPr>
+          <a:xfrm>
+            <a:off x="6173534" y="1943752"/>
+            <a:ext cx="1524000" cy="1002635"/>
+          </a:xfrm>
+          <a:prstGeom prst="rect">
+            <a:avLst/>
+          </a:prstGeom>
+          <a:noFill/>
+          <a:ln>
+            <a:solidFill>
+              <a:schemeClr val="tx1"/>
+            </a:solidFill>
+          </a:ln>
+        </p:spPr>
+        <p:style>
+          <a:lnRef idx="1">
+            <a:schemeClr val="accent1"/>
+          </a:lnRef>
+          <a:fillRef idx="3">
+            <a:schemeClr val="accent1"/>
+          </a:fillRef>
+          <a:effectRef idx="2">
+            <a:schemeClr val="accent1"/>
+          </a:effectRef>
+          <a:fontRef idx="minor">
+            <a:schemeClr val="lt1"/>
+          </a:fontRef>
+        </p:style>
+        <p:txBody>
+          <a:bodyPr rtlCol="0" anchor="t"/>
+          <a:lstStyle/>
+          <a:p>
+            <a:pPr marL="285750" indent="-285750">
+              <a:buFontTx/>
+              <a:buChar char="-"/>
+            </a:pPr>
+            <a:r>
+              <a:rPr kumimoji="1" lang="ja-JP" altLang="en-US" sz="1600" dirty="0" smtClean="0">
+                <a:solidFill>
+                  <a:srgbClr val="000000"/>
+                </a:solidFill>
+              </a:rPr>
+              <a:t>貸借</a:t>
+            </a:r>
+            <a:endParaRPr kumimoji="1" lang="en-US" altLang="ja-JP" sz="1600" dirty="0" smtClean="0">
+              <a:solidFill>
+                <a:srgbClr val="000000"/>
+              </a:solidFill>
+            </a:endParaRPr>
+          </a:p>
+          <a:p>
+            <a:pPr marL="285750" indent="-285750">
+              <a:buFontTx/>
+              <a:buChar char="-"/>
+            </a:pPr>
+            <a:r>
+              <a:rPr lang="ja-JP" altLang="en-US" sz="1600" dirty="0" smtClean="0">
+                <a:solidFill>
+                  <a:srgbClr val="000000"/>
+                </a:solidFill>
+              </a:rPr>
+              <a:t>貸方金額</a:t>
+            </a:r>
+            <a:endParaRPr lang="en-US" altLang="ja-JP" sz="1600" dirty="0" smtClean="0">
+              <a:solidFill>
+                <a:srgbClr val="000000"/>
+              </a:solidFill>
+            </a:endParaRPr>
+          </a:p>
+          <a:p>
+            <a:pPr marL="285750" indent="-285750">
+              <a:buFontTx/>
+              <a:buChar char="-"/>
+            </a:pPr>
+            <a:r>
+              <a:rPr kumimoji="1" lang="ja-JP" altLang="en-US" sz="1600" dirty="0" smtClean="0">
+                <a:solidFill>
+                  <a:srgbClr val="000000"/>
+                </a:solidFill>
+              </a:rPr>
+              <a:t>借方金額</a:t>
+            </a:r>
+            <a:endParaRPr kumimoji="1" lang="ja-JP" altLang="en-US" sz="1600" dirty="0">
+              <a:solidFill>
+                <a:srgbClr val="000000"/>
+              </a:solidFill>
+            </a:endParaRPr>
+          </a:p>
+        </p:txBody>
+      </p:sp>
+      <p:cxnSp>
+        <p:nvCxnSpPr>
+          <p:cNvPr id="12" name="直線コネクタ 11"/>
+          <p:cNvCxnSpPr/>
+          <p:nvPr/>
+        </p:nvCxnSpPr>
+        <p:spPr>
+          <a:xfrm>
+            <a:off x="5093360" y="2545335"/>
+            <a:ext cx="1074822" cy="0"/>
+          </a:xfrm>
+          <a:prstGeom prst="line">
+            <a:avLst/>
+          </a:prstGeom>
+          <a:ln>
+            <a:headEnd type="none"/>
+            <a:tailEnd type="none"/>
+          </a:ln>
+        </p:spPr>
+        <p:style>
+          <a:lnRef idx="2">
+            <a:schemeClr val="dk1"/>
+          </a:lnRef>
+          <a:fillRef idx="0">
+            <a:schemeClr val="dk1"/>
+          </a:fillRef>
+          <a:effectRef idx="1">
+            <a:schemeClr val="dk1"/>
+          </a:effectRef>
+          <a:fontRef idx="minor">
+            <a:schemeClr val="tx1"/>
+          </a:fontRef>
+        </p:style>
+      </p:cxnSp>
+      <p:sp>
+        <p:nvSpPr>
+          <p:cNvPr id="13" name="フローチャート: 判断 12"/>
+          <p:cNvSpPr/>
+          <p:nvPr/>
+        </p:nvSpPr>
+        <p:spPr>
+          <a:xfrm>
+            <a:off x="5098712" y="2398281"/>
+            <a:ext cx="454526" cy="294105"/>
+          </a:xfrm>
+          <a:prstGeom prst="flowChartDecision">
+            <a:avLst/>
+          </a:prstGeom>
+        </p:spPr>
+        <p:style>
+          <a:lnRef idx="1">
+            <a:schemeClr val="dk1"/>
+          </a:lnRef>
+          <a:fillRef idx="3">
+            <a:schemeClr val="dk1"/>
+          </a:fillRef>
+          <a:effectRef idx="2">
+            <a:schemeClr val="dk1"/>
+          </a:effectRef>
+          <a:fontRef idx="minor">
+            <a:schemeClr val="lt1"/>
+          </a:fontRef>
+        </p:style>
+        <p:txBody>
+          <a:bodyPr rtlCol="0" anchor="ctr"/>
+          <a:lstStyle/>
+          <a:p>
+            <a:pPr algn="ctr"/>
+            <a:endParaRPr kumimoji="1" lang="ja-JP" altLang="en-US"/>
+          </a:p>
+        </p:txBody>
+      </p:sp>
+    </p:spTree>
+    <p:extLst>
+      <p:ext uri="{BB962C8B-B14F-4D97-AF65-F5344CB8AC3E}">
+        <p14:creationId xmlns:p14="http://schemas.microsoft.com/office/powerpoint/2010/main" val="765598892"/>
+      </p:ext>
+    </p:extLst>
+  </p:cSld>
+  <p:clrMapOvr>
+    <a:masterClrMapping/>
+  </p:clrMapOvr>
+</p:sld>
+</file>
+
+<file path=ppt/slides/slide15.xml><?xml version="1.0" encoding="utf-8"?>
+<p:sld xmlns:a="http://schemas.openxmlformats.org/drawingml/2006/main" xmlns:r="http://schemas.openxmlformats.org/officeDocument/2006/relationships" xmlns:p="http://schemas.openxmlformats.org/presentationml/2006/main">
+  <p:cSld>
+    <p:spTree>
+      <p:nvGrpSpPr>
+        <p:cNvPr id="1" name=""/>
+        <p:cNvGrpSpPr/>
+        <p:nvPr/>
+      </p:nvGrpSpPr>
+      <p:grpSpPr>
+        <a:xfrm>
+          <a:off x="0" y="0"/>
+          <a:ext cx="0" cy="0"/>
+          <a:chOff x="0" y="0"/>
+          <a:chExt cx="0" cy="0"/>
+        </a:xfrm>
+      </p:grpSpPr>
+      <p:sp>
+        <p:nvSpPr>
+          <p:cNvPr id="2" name="タイトル 1"/>
+          <p:cNvSpPr>
+            <a:spLocks noGrp="1"/>
+          </p:cNvSpPr>
+          <p:nvPr>
+            <p:ph type="title"/>
+          </p:nvPr>
+        </p:nvSpPr>
+        <p:spPr/>
+        <p:txBody>
+          <a:bodyPr/>
+          <a:lstStyle/>
+          <a:p>
+            <a:r>
+              <a:rPr kumimoji="1" lang="ja-JP" altLang="en-US" dirty="0" smtClean="0"/>
+              <a:t>実装</a:t>
+            </a:r>
+            <a:endParaRPr kumimoji="1" lang="ja-JP" altLang="en-US" dirty="0"/>
+          </a:p>
+        </p:txBody>
+      </p:sp>
+      <p:sp>
+        <p:nvSpPr>
+          <p:cNvPr id="3" name="コンテンツ プレースホルダー 2"/>
+          <p:cNvSpPr>
+            <a:spLocks noGrp="1"/>
+          </p:cNvSpPr>
+          <p:nvPr>
+            <p:ph idx="1"/>
+          </p:nvPr>
+        </p:nvSpPr>
+        <p:spPr/>
+        <p:txBody>
+          <a:bodyPr/>
+          <a:lstStyle/>
+          <a:p>
+            <a:r>
+              <a:rPr lang="ja-JP" altLang="en-US" dirty="0"/>
+              <a:t>勘定科目</a:t>
+            </a:r>
+            <a:endParaRPr lang="en-US" altLang="ja-JP" dirty="0"/>
+          </a:p>
+          <a:p>
+            <a:r>
+              <a:rPr lang="ja-JP" altLang="en-US" dirty="0"/>
+              <a:t>仕分</a:t>
+            </a:r>
+          </a:p>
+          <a:p>
+            <a:endParaRPr kumimoji="1" lang="ja-JP" altLang="en-US" dirty="0"/>
+          </a:p>
+        </p:txBody>
+      </p:sp>
+    </p:spTree>
+    <p:extLst>
+      <p:ext uri="{BB962C8B-B14F-4D97-AF65-F5344CB8AC3E}">
+        <p14:creationId xmlns:p14="http://schemas.microsoft.com/office/powerpoint/2010/main" val="1686713708"/>
+      </p:ext>
+    </p:extLst>
+  </p:cSld>
+  <p:clrMapOvr>
+    <a:masterClrMapping/>
+  </p:clrMapOvr>
+</p:sld>
+</file>
+
 <file path=ppt/slides/slide2.xml><?xml version="1.0" encoding="utf-8"?>
 <p:sld xmlns:a="http://schemas.openxmlformats.org/drawingml/2006/main" xmlns:r="http://schemas.openxmlformats.org/officeDocument/2006/relationships" xmlns:p="http://schemas.openxmlformats.org/presentationml/2006/main">
   <p:cSld>
@@ -3505,7 +10156,9 @@
         </p:nvSpPr>
         <p:spPr/>
         <p:txBody>
-          <a:bodyPr/>
+          <a:bodyPr>
+            <a:normAutofit lnSpcReduction="10000"/>
+          </a:bodyPr>
           <a:lstStyle/>
           <a:p>
             <a:r>
@@ -3518,15 +10171,31 @@
             <a:pPr lvl="1"/>
             <a:r>
               <a:rPr lang="ja-JP" altLang="en-US" dirty="0" smtClean="0"/>
-              <a:t>財務会計とは</a:t>
+              <a:t>財務会計と</a:t>
+            </a:r>
+            <a:r>
+              <a:rPr lang="ja-JP" altLang="en-US" dirty="0" smtClean="0"/>
+              <a:t>は</a:t>
             </a:r>
             <a:endParaRPr lang="en-US" altLang="ja-JP" dirty="0" smtClean="0"/>
           </a:p>
           <a:p>
             <a:pPr lvl="1"/>
             <a:r>
+              <a:rPr lang="ja-JP" altLang="en-US" dirty="0" smtClean="0"/>
+              <a:t>フローとストックの概念</a:t>
+            </a:r>
+            <a:endParaRPr lang="en-US" altLang="ja-JP" dirty="0" smtClean="0"/>
+          </a:p>
+          <a:p>
+            <a:pPr lvl="1"/>
+            <a:r>
               <a:rPr kumimoji="1" lang="ja-JP" altLang="en-US" dirty="0" smtClean="0"/>
-              <a:t>財務会計の業務プロセス</a:t>
+              <a:t>財務会計の業務</a:t>
+            </a:r>
+            <a:r>
+              <a:rPr kumimoji="1" lang="ja-JP" altLang="en-US" dirty="0" smtClean="0"/>
+              <a:t>プロセス</a:t>
             </a:r>
             <a:endParaRPr kumimoji="1" lang="en-US" altLang="ja-JP" dirty="0" smtClean="0"/>
           </a:p>
@@ -3618,7 +10287,7 @@
           <a:p>
             <a:r>
               <a:rPr kumimoji="1" lang="ja-JP" altLang="en-US" dirty="0" smtClean="0"/>
-              <a:t>財務会計とは</a:t>
+              <a:t>設計</a:t>
             </a:r>
             <a:endParaRPr kumimoji="1" lang="ja-JP" altLang="en-US" dirty="0"/>
           </a:p>
@@ -3636,17 +10305,63 @@
         </p:nvSpPr>
         <p:spPr/>
         <p:txBody>
-          <a:bodyPr/>
-          <a:lstStyle/>
-          <a:p>
-            <a:endParaRPr kumimoji="1" lang="ja-JP" altLang="en-US"/>
+          <a:bodyPr>
+            <a:normAutofit/>
+          </a:bodyPr>
+          <a:lstStyle/>
+          <a:p>
+            <a:r>
+              <a:rPr lang="ja-JP" altLang="en-US" sz="2800" dirty="0" smtClean="0"/>
+              <a:t>財務会計</a:t>
+            </a:r>
+            <a:r>
+              <a:rPr lang="ja-JP" altLang="en-US" sz="2800" dirty="0"/>
+              <a:t>と</a:t>
+            </a:r>
+            <a:r>
+              <a:rPr lang="ja-JP" altLang="en-US" sz="2800" dirty="0" smtClean="0"/>
+              <a:t>は</a:t>
+            </a:r>
+            <a:endParaRPr lang="en-US" altLang="ja-JP" sz="2800" dirty="0" smtClean="0"/>
+          </a:p>
+          <a:p>
+            <a:r>
+              <a:rPr lang="ja-JP" altLang="en-US" sz="2800" dirty="0" smtClean="0"/>
+              <a:t>フローとストックの概念</a:t>
+            </a:r>
+            <a:endParaRPr lang="en-US" altLang="ja-JP" sz="2800" dirty="0"/>
+          </a:p>
+          <a:p>
+            <a:r>
+              <a:rPr lang="ja-JP" altLang="en-US" sz="2800" dirty="0"/>
+              <a:t>財務会計の業務プロセス</a:t>
+            </a:r>
+            <a:endParaRPr lang="en-US" altLang="ja-JP" sz="2800" dirty="0"/>
+          </a:p>
+          <a:p>
+            <a:r>
+              <a:rPr lang="ja-JP" altLang="en-US" sz="2800" dirty="0"/>
+              <a:t>財務会計のデータ構造</a:t>
+            </a:r>
+            <a:endParaRPr lang="en-US" altLang="ja-JP" sz="2800" dirty="0"/>
+          </a:p>
+          <a:p>
+            <a:r>
+              <a:rPr lang="ja-JP" altLang="en-US" sz="2800" dirty="0"/>
+              <a:t>財務諸表と勘定科目のデータ設計</a:t>
+            </a:r>
+            <a:r>
+              <a:rPr lang="ja-JP" altLang="en-US" sz="2800" dirty="0" smtClean="0"/>
+              <a:t>アプローチ</a:t>
+            </a:r>
+            <a:endParaRPr lang="en-US" altLang="ja-JP" sz="2800" dirty="0"/>
           </a:p>
         </p:txBody>
       </p:sp>
     </p:spTree>
     <p:extLst>
       <p:ext uri="{BB962C8B-B14F-4D97-AF65-F5344CB8AC3E}">
-        <p14:creationId xmlns:p14="http://schemas.microsoft.com/office/powerpoint/2010/main" val="506133913"/>
+        <p14:creationId xmlns:p14="http://schemas.microsoft.com/office/powerpoint/2010/main" val="1778438676"/>
       </p:ext>
     </p:extLst>
   </p:cSld>
@@ -3690,6 +10405,907 @@
           <a:p>
             <a:r>
               <a:rPr kumimoji="1" lang="ja-JP" altLang="en-US" dirty="0" smtClean="0"/>
+              <a:t>財務会計とは</a:t>
+            </a:r>
+            <a:endParaRPr kumimoji="1" lang="ja-JP" altLang="en-US" dirty="0"/>
+          </a:p>
+        </p:txBody>
+      </p:sp>
+      <p:sp>
+        <p:nvSpPr>
+          <p:cNvPr id="3" name="コンテンツ プレースホルダー 2"/>
+          <p:cNvSpPr>
+            <a:spLocks noGrp="1"/>
+          </p:cNvSpPr>
+          <p:nvPr>
+            <p:ph idx="1"/>
+          </p:nvPr>
+        </p:nvSpPr>
+        <p:spPr/>
+        <p:txBody>
+          <a:bodyPr>
+            <a:normAutofit/>
+          </a:bodyPr>
+          <a:lstStyle/>
+          <a:p>
+            <a:pPr algn="ctr"/>
+            <a:r>
+              <a:rPr lang="ja-JP" altLang="en-US" dirty="0" smtClean="0"/>
+              <a:t>利害関係者にお金を幾ら持っていて幾ら使って幾ら稼いだかを知ってもらうための記録・計算・管理プロセス</a:t>
+            </a:r>
+            <a:endParaRPr lang="en-US" altLang="ja-JP" dirty="0" smtClean="0"/>
+          </a:p>
+          <a:p>
+            <a:endParaRPr lang="en-US" altLang="ja-JP" sz="2400" dirty="0" smtClean="0"/>
+          </a:p>
+          <a:p>
+            <a:r>
+              <a:rPr lang="ja-JP" altLang="en-US" sz="2400" dirty="0" smtClean="0"/>
+              <a:t>利害関係者（お金を貸したり借りたり取り立てたりする人）</a:t>
+            </a:r>
+            <a:endParaRPr lang="en-US" altLang="ja-JP" sz="2400" dirty="0"/>
+          </a:p>
+          <a:p>
+            <a:pPr lvl="1"/>
+            <a:r>
+              <a:rPr lang="ja-JP" altLang="en-US" sz="2000" dirty="0" smtClean="0"/>
+              <a:t>株主・債権者・徴税当局</a:t>
+            </a:r>
+            <a:endParaRPr lang="en-US" altLang="ja-JP" sz="2000" dirty="0" smtClean="0"/>
+          </a:p>
+          <a:p>
+            <a:r>
+              <a:rPr lang="ja-JP" altLang="en-US" sz="2400" dirty="0" smtClean="0"/>
+              <a:t>財政状態を記録・計算・管理する（全財産は幾ら？）</a:t>
+            </a:r>
+            <a:endParaRPr lang="en-US" altLang="ja-JP" sz="2400" dirty="0" smtClean="0"/>
+          </a:p>
+          <a:p>
+            <a:pPr lvl="1"/>
+            <a:r>
+              <a:rPr lang="ja-JP" altLang="en-US" sz="2000" dirty="0"/>
+              <a:t>貸借対照表（</a:t>
+            </a:r>
+            <a:r>
+              <a:rPr lang="en-US" altLang="ja-JP" sz="2000" dirty="0"/>
+              <a:t>B/S Balance Sheet</a:t>
+            </a:r>
+            <a:r>
+              <a:rPr lang="ja-JP" altLang="en-US" sz="2000" dirty="0" smtClean="0"/>
+              <a:t>）</a:t>
+            </a:r>
+            <a:endParaRPr lang="en-US" altLang="ja-JP" sz="2000" dirty="0" smtClean="0"/>
+          </a:p>
+          <a:p>
+            <a:r>
+              <a:rPr lang="ja-JP" altLang="en-US" sz="2400" dirty="0" smtClean="0"/>
+              <a:t>経営成績を記録・計算・管理する（幾ら使って幾ら稼いだ？）</a:t>
+            </a:r>
+            <a:endParaRPr lang="en-US" altLang="ja-JP" sz="2400" dirty="0" smtClean="0"/>
+          </a:p>
+          <a:p>
+            <a:pPr lvl="1"/>
+            <a:r>
+              <a:rPr lang="ja-JP" altLang="en-US" sz="2000" dirty="0" smtClean="0"/>
+              <a:t>損益計算書（</a:t>
+            </a:r>
+            <a:r>
+              <a:rPr lang="en-US" altLang="ja-JP" sz="2000" dirty="0" smtClean="0"/>
+              <a:t>P/L Profit and Loss Statement)</a:t>
+            </a:r>
+          </a:p>
+          <a:p>
+            <a:endParaRPr kumimoji="1" lang="ja-JP" altLang="en-US" dirty="0"/>
+          </a:p>
+        </p:txBody>
+      </p:sp>
+    </p:spTree>
+    <p:extLst>
+      <p:ext uri="{BB962C8B-B14F-4D97-AF65-F5344CB8AC3E}">
+        <p14:creationId xmlns:p14="http://schemas.microsoft.com/office/powerpoint/2010/main" val="506133913"/>
+      </p:ext>
+    </p:extLst>
+  </p:cSld>
+  <p:clrMapOvr>
+    <a:masterClrMapping/>
+  </p:clrMapOvr>
+</p:sld>
+</file>
+
+<file path=ppt/slides/slide5.xml><?xml version="1.0" encoding="utf-8"?>
+<p:sld xmlns:a="http://schemas.openxmlformats.org/drawingml/2006/main" xmlns:r="http://schemas.openxmlformats.org/officeDocument/2006/relationships" xmlns:p="http://schemas.openxmlformats.org/presentationml/2006/main">
+  <p:cSld>
+    <p:spTree>
+      <p:nvGrpSpPr>
+        <p:cNvPr id="1" name=""/>
+        <p:cNvGrpSpPr/>
+        <p:nvPr/>
+      </p:nvGrpSpPr>
+      <p:grpSpPr>
+        <a:xfrm>
+          <a:off x="0" y="0"/>
+          <a:ext cx="0" cy="0"/>
+          <a:chOff x="0" y="0"/>
+          <a:chExt cx="0" cy="0"/>
+        </a:xfrm>
+      </p:grpSpPr>
+      <p:sp>
+        <p:nvSpPr>
+          <p:cNvPr id="28" name="ストライプ矢印 27"/>
+          <p:cNvSpPr/>
+          <p:nvPr/>
+        </p:nvSpPr>
+        <p:spPr>
+          <a:xfrm>
+            <a:off x="3796633" y="6176613"/>
+            <a:ext cx="3596104" cy="484632"/>
+          </a:xfrm>
+          <a:prstGeom prst="stripedRightArrow">
+            <a:avLst/>
+          </a:prstGeom>
+        </p:spPr>
+        <p:style>
+          <a:lnRef idx="1">
+            <a:schemeClr val="accent1"/>
+          </a:lnRef>
+          <a:fillRef idx="3">
+            <a:schemeClr val="accent1"/>
+          </a:fillRef>
+          <a:effectRef idx="2">
+            <a:schemeClr val="accent1"/>
+          </a:effectRef>
+          <a:fontRef idx="minor">
+            <a:schemeClr val="lt1"/>
+          </a:fontRef>
+        </p:style>
+        <p:txBody>
+          <a:bodyPr rtlCol="0" anchor="ctr"/>
+          <a:lstStyle/>
+          <a:p>
+            <a:pPr algn="ctr"/>
+            <a:endParaRPr kumimoji="1" lang="ja-JP" altLang="en-US"/>
+          </a:p>
+        </p:txBody>
+      </p:sp>
+      <p:grpSp>
+        <p:nvGrpSpPr>
+          <p:cNvPr id="20" name="図形グループ 19"/>
+          <p:cNvGrpSpPr/>
+          <p:nvPr/>
+        </p:nvGrpSpPr>
+        <p:grpSpPr>
+          <a:xfrm>
+            <a:off x="1929350" y="4434759"/>
+            <a:ext cx="1737023" cy="2352891"/>
+            <a:chOff x="2229589" y="1197142"/>
+            <a:chExt cx="4738836" cy="5551938"/>
+          </a:xfrm>
+        </p:grpSpPr>
+        <p:sp>
+          <p:nvSpPr>
+            <p:cNvPr id="21" name="台形 20"/>
+            <p:cNvSpPr/>
+            <p:nvPr/>
+          </p:nvSpPr>
+          <p:spPr>
+            <a:xfrm rot="10800000">
+              <a:off x="3532741" y="2446421"/>
+              <a:ext cx="3435684" cy="2860842"/>
+            </a:xfrm>
+            <a:prstGeom prst="trapezoid">
+              <a:avLst/>
+            </a:prstGeom>
+            <a:noFill/>
+            <a:ln>
+              <a:solidFill>
+                <a:schemeClr val="tx1"/>
+              </a:solidFill>
+            </a:ln>
+          </p:spPr>
+          <p:style>
+            <a:lnRef idx="1">
+              <a:schemeClr val="accent1"/>
+            </a:lnRef>
+            <a:fillRef idx="3">
+              <a:schemeClr val="accent1"/>
+            </a:fillRef>
+            <a:effectRef idx="2">
+              <a:schemeClr val="accent1"/>
+            </a:effectRef>
+            <a:fontRef idx="minor">
+              <a:schemeClr val="lt1"/>
+            </a:fontRef>
+          </p:style>
+          <p:txBody>
+            <a:bodyPr rtlCol="0" anchor="ctr"/>
+            <a:lstStyle/>
+            <a:p>
+              <a:pPr algn="ctr"/>
+              <a:endParaRPr kumimoji="1" lang="ja-JP" altLang="en-US" dirty="0"/>
+            </a:p>
+          </p:txBody>
+        </p:sp>
+        <p:sp>
+          <p:nvSpPr>
+            <p:cNvPr id="22" name="台形 21"/>
+            <p:cNvSpPr/>
+            <p:nvPr/>
+          </p:nvSpPr>
+          <p:spPr>
+            <a:xfrm rot="10800000">
+              <a:off x="3853582" y="3596105"/>
+              <a:ext cx="2820737" cy="1711158"/>
+            </a:xfrm>
+            <a:prstGeom prst="trapezoid">
+              <a:avLst/>
+            </a:prstGeom>
+          </p:spPr>
+          <p:style>
+            <a:lnRef idx="1">
+              <a:schemeClr val="accent1"/>
+            </a:lnRef>
+            <a:fillRef idx="3">
+              <a:schemeClr val="accent1"/>
+            </a:fillRef>
+            <a:effectRef idx="2">
+              <a:schemeClr val="accent1"/>
+            </a:effectRef>
+            <a:fontRef idx="minor">
+              <a:schemeClr val="lt1"/>
+            </a:fontRef>
+          </p:style>
+          <p:txBody>
+            <a:bodyPr rtlCol="0" anchor="ctr"/>
+            <a:lstStyle/>
+            <a:p>
+              <a:pPr algn="ctr"/>
+              <a:endParaRPr kumimoji="1" lang="ja-JP" altLang="en-US"/>
+            </a:p>
+          </p:txBody>
+        </p:sp>
+        <p:sp>
+          <p:nvSpPr>
+            <p:cNvPr id="23" name="爆発 1 22"/>
+            <p:cNvSpPr/>
+            <p:nvPr/>
+          </p:nvSpPr>
+          <p:spPr>
+            <a:xfrm>
+              <a:off x="5759919" y="4850064"/>
+              <a:ext cx="914400" cy="914400"/>
+            </a:xfrm>
+            <a:prstGeom prst="irregularSeal1">
+              <a:avLst/>
+            </a:prstGeom>
+          </p:spPr>
+          <p:style>
+            <a:lnRef idx="1">
+              <a:schemeClr val="accent1"/>
+            </a:lnRef>
+            <a:fillRef idx="3">
+              <a:schemeClr val="accent1"/>
+            </a:fillRef>
+            <a:effectRef idx="2">
+              <a:schemeClr val="accent1"/>
+            </a:effectRef>
+            <a:fontRef idx="minor">
+              <a:schemeClr val="lt1"/>
+            </a:fontRef>
+          </p:style>
+          <p:txBody>
+            <a:bodyPr rtlCol="0" anchor="ctr"/>
+            <a:lstStyle/>
+            <a:p>
+              <a:pPr algn="ctr"/>
+              <a:endParaRPr kumimoji="1" lang="ja-JP" altLang="en-US"/>
+            </a:p>
+          </p:txBody>
+        </p:sp>
+        <p:sp>
+          <p:nvSpPr>
+            <p:cNvPr id="24" name="涙形 23"/>
+            <p:cNvSpPr/>
+            <p:nvPr/>
+          </p:nvSpPr>
+          <p:spPr>
+            <a:xfrm rot="18927949">
+              <a:off x="5745188" y="5756632"/>
+              <a:ext cx="1021954" cy="992448"/>
+            </a:xfrm>
+            <a:prstGeom prst="teardrop">
+              <a:avLst>
+                <a:gd name="adj" fmla="val 164070"/>
+              </a:avLst>
+            </a:prstGeom>
+          </p:spPr>
+          <p:style>
+            <a:lnRef idx="1">
+              <a:schemeClr val="accent1"/>
+            </a:lnRef>
+            <a:fillRef idx="3">
+              <a:schemeClr val="accent1"/>
+            </a:fillRef>
+            <a:effectRef idx="2">
+              <a:schemeClr val="accent1"/>
+            </a:effectRef>
+            <a:fontRef idx="minor">
+              <a:schemeClr val="lt1"/>
+            </a:fontRef>
+          </p:style>
+          <p:txBody>
+            <a:bodyPr rtlCol="0" anchor="ctr"/>
+            <a:lstStyle/>
+            <a:p>
+              <a:pPr algn="ctr"/>
+              <a:endParaRPr kumimoji="1" lang="ja-JP" altLang="en-US" dirty="0"/>
+            </a:p>
+          </p:txBody>
+        </p:sp>
+        <p:pic>
+          <p:nvPicPr>
+            <p:cNvPr id="25" name="図 24"/>
+            <p:cNvPicPr>
+              <a:picLocks noChangeAspect="1"/>
+            </p:cNvPicPr>
+            <p:nvPr/>
+          </p:nvPicPr>
+          <p:blipFill>
+            <a:blip r:embed="rId2"/>
+            <a:stretch>
+              <a:fillRect/>
+            </a:stretch>
+          </p:blipFill>
+          <p:spPr>
+            <a:xfrm>
+              <a:off x="2229589" y="1197142"/>
+              <a:ext cx="1971572" cy="1936915"/>
+            </a:xfrm>
+            <a:prstGeom prst="rect">
+              <a:avLst/>
+            </a:prstGeom>
+          </p:spPr>
+        </p:pic>
+      </p:grpSp>
+      <p:sp>
+        <p:nvSpPr>
+          <p:cNvPr id="2" name="タイトル 1"/>
+          <p:cNvSpPr>
+            <a:spLocks noGrp="1"/>
+          </p:cNvSpPr>
+          <p:nvPr>
+            <p:ph type="title"/>
+          </p:nvPr>
+        </p:nvSpPr>
+        <p:spPr/>
+        <p:txBody>
+          <a:bodyPr/>
+          <a:lstStyle/>
+          <a:p>
+            <a:r>
+              <a:rPr lang="ja-JP" altLang="en-US" dirty="0"/>
+              <a:t>フローとストックの概念</a:t>
+            </a:r>
+            <a:endParaRPr kumimoji="1" lang="ja-JP" altLang="en-US" dirty="0"/>
+          </a:p>
+        </p:txBody>
+      </p:sp>
+      <p:sp>
+        <p:nvSpPr>
+          <p:cNvPr id="3" name="コンテンツ プレースホルダー 2"/>
+          <p:cNvSpPr>
+            <a:spLocks noGrp="1"/>
+          </p:cNvSpPr>
+          <p:nvPr>
+            <p:ph idx="1"/>
+          </p:nvPr>
+        </p:nvSpPr>
+        <p:spPr/>
+        <p:txBody>
+          <a:bodyPr>
+            <a:normAutofit/>
+          </a:bodyPr>
+          <a:lstStyle/>
+          <a:p>
+            <a:r>
+              <a:rPr kumimoji="1" lang="ja-JP" altLang="en-US" sz="2000" dirty="0" smtClean="0"/>
+              <a:t>企業活動とは穴の開いたバケツに水を注ぎつづけること！？</a:t>
+            </a:r>
+            <a:endParaRPr kumimoji="1" lang="en-US" altLang="ja-JP" sz="2000" dirty="0" smtClean="0"/>
+          </a:p>
+          <a:p>
+            <a:pPr lvl="1"/>
+            <a:r>
+              <a:rPr lang="ja-JP" altLang="en-US" sz="1600" dirty="0" smtClean="0"/>
+              <a:t>スト</a:t>
+            </a:r>
+            <a:r>
+              <a:rPr kumimoji="1" lang="ja-JP" altLang="en-US" sz="1600" dirty="0" smtClean="0"/>
+              <a:t>ック・・・財政状態（バケツの中の水）</a:t>
+            </a:r>
+            <a:endParaRPr kumimoji="1" lang="en-US" altLang="ja-JP" sz="1600" dirty="0" smtClean="0"/>
+          </a:p>
+          <a:p>
+            <a:pPr lvl="1"/>
+            <a:r>
+              <a:rPr lang="ja-JP" altLang="en-US" sz="1600" dirty="0" smtClean="0"/>
+              <a:t>フロー・・・経営成績（出て行く水と入ってくる水）</a:t>
+            </a:r>
+            <a:endParaRPr lang="en-US" altLang="ja-JP" sz="1600" dirty="0" smtClean="0"/>
+          </a:p>
+          <a:p>
+            <a:pPr lvl="1"/>
+            <a:endParaRPr kumimoji="1" lang="en-US" altLang="ja-JP" sz="1600" dirty="0"/>
+          </a:p>
+          <a:p>
+            <a:r>
+              <a:rPr lang="ja-JP" altLang="en-US" sz="2000" dirty="0" smtClean="0"/>
+              <a:t>バケツの状態をある一定期間ごとに測定</a:t>
+            </a:r>
+            <a:endParaRPr lang="en-US" altLang="ja-JP" sz="2000" dirty="0" smtClean="0"/>
+          </a:p>
+          <a:p>
+            <a:pPr lvl="1"/>
+            <a:r>
+              <a:rPr kumimoji="1" lang="ja-JP" altLang="en-US" sz="1600" dirty="0" smtClean="0"/>
+              <a:t>一定期間・・・会計年度（単年度・四半期・単月）</a:t>
+            </a:r>
+            <a:endParaRPr kumimoji="1" lang="en-US" altLang="ja-JP" sz="1600" dirty="0" smtClean="0"/>
+          </a:p>
+          <a:p>
+            <a:pPr lvl="1"/>
+            <a:r>
+              <a:rPr lang="ja-JP" altLang="en-US" sz="1600" dirty="0" smtClean="0"/>
+              <a:t>測定・・・決算</a:t>
+            </a:r>
+            <a:endParaRPr kumimoji="1" lang="ja-JP" altLang="en-US" sz="1600" dirty="0"/>
+          </a:p>
+        </p:txBody>
+      </p:sp>
+      <p:grpSp>
+        <p:nvGrpSpPr>
+          <p:cNvPr id="14" name="図形グループ 13"/>
+          <p:cNvGrpSpPr/>
+          <p:nvPr/>
+        </p:nvGrpSpPr>
+        <p:grpSpPr>
+          <a:xfrm>
+            <a:off x="3927449" y="3647582"/>
+            <a:ext cx="1927787" cy="2860124"/>
+            <a:chOff x="2229589" y="1197142"/>
+            <a:chExt cx="4738836" cy="5551938"/>
+          </a:xfrm>
+        </p:grpSpPr>
+        <p:sp>
+          <p:nvSpPr>
+            <p:cNvPr id="15" name="台形 14"/>
+            <p:cNvSpPr/>
+            <p:nvPr/>
+          </p:nvSpPr>
+          <p:spPr>
+            <a:xfrm rot="10800000">
+              <a:off x="3532741" y="2446421"/>
+              <a:ext cx="3435684" cy="2860842"/>
+            </a:xfrm>
+            <a:prstGeom prst="trapezoid">
+              <a:avLst/>
+            </a:prstGeom>
+            <a:noFill/>
+            <a:ln>
+              <a:solidFill>
+                <a:schemeClr val="tx1"/>
+              </a:solidFill>
+            </a:ln>
+          </p:spPr>
+          <p:style>
+            <a:lnRef idx="1">
+              <a:schemeClr val="accent1"/>
+            </a:lnRef>
+            <a:fillRef idx="3">
+              <a:schemeClr val="accent1"/>
+            </a:fillRef>
+            <a:effectRef idx="2">
+              <a:schemeClr val="accent1"/>
+            </a:effectRef>
+            <a:fontRef idx="minor">
+              <a:schemeClr val="lt1"/>
+            </a:fontRef>
+          </p:style>
+          <p:txBody>
+            <a:bodyPr rtlCol="0" anchor="ctr"/>
+            <a:lstStyle/>
+            <a:p>
+              <a:pPr algn="ctr"/>
+              <a:endParaRPr kumimoji="1" lang="ja-JP" altLang="en-US" dirty="0"/>
+            </a:p>
+          </p:txBody>
+        </p:sp>
+        <p:sp>
+          <p:nvSpPr>
+            <p:cNvPr id="16" name="台形 15"/>
+            <p:cNvSpPr/>
+            <p:nvPr/>
+          </p:nvSpPr>
+          <p:spPr>
+            <a:xfrm rot="10800000">
+              <a:off x="3853582" y="3596105"/>
+              <a:ext cx="2820737" cy="1711158"/>
+            </a:xfrm>
+            <a:prstGeom prst="trapezoid">
+              <a:avLst/>
+            </a:prstGeom>
+          </p:spPr>
+          <p:style>
+            <a:lnRef idx="1">
+              <a:schemeClr val="accent1"/>
+            </a:lnRef>
+            <a:fillRef idx="3">
+              <a:schemeClr val="accent1"/>
+            </a:fillRef>
+            <a:effectRef idx="2">
+              <a:schemeClr val="accent1"/>
+            </a:effectRef>
+            <a:fontRef idx="minor">
+              <a:schemeClr val="lt1"/>
+            </a:fontRef>
+          </p:style>
+          <p:txBody>
+            <a:bodyPr rtlCol="0" anchor="ctr"/>
+            <a:lstStyle/>
+            <a:p>
+              <a:pPr algn="ctr"/>
+              <a:endParaRPr kumimoji="1" lang="ja-JP" altLang="en-US"/>
+            </a:p>
+          </p:txBody>
+        </p:sp>
+        <p:sp>
+          <p:nvSpPr>
+            <p:cNvPr id="17" name="爆発 1 16"/>
+            <p:cNvSpPr/>
+            <p:nvPr/>
+          </p:nvSpPr>
+          <p:spPr>
+            <a:xfrm>
+              <a:off x="5759919" y="4850064"/>
+              <a:ext cx="914400" cy="914400"/>
+            </a:xfrm>
+            <a:prstGeom prst="irregularSeal1">
+              <a:avLst/>
+            </a:prstGeom>
+          </p:spPr>
+          <p:style>
+            <a:lnRef idx="1">
+              <a:schemeClr val="accent1"/>
+            </a:lnRef>
+            <a:fillRef idx="3">
+              <a:schemeClr val="accent1"/>
+            </a:fillRef>
+            <a:effectRef idx="2">
+              <a:schemeClr val="accent1"/>
+            </a:effectRef>
+            <a:fontRef idx="minor">
+              <a:schemeClr val="lt1"/>
+            </a:fontRef>
+          </p:style>
+          <p:txBody>
+            <a:bodyPr rtlCol="0" anchor="ctr"/>
+            <a:lstStyle/>
+            <a:p>
+              <a:pPr algn="ctr"/>
+              <a:endParaRPr kumimoji="1" lang="ja-JP" altLang="en-US"/>
+            </a:p>
+          </p:txBody>
+        </p:sp>
+        <p:sp>
+          <p:nvSpPr>
+            <p:cNvPr id="18" name="涙形 17"/>
+            <p:cNvSpPr/>
+            <p:nvPr/>
+          </p:nvSpPr>
+          <p:spPr>
+            <a:xfrm rot="18927949">
+              <a:off x="5745188" y="5756632"/>
+              <a:ext cx="1021954" cy="992448"/>
+            </a:xfrm>
+            <a:prstGeom prst="teardrop">
+              <a:avLst>
+                <a:gd name="adj" fmla="val 164070"/>
+              </a:avLst>
+            </a:prstGeom>
+          </p:spPr>
+          <p:style>
+            <a:lnRef idx="1">
+              <a:schemeClr val="accent1"/>
+            </a:lnRef>
+            <a:fillRef idx="3">
+              <a:schemeClr val="accent1"/>
+            </a:fillRef>
+            <a:effectRef idx="2">
+              <a:schemeClr val="accent1"/>
+            </a:effectRef>
+            <a:fontRef idx="minor">
+              <a:schemeClr val="lt1"/>
+            </a:fontRef>
+          </p:style>
+          <p:txBody>
+            <a:bodyPr rtlCol="0" anchor="ctr"/>
+            <a:lstStyle/>
+            <a:p>
+              <a:pPr algn="ctr"/>
+              <a:endParaRPr kumimoji="1" lang="ja-JP" altLang="en-US" dirty="0"/>
+            </a:p>
+          </p:txBody>
+        </p:sp>
+        <p:pic>
+          <p:nvPicPr>
+            <p:cNvPr id="19" name="図 18"/>
+            <p:cNvPicPr>
+              <a:picLocks noChangeAspect="1"/>
+            </p:cNvPicPr>
+            <p:nvPr/>
+          </p:nvPicPr>
+          <p:blipFill>
+            <a:blip r:embed="rId2"/>
+            <a:stretch>
+              <a:fillRect/>
+            </a:stretch>
+          </p:blipFill>
+          <p:spPr>
+            <a:xfrm>
+              <a:off x="2229589" y="1197142"/>
+              <a:ext cx="1971572" cy="1936915"/>
+            </a:xfrm>
+            <a:prstGeom prst="rect">
+              <a:avLst/>
+            </a:prstGeom>
+          </p:spPr>
+        </p:pic>
+      </p:grpSp>
+      <p:grpSp>
+        <p:nvGrpSpPr>
+          <p:cNvPr id="13" name="図形グループ 12"/>
+          <p:cNvGrpSpPr/>
+          <p:nvPr/>
+        </p:nvGrpSpPr>
+        <p:grpSpPr>
+          <a:xfrm>
+            <a:off x="5483836" y="2311669"/>
+            <a:ext cx="3311227" cy="4175470"/>
+            <a:chOff x="2229589" y="1197142"/>
+            <a:chExt cx="4738836" cy="5551938"/>
+          </a:xfrm>
+        </p:grpSpPr>
+        <p:sp>
+          <p:nvSpPr>
+            <p:cNvPr id="8" name="台形 7"/>
+            <p:cNvSpPr/>
+            <p:nvPr/>
+          </p:nvSpPr>
+          <p:spPr>
+            <a:xfrm rot="10800000">
+              <a:off x="3532741" y="2446421"/>
+              <a:ext cx="3435684" cy="2860842"/>
+            </a:xfrm>
+            <a:prstGeom prst="trapezoid">
+              <a:avLst/>
+            </a:prstGeom>
+            <a:noFill/>
+            <a:ln>
+              <a:solidFill>
+                <a:schemeClr val="tx1"/>
+              </a:solidFill>
+            </a:ln>
+          </p:spPr>
+          <p:style>
+            <a:lnRef idx="1">
+              <a:schemeClr val="accent1"/>
+            </a:lnRef>
+            <a:fillRef idx="3">
+              <a:schemeClr val="accent1"/>
+            </a:fillRef>
+            <a:effectRef idx="2">
+              <a:schemeClr val="accent1"/>
+            </a:effectRef>
+            <a:fontRef idx="minor">
+              <a:schemeClr val="lt1"/>
+            </a:fontRef>
+          </p:style>
+          <p:txBody>
+            <a:bodyPr rtlCol="0" anchor="ctr"/>
+            <a:lstStyle/>
+            <a:p>
+              <a:pPr algn="ctr"/>
+              <a:endParaRPr kumimoji="1" lang="ja-JP" altLang="en-US" dirty="0"/>
+            </a:p>
+          </p:txBody>
+        </p:sp>
+        <p:sp>
+          <p:nvSpPr>
+            <p:cNvPr id="9" name="台形 8"/>
+            <p:cNvSpPr/>
+            <p:nvPr/>
+          </p:nvSpPr>
+          <p:spPr>
+            <a:xfrm rot="10800000">
+              <a:off x="3853582" y="3596105"/>
+              <a:ext cx="2820737" cy="1711158"/>
+            </a:xfrm>
+            <a:prstGeom prst="trapezoid">
+              <a:avLst/>
+            </a:prstGeom>
+          </p:spPr>
+          <p:style>
+            <a:lnRef idx="1">
+              <a:schemeClr val="accent1"/>
+            </a:lnRef>
+            <a:fillRef idx="3">
+              <a:schemeClr val="accent1"/>
+            </a:fillRef>
+            <a:effectRef idx="2">
+              <a:schemeClr val="accent1"/>
+            </a:effectRef>
+            <a:fontRef idx="minor">
+              <a:schemeClr val="lt1"/>
+            </a:fontRef>
+          </p:style>
+          <p:txBody>
+            <a:bodyPr rtlCol="0" anchor="ctr"/>
+            <a:lstStyle/>
+            <a:p>
+              <a:pPr algn="ctr"/>
+              <a:endParaRPr kumimoji="1" lang="ja-JP" altLang="en-US"/>
+            </a:p>
+          </p:txBody>
+        </p:sp>
+        <p:sp>
+          <p:nvSpPr>
+            <p:cNvPr id="10" name="爆発 1 9"/>
+            <p:cNvSpPr/>
+            <p:nvPr/>
+          </p:nvSpPr>
+          <p:spPr>
+            <a:xfrm>
+              <a:off x="5759919" y="4850064"/>
+              <a:ext cx="914400" cy="914400"/>
+            </a:xfrm>
+            <a:prstGeom prst="irregularSeal1">
+              <a:avLst/>
+            </a:prstGeom>
+          </p:spPr>
+          <p:style>
+            <a:lnRef idx="1">
+              <a:schemeClr val="accent1"/>
+            </a:lnRef>
+            <a:fillRef idx="3">
+              <a:schemeClr val="accent1"/>
+            </a:fillRef>
+            <a:effectRef idx="2">
+              <a:schemeClr val="accent1"/>
+            </a:effectRef>
+            <a:fontRef idx="minor">
+              <a:schemeClr val="lt1"/>
+            </a:fontRef>
+          </p:style>
+          <p:txBody>
+            <a:bodyPr rtlCol="0" anchor="ctr"/>
+            <a:lstStyle/>
+            <a:p>
+              <a:pPr algn="ctr"/>
+              <a:endParaRPr kumimoji="1" lang="ja-JP" altLang="en-US"/>
+            </a:p>
+          </p:txBody>
+        </p:sp>
+        <p:sp>
+          <p:nvSpPr>
+            <p:cNvPr id="11" name="涙形 10"/>
+            <p:cNvSpPr/>
+            <p:nvPr/>
+          </p:nvSpPr>
+          <p:spPr>
+            <a:xfrm rot="18927949">
+              <a:off x="5745188" y="5756632"/>
+              <a:ext cx="1021954" cy="992448"/>
+            </a:xfrm>
+            <a:prstGeom prst="teardrop">
+              <a:avLst>
+                <a:gd name="adj" fmla="val 164070"/>
+              </a:avLst>
+            </a:prstGeom>
+          </p:spPr>
+          <p:style>
+            <a:lnRef idx="1">
+              <a:schemeClr val="accent1"/>
+            </a:lnRef>
+            <a:fillRef idx="3">
+              <a:schemeClr val="accent1"/>
+            </a:fillRef>
+            <a:effectRef idx="2">
+              <a:schemeClr val="accent1"/>
+            </a:effectRef>
+            <a:fontRef idx="minor">
+              <a:schemeClr val="lt1"/>
+            </a:fontRef>
+          </p:style>
+          <p:txBody>
+            <a:bodyPr rtlCol="0" anchor="ctr"/>
+            <a:lstStyle/>
+            <a:p>
+              <a:pPr algn="ctr"/>
+              <a:endParaRPr kumimoji="1" lang="ja-JP" altLang="en-US" dirty="0"/>
+            </a:p>
+          </p:txBody>
+        </p:sp>
+        <p:pic>
+          <p:nvPicPr>
+            <p:cNvPr id="12" name="図 11"/>
+            <p:cNvPicPr>
+              <a:picLocks noChangeAspect="1"/>
+            </p:cNvPicPr>
+            <p:nvPr/>
+          </p:nvPicPr>
+          <p:blipFill>
+            <a:blip r:embed="rId2"/>
+            <a:stretch>
+              <a:fillRect/>
+            </a:stretch>
+          </p:blipFill>
+          <p:spPr>
+            <a:xfrm>
+              <a:off x="2229589" y="1197142"/>
+              <a:ext cx="1971572" cy="1936915"/>
+            </a:xfrm>
+            <a:prstGeom prst="rect">
+              <a:avLst/>
+            </a:prstGeom>
+          </p:spPr>
+        </p:pic>
+      </p:grpSp>
+    </p:spTree>
+    <p:extLst>
+      <p:ext uri="{BB962C8B-B14F-4D97-AF65-F5344CB8AC3E}">
+        <p14:creationId xmlns:p14="http://schemas.microsoft.com/office/powerpoint/2010/main" val="1107840661"/>
+      </p:ext>
+    </p:extLst>
+  </p:cSld>
+  <p:clrMapOvr>
+    <a:masterClrMapping/>
+  </p:clrMapOvr>
+</p:sld>
+</file>
+
+<file path=ppt/slides/slide6.xml><?xml version="1.0" encoding="utf-8"?>
+<p:sld xmlns:a="http://schemas.openxmlformats.org/drawingml/2006/main" xmlns:r="http://schemas.openxmlformats.org/officeDocument/2006/relationships" xmlns:p="http://schemas.openxmlformats.org/presentationml/2006/main">
+  <p:cSld>
+    <p:spTree>
+      <p:nvGrpSpPr>
+        <p:cNvPr id="1" name=""/>
+        <p:cNvGrpSpPr/>
+        <p:nvPr/>
+      </p:nvGrpSpPr>
+      <p:grpSpPr>
+        <a:xfrm>
+          <a:off x="0" y="0"/>
+          <a:ext cx="0" cy="0"/>
+          <a:chOff x="0" y="0"/>
+          <a:chExt cx="0" cy="0"/>
+        </a:xfrm>
+      </p:grpSpPr>
+      <p:sp>
+        <p:nvSpPr>
+          <p:cNvPr id="2" name="タイトル 1"/>
+          <p:cNvSpPr>
+            <a:spLocks noGrp="1"/>
+          </p:cNvSpPr>
+          <p:nvPr>
+            <p:ph type="title"/>
+          </p:nvPr>
+        </p:nvSpPr>
+        <p:spPr/>
+        <p:txBody>
+          <a:bodyPr/>
+          <a:lstStyle/>
+          <a:p>
+            <a:r>
+              <a:rPr kumimoji="1" lang="ja-JP" altLang="en-US" dirty="0" smtClean="0"/>
               <a:t>財務会計の業務プロセス</a:t>
             </a:r>
             <a:endParaRPr kumimoji="1" lang="ja-JP" altLang="en-US" dirty="0"/>
@@ -4286,7 +11902,7 @@
             <a:pPr algn="ctr"/>
             <a:r>
               <a:rPr kumimoji="1" lang="en-US" altLang="ja-JP" dirty="0" smtClean="0"/>
-              <a:t>BS</a:t>
+              <a:t>B/S</a:t>
             </a:r>
             <a:endParaRPr kumimoji="1" lang="ja-JP" altLang="en-US" dirty="0"/>
           </a:p>
@@ -4328,7 +11944,7 @@
             <a:pPr algn="ctr"/>
             <a:r>
               <a:rPr kumimoji="1" lang="en-US" altLang="ja-JP" dirty="0" smtClean="0"/>
-              <a:t>PL</a:t>
+              <a:t>P/L</a:t>
             </a:r>
             <a:endParaRPr kumimoji="1" lang="ja-JP" altLang="en-US" dirty="0"/>
           </a:p>
@@ -5117,7 +12733,7 @@
         </p:nvSpPr>
         <p:spPr>
           <a:xfrm>
-            <a:off x="7471482" y="4721729"/>
+            <a:off x="7379291" y="5518678"/>
             <a:ext cx="1056085" cy="369332"/>
           </a:xfrm>
           <a:prstGeom prst="rect">
@@ -5139,6 +12755,94 @@
           </a:p>
         </p:txBody>
       </p:sp>
+      <p:sp>
+        <p:nvSpPr>
+          <p:cNvPr id="40" name="フローチャート: 書類 39"/>
+          <p:cNvSpPr/>
+          <p:nvPr/>
+        </p:nvSpPr>
+        <p:spPr>
+          <a:xfrm>
+            <a:off x="8178801" y="4906030"/>
+            <a:ext cx="748631" cy="612648"/>
+          </a:xfrm>
+          <a:prstGeom prst="flowChartDocument">
+            <a:avLst/>
+          </a:prstGeom>
+        </p:spPr>
+        <p:style>
+          <a:lnRef idx="1">
+            <a:schemeClr val="accent1"/>
+          </a:lnRef>
+          <a:fillRef idx="3">
+            <a:schemeClr val="accent1"/>
+          </a:fillRef>
+          <a:effectRef idx="2">
+            <a:schemeClr val="accent1"/>
+          </a:effectRef>
+          <a:fontRef idx="minor">
+            <a:schemeClr val="lt1"/>
+          </a:fontRef>
+        </p:style>
+        <p:txBody>
+          <a:bodyPr rtlCol="0" anchor="ctr"/>
+          <a:lstStyle/>
+          <a:p>
+            <a:pPr algn="ctr"/>
+            <a:r>
+              <a:rPr lang="en-US" altLang="ja-JP" dirty="0"/>
+              <a:t>C</a:t>
+            </a:r>
+            <a:r>
+              <a:rPr kumimoji="1" lang="en-US" altLang="ja-JP" dirty="0" smtClean="0"/>
+              <a:t>/</a:t>
+            </a:r>
+            <a:r>
+              <a:rPr lang="en-US" altLang="ja-JP" dirty="0"/>
+              <a:t>F</a:t>
+            </a:r>
+            <a:endParaRPr kumimoji="1" lang="ja-JP" altLang="en-US" dirty="0"/>
+          </a:p>
+        </p:txBody>
+      </p:sp>
+      <p:cxnSp>
+        <p:nvCxnSpPr>
+          <p:cNvPr id="42" name="カギ線コネクタ 41"/>
+          <p:cNvCxnSpPr>
+            <a:stCxn id="16" idx="6"/>
+            <a:endCxn id="40" idx="1"/>
+          </p:cNvCxnSpPr>
+          <p:nvPr/>
+        </p:nvCxnSpPr>
+        <p:spPr>
+          <a:xfrm>
+            <a:off x="7844468" y="3259596"/>
+            <a:ext cx="334333" cy="1952758"/>
+          </a:xfrm>
+          <a:prstGeom prst="bentConnector3">
+            <a:avLst>
+              <a:gd name="adj1" fmla="val 50000"/>
+            </a:avLst>
+          </a:prstGeom>
+          <a:ln>
+            <a:tailEnd type="arrow"/>
+          </a:ln>
+        </p:spPr>
+        <p:style>
+          <a:lnRef idx="2">
+            <a:schemeClr val="accent1"/>
+          </a:lnRef>
+          <a:fillRef idx="0">
+            <a:schemeClr val="accent1"/>
+          </a:fillRef>
+          <a:effectRef idx="1">
+            <a:schemeClr val="accent1"/>
+          </a:effectRef>
+          <a:fontRef idx="minor">
+            <a:schemeClr val="tx1"/>
+          </a:fontRef>
+        </p:style>
+      </p:cxnSp>
     </p:spTree>
     <p:extLst>
       <p:ext uri="{BB962C8B-B14F-4D97-AF65-F5344CB8AC3E}">
@@ -5159,7 +12863,7 @@
 </p:sld>
 </file>
 
-<file path=ppt/slides/slide5.xml><?xml version="1.0" encoding="utf-8"?>
+<file path=ppt/slides/slide7.xml><?xml version="1.0" encoding="utf-8"?>
 <p:sld xmlns:a="http://schemas.openxmlformats.org/drawingml/2006/main" xmlns:r="http://schemas.openxmlformats.org/officeDocument/2006/relationships" xmlns:p="http://schemas.openxmlformats.org/presentationml/2006/main">
   <p:cSld>
     <p:spTree>
@@ -5598,7 +13302,7 @@
             <a:pPr algn="ctr"/>
             <a:r>
               <a:rPr kumimoji="1" lang="en-US" altLang="ja-JP" dirty="0" smtClean="0"/>
-              <a:t>CF</a:t>
+              <a:t>C/F</a:t>
             </a:r>
             <a:endParaRPr kumimoji="1" lang="ja-JP" altLang="en-US" dirty="0"/>
           </a:p>
@@ -6109,11 +13813,7 @@
             <a:pPr algn="ctr"/>
             <a:r>
               <a:rPr lang="ja-JP" altLang="en-US" sz="1200" dirty="0" smtClean="0"/>
-              <a:t>元帳</a:t>
-            </a:r>
-            <a:r>
-              <a:rPr lang="ja-JP" altLang="en-US" sz="1200" dirty="0" smtClean="0"/>
-              <a:t>照会</a:t>
+              <a:t>元帳照会</a:t>
             </a:r>
             <a:endParaRPr kumimoji="1" lang="ja-JP" altLang="en-US" sz="1200" dirty="0"/>
           </a:p>
@@ -6144,11 +13844,7 @@
             <a:pPr algn="ctr"/>
             <a:r>
               <a:rPr lang="ja-JP" altLang="en-US" sz="1200" dirty="0" smtClean="0"/>
-              <a:t>試算表</a:t>
-            </a:r>
-            <a:r>
-              <a:rPr lang="ja-JP" altLang="en-US" sz="1200" dirty="0" smtClean="0"/>
-              <a:t>照会</a:t>
+              <a:t>試算表照会</a:t>
             </a:r>
             <a:endParaRPr kumimoji="1" lang="ja-JP" altLang="en-US" sz="1200" dirty="0"/>
           </a:p>
@@ -6242,864 +13938,6 @@
 </p:sld>
 </file>
 
-<file path=ppt/slides/slide6.xml><?xml version="1.0" encoding="utf-8"?>
-<p:sld xmlns:a="http://schemas.openxmlformats.org/drawingml/2006/main" xmlns:r="http://schemas.openxmlformats.org/officeDocument/2006/relationships" xmlns:p="http://schemas.openxmlformats.org/presentationml/2006/main">
-  <p:cSld>
-    <p:spTree>
-      <p:nvGrpSpPr>
-        <p:cNvPr id="1" name=""/>
-        <p:cNvGrpSpPr/>
-        <p:nvPr/>
-      </p:nvGrpSpPr>
-      <p:grpSpPr>
-        <a:xfrm>
-          <a:off x="0" y="0"/>
-          <a:ext cx="0" cy="0"/>
-          <a:chOff x="0" y="0"/>
-          <a:chExt cx="0" cy="0"/>
-        </a:xfrm>
-      </p:grpSpPr>
-      <p:sp>
-        <p:nvSpPr>
-          <p:cNvPr id="2" name="タイトル 1"/>
-          <p:cNvSpPr>
-            <a:spLocks noGrp="1"/>
-          </p:cNvSpPr>
-          <p:nvPr>
-            <p:ph type="title"/>
-          </p:nvPr>
-        </p:nvSpPr>
-        <p:spPr/>
-        <p:txBody>
-          <a:bodyPr/>
-          <a:lstStyle/>
-          <a:p>
-            <a:endParaRPr kumimoji="1" lang="ja-JP" altLang="en-US" dirty="0"/>
-          </a:p>
-        </p:txBody>
-      </p:sp>
-      <p:sp>
-        <p:nvSpPr>
-          <p:cNvPr id="4" name="正方形/長方形 3"/>
-          <p:cNvSpPr/>
-          <p:nvPr/>
-        </p:nvSpPr>
-        <p:spPr>
-          <a:xfrm>
-            <a:off x="1296736" y="3756525"/>
-            <a:ext cx="1524000" cy="1671052"/>
-          </a:xfrm>
-          <a:prstGeom prst="rect">
-            <a:avLst/>
-          </a:prstGeom>
-          <a:noFill/>
-          <a:ln>
-            <a:solidFill>
-              <a:schemeClr val="tx1"/>
-            </a:solidFill>
-          </a:ln>
-        </p:spPr>
-        <p:style>
-          <a:lnRef idx="1">
-            <a:schemeClr val="accent1"/>
-          </a:lnRef>
-          <a:fillRef idx="3">
-            <a:schemeClr val="accent1"/>
-          </a:fillRef>
-          <a:effectRef idx="2">
-            <a:schemeClr val="accent1"/>
-          </a:effectRef>
-          <a:fontRef idx="minor">
-            <a:schemeClr val="lt1"/>
-          </a:fontRef>
-        </p:style>
-        <p:txBody>
-          <a:bodyPr rtlCol="0" anchor="t"/>
-          <a:lstStyle/>
-          <a:p>
-            <a:pPr algn="ctr"/>
-            <a:r>
-              <a:rPr lang="ja-JP" altLang="en-US" dirty="0" smtClean="0">
-                <a:solidFill>
-                  <a:schemeClr val="tx1"/>
-                </a:solidFill>
-              </a:rPr>
-              <a:t>仕分</a:t>
-            </a:r>
-            <a:endParaRPr kumimoji="1" lang="ja-JP" altLang="en-US" dirty="0">
-              <a:solidFill>
-                <a:schemeClr val="tx1"/>
-              </a:solidFill>
-            </a:endParaRPr>
-          </a:p>
-        </p:txBody>
-      </p:sp>
-      <p:sp>
-        <p:nvSpPr>
-          <p:cNvPr id="5" name="正方形/長方形 4"/>
-          <p:cNvSpPr/>
-          <p:nvPr/>
-        </p:nvSpPr>
-        <p:spPr>
-          <a:xfrm>
-            <a:off x="1302088" y="4117470"/>
-            <a:ext cx="1524000" cy="1002635"/>
-          </a:xfrm>
-          <a:prstGeom prst="rect">
-            <a:avLst/>
-          </a:prstGeom>
-          <a:noFill/>
-          <a:ln>
-            <a:solidFill>
-              <a:schemeClr val="tx1"/>
-            </a:solidFill>
-          </a:ln>
-        </p:spPr>
-        <p:style>
-          <a:lnRef idx="1">
-            <a:schemeClr val="accent1"/>
-          </a:lnRef>
-          <a:fillRef idx="3">
-            <a:schemeClr val="accent1"/>
-          </a:fillRef>
-          <a:effectRef idx="2">
-            <a:schemeClr val="accent1"/>
-          </a:effectRef>
-          <a:fontRef idx="minor">
-            <a:schemeClr val="lt1"/>
-          </a:fontRef>
-        </p:style>
-        <p:txBody>
-          <a:bodyPr rtlCol="0" anchor="t"/>
-          <a:lstStyle/>
-          <a:p>
-            <a:pPr marL="285750" indent="-285750">
-              <a:buFontTx/>
-              <a:buChar char="-"/>
-            </a:pPr>
-            <a:r>
-              <a:rPr lang="en-US" altLang="en-US" sz="1600" dirty="0" smtClean="0">
-                <a:solidFill>
-                  <a:srgbClr val="000000"/>
-                </a:solidFill>
-              </a:rPr>
-              <a:t>計上日</a:t>
-            </a:r>
-          </a:p>
-          <a:p>
-            <a:pPr marL="285750" indent="-285750">
-              <a:buFontTx/>
-              <a:buChar char="-"/>
-            </a:pPr>
-            <a:r>
-              <a:rPr lang="en-US" altLang="en-US" sz="1600" dirty="0" smtClean="0">
-                <a:solidFill>
-                  <a:srgbClr val="000000"/>
-                </a:solidFill>
-              </a:rPr>
-              <a:t>摘要</a:t>
-            </a:r>
-            <a:endParaRPr lang="en-US" altLang="ja-JP" sz="1600" dirty="0" smtClean="0">
-              <a:solidFill>
-                <a:srgbClr val="000000"/>
-              </a:solidFill>
-            </a:endParaRPr>
-          </a:p>
-        </p:txBody>
-      </p:sp>
-      <p:sp>
-        <p:nvSpPr>
-          <p:cNvPr id="7" name="正方形/長方形 6"/>
-          <p:cNvSpPr/>
-          <p:nvPr/>
-        </p:nvSpPr>
-        <p:spPr>
-          <a:xfrm>
-            <a:off x="3895558" y="3756525"/>
-            <a:ext cx="1524000" cy="1671052"/>
-          </a:xfrm>
-          <a:prstGeom prst="rect">
-            <a:avLst/>
-          </a:prstGeom>
-          <a:noFill/>
-          <a:ln>
-            <a:solidFill>
-              <a:schemeClr val="tx1"/>
-            </a:solidFill>
-          </a:ln>
-        </p:spPr>
-        <p:style>
-          <a:lnRef idx="1">
-            <a:schemeClr val="accent1"/>
-          </a:lnRef>
-          <a:fillRef idx="3">
-            <a:schemeClr val="accent1"/>
-          </a:fillRef>
-          <a:effectRef idx="2">
-            <a:schemeClr val="accent1"/>
-          </a:effectRef>
-          <a:fontRef idx="minor">
-            <a:schemeClr val="lt1"/>
-          </a:fontRef>
-        </p:style>
-        <p:txBody>
-          <a:bodyPr rtlCol="0" anchor="t"/>
-          <a:lstStyle/>
-          <a:p>
-            <a:pPr algn="ctr"/>
-            <a:r>
-              <a:rPr lang="ja-JP" altLang="en-US" dirty="0" smtClean="0">
-                <a:solidFill>
-                  <a:schemeClr val="tx1"/>
-                </a:solidFill>
-              </a:rPr>
-              <a:t>仕分明細</a:t>
-            </a:r>
-            <a:endParaRPr kumimoji="1" lang="ja-JP" altLang="en-US" dirty="0">
-              <a:solidFill>
-                <a:schemeClr val="tx1"/>
-              </a:solidFill>
-            </a:endParaRPr>
-          </a:p>
-        </p:txBody>
-      </p:sp>
-      <p:sp>
-        <p:nvSpPr>
-          <p:cNvPr id="8" name="正方形/長方形 7"/>
-          <p:cNvSpPr/>
-          <p:nvPr/>
-        </p:nvSpPr>
-        <p:spPr>
-          <a:xfrm>
-            <a:off x="3900910" y="4117470"/>
-            <a:ext cx="1524000" cy="1002635"/>
-          </a:xfrm>
-          <a:prstGeom prst="rect">
-            <a:avLst/>
-          </a:prstGeom>
-          <a:noFill/>
-          <a:ln>
-            <a:solidFill>
-              <a:schemeClr val="tx1"/>
-            </a:solidFill>
-          </a:ln>
-        </p:spPr>
-        <p:style>
-          <a:lnRef idx="1">
-            <a:schemeClr val="accent1"/>
-          </a:lnRef>
-          <a:fillRef idx="3">
-            <a:schemeClr val="accent1"/>
-          </a:fillRef>
-          <a:effectRef idx="2">
-            <a:schemeClr val="accent1"/>
-          </a:effectRef>
-          <a:fontRef idx="minor">
-            <a:schemeClr val="lt1"/>
-          </a:fontRef>
-        </p:style>
-        <p:txBody>
-          <a:bodyPr rtlCol="0" anchor="t"/>
-          <a:lstStyle/>
-          <a:p>
-            <a:pPr marL="285750" indent="-285750">
-              <a:buFontTx/>
-              <a:buChar char="-"/>
-            </a:pPr>
-            <a:r>
-              <a:rPr kumimoji="1" lang="ja-JP" altLang="en-US" sz="1600" dirty="0" smtClean="0">
-                <a:solidFill>
-                  <a:srgbClr val="000000"/>
-                </a:solidFill>
-              </a:rPr>
-              <a:t>貸借</a:t>
-            </a:r>
-            <a:endParaRPr kumimoji="1" lang="en-US" altLang="ja-JP" sz="1600" dirty="0" smtClean="0">
-              <a:solidFill>
-                <a:srgbClr val="000000"/>
-              </a:solidFill>
-            </a:endParaRPr>
-          </a:p>
-          <a:p>
-            <a:pPr marL="285750" indent="-285750">
-              <a:buFontTx/>
-              <a:buChar char="-"/>
-            </a:pPr>
-            <a:r>
-              <a:rPr lang="ja-JP" altLang="en-US" sz="1600" dirty="0" smtClean="0">
-                <a:solidFill>
-                  <a:srgbClr val="000000"/>
-                </a:solidFill>
-              </a:rPr>
-              <a:t>貸方金額</a:t>
-            </a:r>
-            <a:endParaRPr lang="en-US" altLang="ja-JP" sz="1600" dirty="0" smtClean="0">
-              <a:solidFill>
-                <a:srgbClr val="000000"/>
-              </a:solidFill>
-            </a:endParaRPr>
-          </a:p>
-          <a:p>
-            <a:pPr marL="285750" indent="-285750">
-              <a:buFontTx/>
-              <a:buChar char="-"/>
-            </a:pPr>
-            <a:r>
-              <a:rPr kumimoji="1" lang="ja-JP" altLang="en-US" sz="1600" dirty="0" smtClean="0">
-                <a:solidFill>
-                  <a:srgbClr val="000000"/>
-                </a:solidFill>
-              </a:rPr>
-              <a:t>借方金額</a:t>
-            </a:r>
-            <a:endParaRPr kumimoji="1" lang="ja-JP" altLang="en-US" sz="1600" dirty="0">
-              <a:solidFill>
-                <a:srgbClr val="000000"/>
-              </a:solidFill>
-            </a:endParaRPr>
-          </a:p>
-        </p:txBody>
-      </p:sp>
-      <p:sp>
-        <p:nvSpPr>
-          <p:cNvPr id="9" name="正方形/長方形 8"/>
-          <p:cNvSpPr/>
-          <p:nvPr/>
-        </p:nvSpPr>
-        <p:spPr>
-          <a:xfrm>
-            <a:off x="6454274" y="3769893"/>
-            <a:ext cx="1524000" cy="1671052"/>
-          </a:xfrm>
-          <a:prstGeom prst="rect">
-            <a:avLst/>
-          </a:prstGeom>
-          <a:noFill/>
-          <a:ln>
-            <a:solidFill>
-              <a:schemeClr val="tx1"/>
-            </a:solidFill>
-          </a:ln>
-        </p:spPr>
-        <p:style>
-          <a:lnRef idx="1">
-            <a:schemeClr val="accent1"/>
-          </a:lnRef>
-          <a:fillRef idx="3">
-            <a:schemeClr val="accent1"/>
-          </a:fillRef>
-          <a:effectRef idx="2">
-            <a:schemeClr val="accent1"/>
-          </a:effectRef>
-          <a:fontRef idx="minor">
-            <a:schemeClr val="lt1"/>
-          </a:fontRef>
-        </p:style>
-        <p:txBody>
-          <a:bodyPr rtlCol="0" anchor="t"/>
-          <a:lstStyle/>
-          <a:p>
-            <a:pPr algn="ctr"/>
-            <a:r>
-              <a:rPr lang="ja-JP" altLang="en-US" sz="1200" dirty="0" smtClean="0">
-                <a:solidFill>
-                  <a:schemeClr val="tx1"/>
-                </a:solidFill>
-              </a:rPr>
-              <a:t>勘定科目月度残高</a:t>
-            </a:r>
-            <a:endParaRPr kumimoji="1" lang="ja-JP" altLang="en-US" sz="1200" dirty="0">
-              <a:solidFill>
-                <a:schemeClr val="tx1"/>
-              </a:solidFill>
-            </a:endParaRPr>
-          </a:p>
-        </p:txBody>
-      </p:sp>
-      <p:sp>
-        <p:nvSpPr>
-          <p:cNvPr id="10" name="正方形/長方形 9"/>
-          <p:cNvSpPr/>
-          <p:nvPr/>
-        </p:nvSpPr>
-        <p:spPr>
-          <a:xfrm>
-            <a:off x="6459626" y="4130838"/>
-            <a:ext cx="1524000" cy="1002635"/>
-          </a:xfrm>
-          <a:prstGeom prst="rect">
-            <a:avLst/>
-          </a:prstGeom>
-          <a:noFill/>
-          <a:ln>
-            <a:solidFill>
-              <a:schemeClr val="tx1"/>
-            </a:solidFill>
-          </a:ln>
-        </p:spPr>
-        <p:style>
-          <a:lnRef idx="1">
-            <a:schemeClr val="accent1"/>
-          </a:lnRef>
-          <a:fillRef idx="3">
-            <a:schemeClr val="accent1"/>
-          </a:fillRef>
-          <a:effectRef idx="2">
-            <a:schemeClr val="accent1"/>
-          </a:effectRef>
-          <a:fontRef idx="minor">
-            <a:schemeClr val="lt1"/>
-          </a:fontRef>
-        </p:style>
-        <p:txBody>
-          <a:bodyPr rtlCol="0" anchor="t"/>
-          <a:lstStyle/>
-          <a:p>
-            <a:pPr marL="285750" indent="-285750">
-              <a:buFontTx/>
-              <a:buChar char="-"/>
-            </a:pPr>
-            <a:r>
-              <a:rPr kumimoji="1" lang="ja-JP" altLang="en-US" sz="1600" dirty="0" smtClean="0">
-                <a:solidFill>
-                  <a:srgbClr val="000000"/>
-                </a:solidFill>
-              </a:rPr>
-              <a:t>年月</a:t>
-            </a:r>
-            <a:endParaRPr kumimoji="1" lang="en-US" altLang="ja-JP" sz="1600" dirty="0" smtClean="0">
-              <a:solidFill>
-                <a:srgbClr val="000000"/>
-              </a:solidFill>
-            </a:endParaRPr>
-          </a:p>
-          <a:p>
-            <a:pPr marL="285750" indent="-285750">
-              <a:buFontTx/>
-              <a:buChar char="-"/>
-            </a:pPr>
-            <a:r>
-              <a:rPr lang="ja-JP" altLang="en-US" sz="1600" dirty="0" smtClean="0">
-                <a:solidFill>
-                  <a:srgbClr val="000000"/>
-                </a:solidFill>
-              </a:rPr>
-              <a:t>月末残高</a:t>
-            </a:r>
-            <a:endParaRPr kumimoji="1" lang="ja-JP" altLang="en-US" sz="1600" dirty="0">
-              <a:solidFill>
-                <a:srgbClr val="000000"/>
-              </a:solidFill>
-            </a:endParaRPr>
-          </a:p>
-        </p:txBody>
-      </p:sp>
-      <p:sp>
-        <p:nvSpPr>
-          <p:cNvPr id="11" name="正方形/長方形 10"/>
-          <p:cNvSpPr/>
-          <p:nvPr/>
-        </p:nvSpPr>
-        <p:spPr>
-          <a:xfrm>
-            <a:off x="5104064" y="1649666"/>
-            <a:ext cx="1524000" cy="1671052"/>
-          </a:xfrm>
-          <a:prstGeom prst="rect">
-            <a:avLst/>
-          </a:prstGeom>
-          <a:noFill/>
-          <a:ln>
-            <a:solidFill>
-              <a:schemeClr val="tx1"/>
-            </a:solidFill>
-          </a:ln>
-        </p:spPr>
-        <p:style>
-          <a:lnRef idx="1">
-            <a:schemeClr val="accent1"/>
-          </a:lnRef>
-          <a:fillRef idx="3">
-            <a:schemeClr val="accent1"/>
-          </a:fillRef>
-          <a:effectRef idx="2">
-            <a:schemeClr val="accent1"/>
-          </a:effectRef>
-          <a:fontRef idx="minor">
-            <a:schemeClr val="lt1"/>
-          </a:fontRef>
-        </p:style>
-        <p:txBody>
-          <a:bodyPr rtlCol="0" anchor="t"/>
-          <a:lstStyle/>
-          <a:p>
-            <a:pPr algn="ctr"/>
-            <a:r>
-              <a:rPr lang="ja-JP" altLang="en-US" dirty="0" smtClean="0">
-                <a:solidFill>
-                  <a:schemeClr val="tx1"/>
-                </a:solidFill>
-              </a:rPr>
-              <a:t>勘定科目</a:t>
-            </a:r>
-            <a:endParaRPr kumimoji="1" lang="ja-JP" altLang="en-US" dirty="0">
-              <a:solidFill>
-                <a:schemeClr val="tx1"/>
-              </a:solidFill>
-            </a:endParaRPr>
-          </a:p>
-        </p:txBody>
-      </p:sp>
-      <p:sp>
-        <p:nvSpPr>
-          <p:cNvPr id="12" name="正方形/長方形 11"/>
-          <p:cNvSpPr/>
-          <p:nvPr/>
-        </p:nvSpPr>
-        <p:spPr>
-          <a:xfrm>
-            <a:off x="5109416" y="2010611"/>
-            <a:ext cx="1524000" cy="1002635"/>
-          </a:xfrm>
-          <a:prstGeom prst="rect">
-            <a:avLst/>
-          </a:prstGeom>
-          <a:noFill/>
-          <a:ln>
-            <a:solidFill>
-              <a:schemeClr val="tx1"/>
-            </a:solidFill>
-          </a:ln>
-        </p:spPr>
-        <p:style>
-          <a:lnRef idx="1">
-            <a:schemeClr val="accent1"/>
-          </a:lnRef>
-          <a:fillRef idx="3">
-            <a:schemeClr val="accent1"/>
-          </a:fillRef>
-          <a:effectRef idx="2">
-            <a:schemeClr val="accent1"/>
-          </a:effectRef>
-          <a:fontRef idx="minor">
-            <a:schemeClr val="lt1"/>
-          </a:fontRef>
-        </p:style>
-        <p:txBody>
-          <a:bodyPr rtlCol="0" anchor="t"/>
-          <a:lstStyle/>
-          <a:p>
-            <a:pPr marL="285750" indent="-285750">
-              <a:buFontTx/>
-              <a:buChar char="-"/>
-            </a:pPr>
-            <a:r>
-              <a:rPr kumimoji="1" lang="ja-JP" altLang="en-US" sz="1600" dirty="0" smtClean="0">
-                <a:solidFill>
-                  <a:srgbClr val="000000"/>
-                </a:solidFill>
-              </a:rPr>
-              <a:t>勘定コード</a:t>
-            </a:r>
-            <a:endParaRPr kumimoji="1" lang="en-US" altLang="ja-JP" sz="1600" dirty="0" smtClean="0">
-              <a:solidFill>
-                <a:srgbClr val="000000"/>
-              </a:solidFill>
-            </a:endParaRPr>
-          </a:p>
-          <a:p>
-            <a:pPr marL="285750" indent="-285750">
-              <a:buFontTx/>
-              <a:buChar char="-"/>
-            </a:pPr>
-            <a:r>
-              <a:rPr lang="ja-JP" altLang="en-US" sz="1600" dirty="0" smtClean="0">
-                <a:solidFill>
-                  <a:srgbClr val="000000"/>
-                </a:solidFill>
-              </a:rPr>
-              <a:t>勘定科目名</a:t>
-            </a:r>
-            <a:endParaRPr lang="en-US" altLang="ja-JP" sz="1600" dirty="0" smtClean="0">
-              <a:solidFill>
-                <a:srgbClr val="000000"/>
-              </a:solidFill>
-            </a:endParaRPr>
-          </a:p>
-          <a:p>
-            <a:pPr marL="285750" indent="-285750">
-              <a:buFontTx/>
-              <a:buChar char="-"/>
-            </a:pPr>
-            <a:r>
-              <a:rPr kumimoji="1" lang="ja-JP" altLang="en-US" sz="1600" dirty="0" smtClean="0">
-                <a:solidFill>
-                  <a:srgbClr val="000000"/>
-                </a:solidFill>
-              </a:rPr>
-              <a:t>現在残高</a:t>
-            </a:r>
-            <a:endParaRPr kumimoji="1" lang="ja-JP" altLang="en-US" sz="1600" dirty="0">
-              <a:solidFill>
-                <a:srgbClr val="000000"/>
-              </a:solidFill>
-            </a:endParaRPr>
-          </a:p>
-        </p:txBody>
-      </p:sp>
-      <p:cxnSp>
-        <p:nvCxnSpPr>
-          <p:cNvPr id="14" name="カギ線コネクタ 13"/>
-          <p:cNvCxnSpPr>
-            <a:stCxn id="11" idx="2"/>
-            <a:endCxn id="7" idx="0"/>
-          </p:cNvCxnSpPr>
-          <p:nvPr/>
-        </p:nvCxnSpPr>
-        <p:spPr>
-          <a:xfrm rot="5400000">
-            <a:off x="5043908" y="2934368"/>
-            <a:ext cx="435807" cy="1208506"/>
-          </a:xfrm>
-          <a:prstGeom prst="bentConnector3">
-            <a:avLst/>
-          </a:prstGeom>
-          <a:ln>
-            <a:solidFill>
-              <a:schemeClr val="tx1"/>
-            </a:solidFill>
-          </a:ln>
-        </p:spPr>
-        <p:style>
-          <a:lnRef idx="2">
-            <a:schemeClr val="accent1"/>
-          </a:lnRef>
-          <a:fillRef idx="0">
-            <a:schemeClr val="accent1"/>
-          </a:fillRef>
-          <a:effectRef idx="1">
-            <a:schemeClr val="accent1"/>
-          </a:effectRef>
-          <a:fontRef idx="minor">
-            <a:schemeClr val="tx1"/>
-          </a:fontRef>
-        </p:style>
-      </p:cxnSp>
-      <p:cxnSp>
-        <p:nvCxnSpPr>
-          <p:cNvPr id="16" name="カギ線コネクタ 15"/>
-          <p:cNvCxnSpPr>
-            <a:stCxn id="11" idx="2"/>
-            <a:endCxn id="9" idx="0"/>
-          </p:cNvCxnSpPr>
-          <p:nvPr/>
-        </p:nvCxnSpPr>
-        <p:spPr>
-          <a:xfrm rot="16200000" flipH="1">
-            <a:off x="6316582" y="2870200"/>
-            <a:ext cx="449175" cy="1350210"/>
-          </a:xfrm>
-          <a:prstGeom prst="bentConnector3">
-            <a:avLst>
-              <a:gd name="adj1" fmla="val 50000"/>
-            </a:avLst>
-          </a:prstGeom>
-          <a:ln>
-            <a:solidFill>
-              <a:schemeClr val="tx1"/>
-            </a:solidFill>
-          </a:ln>
-        </p:spPr>
-        <p:style>
-          <a:lnRef idx="2">
-            <a:schemeClr val="accent1"/>
-          </a:lnRef>
-          <a:fillRef idx="0">
-            <a:schemeClr val="accent1"/>
-          </a:fillRef>
-          <a:effectRef idx="1">
-            <a:schemeClr val="accent1"/>
-          </a:effectRef>
-          <a:fontRef idx="minor">
-            <a:schemeClr val="tx1"/>
-          </a:fontRef>
-        </p:style>
-      </p:cxnSp>
-      <p:cxnSp>
-        <p:nvCxnSpPr>
-          <p:cNvPr id="21" name="直線コネクタ 20"/>
-          <p:cNvCxnSpPr/>
-          <p:nvPr/>
-        </p:nvCxnSpPr>
-        <p:spPr>
-          <a:xfrm>
-            <a:off x="2820736" y="4719053"/>
-            <a:ext cx="1074822" cy="0"/>
-          </a:xfrm>
-          <a:prstGeom prst="line">
-            <a:avLst/>
-          </a:prstGeom>
-          <a:ln>
-            <a:headEnd type="none"/>
-            <a:tailEnd type="none"/>
-          </a:ln>
-        </p:spPr>
-        <p:style>
-          <a:lnRef idx="2">
-            <a:schemeClr val="dk1"/>
-          </a:lnRef>
-          <a:fillRef idx="0">
-            <a:schemeClr val="dk1"/>
-          </a:fillRef>
-          <a:effectRef idx="1">
-            <a:schemeClr val="dk1"/>
-          </a:effectRef>
-          <a:fontRef idx="minor">
-            <a:schemeClr val="tx1"/>
-          </a:fontRef>
-        </p:style>
-      </p:cxnSp>
-      <p:sp>
-        <p:nvSpPr>
-          <p:cNvPr id="23" name="フローチャート: 判断 22"/>
-          <p:cNvSpPr/>
-          <p:nvPr/>
-        </p:nvSpPr>
-        <p:spPr>
-          <a:xfrm>
-            <a:off x="2826088" y="4571999"/>
-            <a:ext cx="454526" cy="294105"/>
-          </a:xfrm>
-          <a:prstGeom prst="flowChartDecision">
-            <a:avLst/>
-          </a:prstGeom>
-        </p:spPr>
-        <p:style>
-          <a:lnRef idx="1">
-            <a:schemeClr val="dk1"/>
-          </a:lnRef>
-          <a:fillRef idx="3">
-            <a:schemeClr val="dk1"/>
-          </a:fillRef>
-          <a:effectRef idx="2">
-            <a:schemeClr val="dk1"/>
-          </a:effectRef>
-          <a:fontRef idx="minor">
-            <a:schemeClr val="lt1"/>
-          </a:fontRef>
-        </p:style>
-        <p:txBody>
-          <a:bodyPr rtlCol="0" anchor="ctr"/>
-          <a:lstStyle/>
-          <a:p>
-            <a:pPr algn="ctr"/>
-            <a:endParaRPr kumimoji="1" lang="ja-JP" altLang="en-US"/>
-          </a:p>
-        </p:txBody>
-      </p:sp>
-      <p:cxnSp>
-        <p:nvCxnSpPr>
-          <p:cNvPr id="25" name="直線矢印コネクタ 24"/>
-          <p:cNvCxnSpPr>
-            <a:stCxn id="8" idx="3"/>
-            <a:endCxn id="9" idx="1"/>
-          </p:cNvCxnSpPr>
-          <p:nvPr/>
-        </p:nvCxnSpPr>
-        <p:spPr>
-          <a:xfrm flipV="1">
-            <a:off x="5424910" y="4605419"/>
-            <a:ext cx="1029364" cy="13369"/>
-          </a:xfrm>
-          <a:prstGeom prst="straightConnector1">
-            <a:avLst/>
-          </a:prstGeom>
-          <a:ln>
-            <a:prstDash val="dash"/>
-            <a:tailEnd type="arrow"/>
-          </a:ln>
-        </p:spPr>
-        <p:style>
-          <a:lnRef idx="2">
-            <a:schemeClr val="dk1"/>
-          </a:lnRef>
-          <a:fillRef idx="0">
-            <a:schemeClr val="dk1"/>
-          </a:fillRef>
-          <a:effectRef idx="1">
-            <a:schemeClr val="dk1"/>
-          </a:effectRef>
-          <a:fontRef idx="minor">
-            <a:schemeClr val="tx1"/>
-          </a:fontRef>
-        </p:style>
-      </p:cxnSp>
-    </p:spTree>
-    <p:extLst>
-      <p:ext uri="{BB962C8B-B14F-4D97-AF65-F5344CB8AC3E}">
-        <p14:creationId xmlns:p14="http://schemas.microsoft.com/office/powerpoint/2010/main" val="2195750516"/>
-      </p:ext>
-    </p:extLst>
-  </p:cSld>
-  <p:clrMapOvr>
-    <a:masterClrMapping/>
-  </p:clrMapOvr>
-</p:sld>
-</file>
-
-<file path=ppt/slides/slide7.xml><?xml version="1.0" encoding="utf-8"?>
-<p:sld xmlns:a="http://schemas.openxmlformats.org/drawingml/2006/main" xmlns:r="http://schemas.openxmlformats.org/officeDocument/2006/relationships" xmlns:p="http://schemas.openxmlformats.org/presentationml/2006/main">
-  <p:cSld>
-    <p:spTree>
-      <p:nvGrpSpPr>
-        <p:cNvPr id="1" name=""/>
-        <p:cNvGrpSpPr/>
-        <p:nvPr/>
-      </p:nvGrpSpPr>
-      <p:grpSpPr>
-        <a:xfrm>
-          <a:off x="0" y="0"/>
-          <a:ext cx="0" cy="0"/>
-          <a:chOff x="0" y="0"/>
-          <a:chExt cx="0" cy="0"/>
-        </a:xfrm>
-      </p:grpSpPr>
-      <p:sp>
-        <p:nvSpPr>
-          <p:cNvPr id="2" name="タイトル 1"/>
-          <p:cNvSpPr>
-            <a:spLocks noGrp="1"/>
-          </p:cNvSpPr>
-          <p:nvPr>
-            <p:ph type="title"/>
-          </p:nvPr>
-        </p:nvSpPr>
-        <p:spPr/>
-        <p:txBody>
-          <a:bodyPr/>
-          <a:lstStyle/>
-          <a:p>
-            <a:r>
-              <a:rPr kumimoji="1" lang="ja-JP" altLang="en-US" dirty="0" smtClean="0"/>
-              <a:t>財務会計のデータ構造</a:t>
-            </a:r>
-            <a:endParaRPr kumimoji="1" lang="ja-JP" altLang="en-US" dirty="0"/>
-          </a:p>
-        </p:txBody>
-      </p:sp>
-    </p:spTree>
-    <p:extLst>
-      <p:ext uri="{BB962C8B-B14F-4D97-AF65-F5344CB8AC3E}">
-        <p14:creationId xmlns:p14="http://schemas.microsoft.com/office/powerpoint/2010/main" val="460255829"/>
-      </p:ext>
-    </p:extLst>
-  </p:cSld>
-  <p:clrMapOvr>
-    <a:masterClrMapping/>
-  </p:clrMapOvr>
-</p:sld>
-</file>
-
 <file path=ppt/slides/slide8.xml><?xml version="1.0" encoding="utf-8"?>
 <p:sld xmlns:a="http://schemas.openxmlformats.org/drawingml/2006/main" xmlns:r="http://schemas.openxmlformats.org/officeDocument/2006/relationships" xmlns:p="http://schemas.openxmlformats.org/presentationml/2006/main">
   <p:cSld>
@@ -7129,6 +13967,815 @@
         </p:nvSpPr>
         <p:spPr/>
         <p:txBody>
+          <a:bodyPr/>
+          <a:lstStyle/>
+          <a:p>
+            <a:r>
+              <a:rPr lang="ja-JP" altLang="en-US" dirty="0"/>
+              <a:t>財務会計のデータ構造</a:t>
+            </a:r>
+            <a:endParaRPr kumimoji="1" lang="ja-JP" altLang="en-US" dirty="0"/>
+          </a:p>
+        </p:txBody>
+      </p:sp>
+      <p:sp>
+        <p:nvSpPr>
+          <p:cNvPr id="4" name="正方形/長方形 3"/>
+          <p:cNvSpPr/>
+          <p:nvPr/>
+        </p:nvSpPr>
+        <p:spPr>
+          <a:xfrm>
+            <a:off x="1296736" y="3756525"/>
+            <a:ext cx="1524000" cy="1671052"/>
+          </a:xfrm>
+          <a:prstGeom prst="rect">
+            <a:avLst/>
+          </a:prstGeom>
+          <a:noFill/>
+          <a:ln>
+            <a:solidFill>
+              <a:schemeClr val="tx1"/>
+            </a:solidFill>
+          </a:ln>
+        </p:spPr>
+        <p:style>
+          <a:lnRef idx="1">
+            <a:schemeClr val="accent1"/>
+          </a:lnRef>
+          <a:fillRef idx="3">
+            <a:schemeClr val="accent1"/>
+          </a:fillRef>
+          <a:effectRef idx="2">
+            <a:schemeClr val="accent1"/>
+          </a:effectRef>
+          <a:fontRef idx="minor">
+            <a:schemeClr val="lt1"/>
+          </a:fontRef>
+        </p:style>
+        <p:txBody>
+          <a:bodyPr rtlCol="0" anchor="t"/>
+          <a:lstStyle/>
+          <a:p>
+            <a:pPr algn="ctr"/>
+            <a:r>
+              <a:rPr lang="ja-JP" altLang="en-US" dirty="0" smtClean="0">
+                <a:solidFill>
+                  <a:schemeClr val="tx1"/>
+                </a:solidFill>
+              </a:rPr>
+              <a:t>仕分</a:t>
+            </a:r>
+            <a:endParaRPr kumimoji="1" lang="ja-JP" altLang="en-US" dirty="0">
+              <a:solidFill>
+                <a:schemeClr val="tx1"/>
+              </a:solidFill>
+            </a:endParaRPr>
+          </a:p>
+        </p:txBody>
+      </p:sp>
+      <p:sp>
+        <p:nvSpPr>
+          <p:cNvPr id="5" name="正方形/長方形 4"/>
+          <p:cNvSpPr/>
+          <p:nvPr/>
+        </p:nvSpPr>
+        <p:spPr>
+          <a:xfrm>
+            <a:off x="1302088" y="4117470"/>
+            <a:ext cx="1524000" cy="1002635"/>
+          </a:xfrm>
+          <a:prstGeom prst="rect">
+            <a:avLst/>
+          </a:prstGeom>
+          <a:noFill/>
+          <a:ln>
+            <a:solidFill>
+              <a:schemeClr val="tx1"/>
+            </a:solidFill>
+          </a:ln>
+        </p:spPr>
+        <p:style>
+          <a:lnRef idx="1">
+            <a:schemeClr val="accent1"/>
+          </a:lnRef>
+          <a:fillRef idx="3">
+            <a:schemeClr val="accent1"/>
+          </a:fillRef>
+          <a:effectRef idx="2">
+            <a:schemeClr val="accent1"/>
+          </a:effectRef>
+          <a:fontRef idx="minor">
+            <a:schemeClr val="lt1"/>
+          </a:fontRef>
+        </p:style>
+        <p:txBody>
+          <a:bodyPr rtlCol="0" anchor="t"/>
+          <a:lstStyle/>
+          <a:p>
+            <a:pPr marL="285750" indent="-285750">
+              <a:buFontTx/>
+              <a:buChar char="-"/>
+            </a:pPr>
+            <a:r>
+              <a:rPr lang="en-US" altLang="en-US" sz="1600" dirty="0" smtClean="0">
+                <a:solidFill>
+                  <a:srgbClr val="000000"/>
+                </a:solidFill>
+              </a:rPr>
+              <a:t>計上日</a:t>
+            </a:r>
+          </a:p>
+          <a:p>
+            <a:pPr marL="285750" indent="-285750">
+              <a:buFontTx/>
+              <a:buChar char="-"/>
+            </a:pPr>
+            <a:r>
+              <a:rPr lang="en-US" altLang="en-US" sz="1600" dirty="0" smtClean="0">
+                <a:solidFill>
+                  <a:srgbClr val="000000"/>
+                </a:solidFill>
+              </a:rPr>
+              <a:t>摘要</a:t>
+            </a:r>
+            <a:endParaRPr lang="en-US" altLang="ja-JP" sz="1600" dirty="0" smtClean="0">
+              <a:solidFill>
+                <a:srgbClr val="000000"/>
+              </a:solidFill>
+            </a:endParaRPr>
+          </a:p>
+        </p:txBody>
+      </p:sp>
+      <p:sp>
+        <p:nvSpPr>
+          <p:cNvPr id="7" name="正方形/長方形 6"/>
+          <p:cNvSpPr/>
+          <p:nvPr/>
+        </p:nvSpPr>
+        <p:spPr>
+          <a:xfrm>
+            <a:off x="3895558" y="3756525"/>
+            <a:ext cx="1524000" cy="1671052"/>
+          </a:xfrm>
+          <a:prstGeom prst="rect">
+            <a:avLst/>
+          </a:prstGeom>
+          <a:noFill/>
+          <a:ln>
+            <a:solidFill>
+              <a:schemeClr val="tx1"/>
+            </a:solidFill>
+          </a:ln>
+        </p:spPr>
+        <p:style>
+          <a:lnRef idx="1">
+            <a:schemeClr val="accent1"/>
+          </a:lnRef>
+          <a:fillRef idx="3">
+            <a:schemeClr val="accent1"/>
+          </a:fillRef>
+          <a:effectRef idx="2">
+            <a:schemeClr val="accent1"/>
+          </a:effectRef>
+          <a:fontRef idx="minor">
+            <a:schemeClr val="lt1"/>
+          </a:fontRef>
+        </p:style>
+        <p:txBody>
+          <a:bodyPr rtlCol="0" anchor="t"/>
+          <a:lstStyle/>
+          <a:p>
+            <a:pPr algn="ctr"/>
+            <a:r>
+              <a:rPr lang="ja-JP" altLang="en-US" dirty="0" smtClean="0">
+                <a:solidFill>
+                  <a:schemeClr val="tx1"/>
+                </a:solidFill>
+              </a:rPr>
+              <a:t>仕分明細</a:t>
+            </a:r>
+            <a:endParaRPr kumimoji="1" lang="ja-JP" altLang="en-US" dirty="0">
+              <a:solidFill>
+                <a:schemeClr val="tx1"/>
+              </a:solidFill>
+            </a:endParaRPr>
+          </a:p>
+        </p:txBody>
+      </p:sp>
+      <p:sp>
+        <p:nvSpPr>
+          <p:cNvPr id="8" name="正方形/長方形 7"/>
+          <p:cNvSpPr/>
+          <p:nvPr/>
+        </p:nvSpPr>
+        <p:spPr>
+          <a:xfrm>
+            <a:off x="3900910" y="4117470"/>
+            <a:ext cx="1524000" cy="1002635"/>
+          </a:xfrm>
+          <a:prstGeom prst="rect">
+            <a:avLst/>
+          </a:prstGeom>
+          <a:noFill/>
+          <a:ln>
+            <a:solidFill>
+              <a:schemeClr val="tx1"/>
+            </a:solidFill>
+          </a:ln>
+        </p:spPr>
+        <p:style>
+          <a:lnRef idx="1">
+            <a:schemeClr val="accent1"/>
+          </a:lnRef>
+          <a:fillRef idx="3">
+            <a:schemeClr val="accent1"/>
+          </a:fillRef>
+          <a:effectRef idx="2">
+            <a:schemeClr val="accent1"/>
+          </a:effectRef>
+          <a:fontRef idx="minor">
+            <a:schemeClr val="lt1"/>
+          </a:fontRef>
+        </p:style>
+        <p:txBody>
+          <a:bodyPr rtlCol="0" anchor="t"/>
+          <a:lstStyle/>
+          <a:p>
+            <a:pPr marL="285750" indent="-285750">
+              <a:buFontTx/>
+              <a:buChar char="-"/>
+            </a:pPr>
+            <a:r>
+              <a:rPr kumimoji="1" lang="ja-JP" altLang="en-US" sz="1600" dirty="0" smtClean="0">
+                <a:solidFill>
+                  <a:srgbClr val="000000"/>
+                </a:solidFill>
+              </a:rPr>
+              <a:t>貸借</a:t>
+            </a:r>
+            <a:endParaRPr kumimoji="1" lang="en-US" altLang="ja-JP" sz="1600" dirty="0" smtClean="0">
+              <a:solidFill>
+                <a:srgbClr val="000000"/>
+              </a:solidFill>
+            </a:endParaRPr>
+          </a:p>
+          <a:p>
+            <a:pPr marL="285750" indent="-285750">
+              <a:buFontTx/>
+              <a:buChar char="-"/>
+            </a:pPr>
+            <a:r>
+              <a:rPr lang="ja-JP" altLang="en-US" sz="1600" dirty="0" smtClean="0">
+                <a:solidFill>
+                  <a:srgbClr val="000000"/>
+                </a:solidFill>
+              </a:rPr>
+              <a:t>貸方金額</a:t>
+            </a:r>
+            <a:endParaRPr lang="en-US" altLang="ja-JP" sz="1600" dirty="0" smtClean="0">
+              <a:solidFill>
+                <a:srgbClr val="000000"/>
+              </a:solidFill>
+            </a:endParaRPr>
+          </a:p>
+          <a:p>
+            <a:pPr marL="285750" indent="-285750">
+              <a:buFontTx/>
+              <a:buChar char="-"/>
+            </a:pPr>
+            <a:r>
+              <a:rPr kumimoji="1" lang="ja-JP" altLang="en-US" sz="1600" dirty="0" smtClean="0">
+                <a:solidFill>
+                  <a:srgbClr val="000000"/>
+                </a:solidFill>
+              </a:rPr>
+              <a:t>借方金額</a:t>
+            </a:r>
+            <a:endParaRPr kumimoji="1" lang="ja-JP" altLang="en-US" sz="1600" dirty="0">
+              <a:solidFill>
+                <a:srgbClr val="000000"/>
+              </a:solidFill>
+            </a:endParaRPr>
+          </a:p>
+        </p:txBody>
+      </p:sp>
+      <p:sp>
+        <p:nvSpPr>
+          <p:cNvPr id="9" name="正方形/長方形 8"/>
+          <p:cNvSpPr/>
+          <p:nvPr/>
+        </p:nvSpPr>
+        <p:spPr>
+          <a:xfrm>
+            <a:off x="6454274" y="3769893"/>
+            <a:ext cx="1524000" cy="1671052"/>
+          </a:xfrm>
+          <a:prstGeom prst="rect">
+            <a:avLst/>
+          </a:prstGeom>
+          <a:noFill/>
+          <a:ln>
+            <a:solidFill>
+              <a:schemeClr val="tx1"/>
+            </a:solidFill>
+          </a:ln>
+        </p:spPr>
+        <p:style>
+          <a:lnRef idx="1">
+            <a:schemeClr val="accent1"/>
+          </a:lnRef>
+          <a:fillRef idx="3">
+            <a:schemeClr val="accent1"/>
+          </a:fillRef>
+          <a:effectRef idx="2">
+            <a:schemeClr val="accent1"/>
+          </a:effectRef>
+          <a:fontRef idx="minor">
+            <a:schemeClr val="lt1"/>
+          </a:fontRef>
+        </p:style>
+        <p:txBody>
+          <a:bodyPr rtlCol="0" anchor="t"/>
+          <a:lstStyle/>
+          <a:p>
+            <a:pPr algn="ctr"/>
+            <a:r>
+              <a:rPr lang="ja-JP" altLang="en-US" sz="1200" dirty="0" smtClean="0">
+                <a:solidFill>
+                  <a:schemeClr val="tx1"/>
+                </a:solidFill>
+              </a:rPr>
+              <a:t>勘定科目月度残高</a:t>
+            </a:r>
+            <a:endParaRPr kumimoji="1" lang="ja-JP" altLang="en-US" sz="1200" dirty="0">
+              <a:solidFill>
+                <a:schemeClr val="tx1"/>
+              </a:solidFill>
+            </a:endParaRPr>
+          </a:p>
+        </p:txBody>
+      </p:sp>
+      <p:sp>
+        <p:nvSpPr>
+          <p:cNvPr id="10" name="正方形/長方形 9"/>
+          <p:cNvSpPr/>
+          <p:nvPr/>
+        </p:nvSpPr>
+        <p:spPr>
+          <a:xfrm>
+            <a:off x="6459626" y="4130838"/>
+            <a:ext cx="1524000" cy="1002635"/>
+          </a:xfrm>
+          <a:prstGeom prst="rect">
+            <a:avLst/>
+          </a:prstGeom>
+          <a:noFill/>
+          <a:ln>
+            <a:solidFill>
+              <a:schemeClr val="tx1"/>
+            </a:solidFill>
+          </a:ln>
+        </p:spPr>
+        <p:style>
+          <a:lnRef idx="1">
+            <a:schemeClr val="accent1"/>
+          </a:lnRef>
+          <a:fillRef idx="3">
+            <a:schemeClr val="accent1"/>
+          </a:fillRef>
+          <a:effectRef idx="2">
+            <a:schemeClr val="accent1"/>
+          </a:effectRef>
+          <a:fontRef idx="minor">
+            <a:schemeClr val="lt1"/>
+          </a:fontRef>
+        </p:style>
+        <p:txBody>
+          <a:bodyPr rtlCol="0" anchor="t"/>
+          <a:lstStyle/>
+          <a:p>
+            <a:pPr marL="285750" indent="-285750">
+              <a:buFontTx/>
+              <a:buChar char="-"/>
+            </a:pPr>
+            <a:r>
+              <a:rPr kumimoji="1" lang="ja-JP" altLang="en-US" sz="1600" dirty="0" smtClean="0">
+                <a:solidFill>
+                  <a:srgbClr val="000000"/>
+                </a:solidFill>
+              </a:rPr>
+              <a:t>年月</a:t>
+            </a:r>
+            <a:endParaRPr kumimoji="1" lang="en-US" altLang="ja-JP" sz="1600" dirty="0" smtClean="0">
+              <a:solidFill>
+                <a:srgbClr val="000000"/>
+              </a:solidFill>
+            </a:endParaRPr>
+          </a:p>
+          <a:p>
+            <a:pPr marL="285750" indent="-285750">
+              <a:buFontTx/>
+              <a:buChar char="-"/>
+            </a:pPr>
+            <a:r>
+              <a:rPr lang="ja-JP" altLang="en-US" sz="1600" dirty="0" smtClean="0">
+                <a:solidFill>
+                  <a:srgbClr val="000000"/>
+                </a:solidFill>
+              </a:rPr>
+              <a:t>月末残高</a:t>
+            </a:r>
+            <a:endParaRPr kumimoji="1" lang="ja-JP" altLang="en-US" sz="1600" dirty="0">
+              <a:solidFill>
+                <a:srgbClr val="000000"/>
+              </a:solidFill>
+            </a:endParaRPr>
+          </a:p>
+        </p:txBody>
+      </p:sp>
+      <p:sp>
+        <p:nvSpPr>
+          <p:cNvPr id="11" name="正方形/長方形 10"/>
+          <p:cNvSpPr/>
+          <p:nvPr/>
+        </p:nvSpPr>
+        <p:spPr>
+          <a:xfrm>
+            <a:off x="5104064" y="1649666"/>
+            <a:ext cx="1524000" cy="1671052"/>
+          </a:xfrm>
+          <a:prstGeom prst="rect">
+            <a:avLst/>
+          </a:prstGeom>
+          <a:noFill/>
+          <a:ln>
+            <a:solidFill>
+              <a:schemeClr val="tx1"/>
+            </a:solidFill>
+          </a:ln>
+        </p:spPr>
+        <p:style>
+          <a:lnRef idx="1">
+            <a:schemeClr val="accent1"/>
+          </a:lnRef>
+          <a:fillRef idx="3">
+            <a:schemeClr val="accent1"/>
+          </a:fillRef>
+          <a:effectRef idx="2">
+            <a:schemeClr val="accent1"/>
+          </a:effectRef>
+          <a:fontRef idx="minor">
+            <a:schemeClr val="lt1"/>
+          </a:fontRef>
+        </p:style>
+        <p:txBody>
+          <a:bodyPr rtlCol="0" anchor="t"/>
+          <a:lstStyle/>
+          <a:p>
+            <a:pPr algn="ctr"/>
+            <a:r>
+              <a:rPr lang="ja-JP" altLang="en-US" dirty="0" smtClean="0">
+                <a:solidFill>
+                  <a:schemeClr val="tx1"/>
+                </a:solidFill>
+              </a:rPr>
+              <a:t>勘定科目</a:t>
+            </a:r>
+            <a:endParaRPr kumimoji="1" lang="ja-JP" altLang="en-US" dirty="0">
+              <a:solidFill>
+                <a:schemeClr val="tx1"/>
+              </a:solidFill>
+            </a:endParaRPr>
+          </a:p>
+        </p:txBody>
+      </p:sp>
+      <p:sp>
+        <p:nvSpPr>
+          <p:cNvPr id="12" name="正方形/長方形 11"/>
+          <p:cNvSpPr/>
+          <p:nvPr/>
+        </p:nvSpPr>
+        <p:spPr>
+          <a:xfrm>
+            <a:off x="5109416" y="2010611"/>
+            <a:ext cx="1524000" cy="1002635"/>
+          </a:xfrm>
+          <a:prstGeom prst="rect">
+            <a:avLst/>
+          </a:prstGeom>
+          <a:noFill/>
+          <a:ln>
+            <a:solidFill>
+              <a:schemeClr val="tx1"/>
+            </a:solidFill>
+          </a:ln>
+        </p:spPr>
+        <p:style>
+          <a:lnRef idx="1">
+            <a:schemeClr val="accent1"/>
+          </a:lnRef>
+          <a:fillRef idx="3">
+            <a:schemeClr val="accent1"/>
+          </a:fillRef>
+          <a:effectRef idx="2">
+            <a:schemeClr val="accent1"/>
+          </a:effectRef>
+          <a:fontRef idx="minor">
+            <a:schemeClr val="lt1"/>
+          </a:fontRef>
+        </p:style>
+        <p:txBody>
+          <a:bodyPr rtlCol="0" anchor="t"/>
+          <a:lstStyle/>
+          <a:p>
+            <a:pPr marL="285750" indent="-285750">
+              <a:buFontTx/>
+              <a:buChar char="-"/>
+            </a:pPr>
+            <a:r>
+              <a:rPr kumimoji="1" lang="ja-JP" altLang="en-US" sz="1600" dirty="0" smtClean="0">
+                <a:solidFill>
+                  <a:srgbClr val="000000"/>
+                </a:solidFill>
+              </a:rPr>
+              <a:t>勘定コード</a:t>
+            </a:r>
+            <a:endParaRPr kumimoji="1" lang="en-US" altLang="ja-JP" sz="1600" dirty="0" smtClean="0">
+              <a:solidFill>
+                <a:srgbClr val="000000"/>
+              </a:solidFill>
+            </a:endParaRPr>
+          </a:p>
+          <a:p>
+            <a:pPr marL="285750" indent="-285750">
+              <a:buFontTx/>
+              <a:buChar char="-"/>
+            </a:pPr>
+            <a:r>
+              <a:rPr lang="ja-JP" altLang="en-US" sz="1600" dirty="0" smtClean="0">
+                <a:solidFill>
+                  <a:srgbClr val="000000"/>
+                </a:solidFill>
+              </a:rPr>
+              <a:t>勘定科目名</a:t>
+            </a:r>
+            <a:endParaRPr lang="en-US" altLang="ja-JP" sz="1600" dirty="0" smtClean="0">
+              <a:solidFill>
+                <a:srgbClr val="000000"/>
+              </a:solidFill>
+            </a:endParaRPr>
+          </a:p>
+          <a:p>
+            <a:pPr marL="285750" indent="-285750">
+              <a:buFontTx/>
+              <a:buChar char="-"/>
+            </a:pPr>
+            <a:r>
+              <a:rPr kumimoji="1" lang="ja-JP" altLang="en-US" sz="1600" dirty="0" smtClean="0">
+                <a:solidFill>
+                  <a:srgbClr val="000000"/>
+                </a:solidFill>
+              </a:rPr>
+              <a:t>現在残高</a:t>
+            </a:r>
+            <a:endParaRPr kumimoji="1" lang="ja-JP" altLang="en-US" sz="1600" dirty="0">
+              <a:solidFill>
+                <a:srgbClr val="000000"/>
+              </a:solidFill>
+            </a:endParaRPr>
+          </a:p>
+        </p:txBody>
+      </p:sp>
+      <p:cxnSp>
+        <p:nvCxnSpPr>
+          <p:cNvPr id="14" name="カギ線コネクタ 13"/>
+          <p:cNvCxnSpPr>
+            <a:stCxn id="11" idx="2"/>
+            <a:endCxn id="7" idx="0"/>
+          </p:cNvCxnSpPr>
+          <p:nvPr/>
+        </p:nvCxnSpPr>
+        <p:spPr>
+          <a:xfrm rot="5400000">
+            <a:off x="5043908" y="2934368"/>
+            <a:ext cx="435807" cy="1208506"/>
+          </a:xfrm>
+          <a:prstGeom prst="bentConnector3">
+            <a:avLst/>
+          </a:prstGeom>
+          <a:ln>
+            <a:solidFill>
+              <a:schemeClr val="tx1"/>
+            </a:solidFill>
+          </a:ln>
+        </p:spPr>
+        <p:style>
+          <a:lnRef idx="2">
+            <a:schemeClr val="accent1"/>
+          </a:lnRef>
+          <a:fillRef idx="0">
+            <a:schemeClr val="accent1"/>
+          </a:fillRef>
+          <a:effectRef idx="1">
+            <a:schemeClr val="accent1"/>
+          </a:effectRef>
+          <a:fontRef idx="minor">
+            <a:schemeClr val="tx1"/>
+          </a:fontRef>
+        </p:style>
+      </p:cxnSp>
+      <p:cxnSp>
+        <p:nvCxnSpPr>
+          <p:cNvPr id="16" name="カギ線コネクタ 15"/>
+          <p:cNvCxnSpPr>
+            <a:stCxn id="11" idx="2"/>
+            <a:endCxn id="9" idx="0"/>
+          </p:cNvCxnSpPr>
+          <p:nvPr/>
+        </p:nvCxnSpPr>
+        <p:spPr>
+          <a:xfrm rot="16200000" flipH="1">
+            <a:off x="6316582" y="2870200"/>
+            <a:ext cx="449175" cy="1350210"/>
+          </a:xfrm>
+          <a:prstGeom prst="bentConnector3">
+            <a:avLst>
+              <a:gd name="adj1" fmla="val 50000"/>
+            </a:avLst>
+          </a:prstGeom>
+          <a:ln>
+            <a:solidFill>
+              <a:schemeClr val="tx1"/>
+            </a:solidFill>
+          </a:ln>
+        </p:spPr>
+        <p:style>
+          <a:lnRef idx="2">
+            <a:schemeClr val="accent1"/>
+          </a:lnRef>
+          <a:fillRef idx="0">
+            <a:schemeClr val="accent1"/>
+          </a:fillRef>
+          <a:effectRef idx="1">
+            <a:schemeClr val="accent1"/>
+          </a:effectRef>
+          <a:fontRef idx="minor">
+            <a:schemeClr val="tx1"/>
+          </a:fontRef>
+        </p:style>
+      </p:cxnSp>
+      <p:cxnSp>
+        <p:nvCxnSpPr>
+          <p:cNvPr id="21" name="直線コネクタ 20"/>
+          <p:cNvCxnSpPr/>
+          <p:nvPr/>
+        </p:nvCxnSpPr>
+        <p:spPr>
+          <a:xfrm>
+            <a:off x="2820736" y="4719053"/>
+            <a:ext cx="1074822" cy="0"/>
+          </a:xfrm>
+          <a:prstGeom prst="line">
+            <a:avLst/>
+          </a:prstGeom>
+          <a:ln>
+            <a:headEnd type="none"/>
+            <a:tailEnd type="none"/>
+          </a:ln>
+        </p:spPr>
+        <p:style>
+          <a:lnRef idx="2">
+            <a:schemeClr val="dk1"/>
+          </a:lnRef>
+          <a:fillRef idx="0">
+            <a:schemeClr val="dk1"/>
+          </a:fillRef>
+          <a:effectRef idx="1">
+            <a:schemeClr val="dk1"/>
+          </a:effectRef>
+          <a:fontRef idx="minor">
+            <a:schemeClr val="tx1"/>
+          </a:fontRef>
+        </p:style>
+      </p:cxnSp>
+      <p:sp>
+        <p:nvSpPr>
+          <p:cNvPr id="23" name="フローチャート: 判断 22"/>
+          <p:cNvSpPr/>
+          <p:nvPr/>
+        </p:nvSpPr>
+        <p:spPr>
+          <a:xfrm>
+            <a:off x="2826088" y="4571999"/>
+            <a:ext cx="454526" cy="294105"/>
+          </a:xfrm>
+          <a:prstGeom prst="flowChartDecision">
+            <a:avLst/>
+          </a:prstGeom>
+        </p:spPr>
+        <p:style>
+          <a:lnRef idx="1">
+            <a:schemeClr val="dk1"/>
+          </a:lnRef>
+          <a:fillRef idx="3">
+            <a:schemeClr val="dk1"/>
+          </a:fillRef>
+          <a:effectRef idx="2">
+            <a:schemeClr val="dk1"/>
+          </a:effectRef>
+          <a:fontRef idx="minor">
+            <a:schemeClr val="lt1"/>
+          </a:fontRef>
+        </p:style>
+        <p:txBody>
+          <a:bodyPr rtlCol="0" anchor="ctr"/>
+          <a:lstStyle/>
+          <a:p>
+            <a:pPr algn="ctr"/>
+            <a:endParaRPr kumimoji="1" lang="ja-JP" altLang="en-US"/>
+          </a:p>
+        </p:txBody>
+      </p:sp>
+      <p:cxnSp>
+        <p:nvCxnSpPr>
+          <p:cNvPr id="25" name="直線矢印コネクタ 24"/>
+          <p:cNvCxnSpPr>
+            <a:stCxn id="8" idx="3"/>
+            <a:endCxn id="9" idx="1"/>
+          </p:cNvCxnSpPr>
+          <p:nvPr/>
+        </p:nvCxnSpPr>
+        <p:spPr>
+          <a:xfrm flipV="1">
+            <a:off x="5424910" y="4605419"/>
+            <a:ext cx="1029364" cy="13369"/>
+          </a:xfrm>
+          <a:prstGeom prst="straightConnector1">
+            <a:avLst/>
+          </a:prstGeom>
+          <a:ln>
+            <a:prstDash val="dash"/>
+            <a:tailEnd type="arrow"/>
+          </a:ln>
+        </p:spPr>
+        <p:style>
+          <a:lnRef idx="2">
+            <a:schemeClr val="dk1"/>
+          </a:lnRef>
+          <a:fillRef idx="0">
+            <a:schemeClr val="dk1"/>
+          </a:fillRef>
+          <a:effectRef idx="1">
+            <a:schemeClr val="dk1"/>
+          </a:effectRef>
+          <a:fontRef idx="minor">
+            <a:schemeClr val="tx1"/>
+          </a:fontRef>
+        </p:style>
+      </p:cxnSp>
+    </p:spTree>
+    <p:extLst>
+      <p:ext uri="{BB962C8B-B14F-4D97-AF65-F5344CB8AC3E}">
+        <p14:creationId xmlns:p14="http://schemas.microsoft.com/office/powerpoint/2010/main" val="2195750516"/>
+      </p:ext>
+    </p:extLst>
+  </p:cSld>
+  <p:clrMapOvr>
+    <a:masterClrMapping/>
+  </p:clrMapOvr>
+</p:sld>
+</file>
+
+<file path=ppt/slides/slide9.xml><?xml version="1.0" encoding="utf-8"?>
+<p:sld xmlns:a="http://schemas.openxmlformats.org/drawingml/2006/main" xmlns:r="http://schemas.openxmlformats.org/officeDocument/2006/relationships" xmlns:p="http://schemas.openxmlformats.org/presentationml/2006/main">
+  <p:cSld>
+    <p:spTree>
+      <p:nvGrpSpPr>
+        <p:cNvPr id="1" name=""/>
+        <p:cNvGrpSpPr/>
+        <p:nvPr/>
+      </p:nvGrpSpPr>
+      <p:grpSpPr>
+        <a:xfrm>
+          <a:off x="0" y="0"/>
+          <a:ext cx="0" cy="0"/>
+          <a:chOff x="0" y="0"/>
+          <a:chExt cx="0" cy="0"/>
+        </a:xfrm>
+      </p:grpSpPr>
+      <p:sp>
+        <p:nvSpPr>
+          <p:cNvPr id="2" name="タイトル 1"/>
+          <p:cNvSpPr>
+            <a:spLocks noGrp="1"/>
+          </p:cNvSpPr>
+          <p:nvPr>
+            <p:ph type="title"/>
+          </p:nvPr>
+        </p:nvSpPr>
+        <p:spPr/>
+        <p:txBody>
           <a:bodyPr>
             <a:normAutofit fontScale="90000"/>
           </a:bodyPr>
@@ -7176,7 +14823,78 @@
           <a:bodyPr/>
           <a:lstStyle/>
           <a:p>
-            <a:endParaRPr kumimoji="1" lang="ja-JP" altLang="en-US"/>
+            <a:r>
+              <a:rPr kumimoji="1" lang="ja-JP" altLang="en-US" dirty="0" smtClean="0"/>
+              <a:t>勘定科目</a:t>
+            </a:r>
+            <a:endParaRPr kumimoji="1" lang="en-US" altLang="ja-JP" dirty="0" smtClean="0"/>
+          </a:p>
+          <a:p>
+            <a:pPr lvl="1"/>
+            <a:r>
+              <a:rPr lang="ja-JP" altLang="en-US" dirty="0" smtClean="0"/>
+              <a:t>財務</a:t>
+            </a:r>
+            <a:r>
+              <a:rPr lang="en-US" altLang="ja-JP" dirty="0" smtClean="0"/>
+              <a:t>/</a:t>
+            </a:r>
+            <a:r>
+              <a:rPr lang="ja-JP" altLang="en-US" dirty="0" smtClean="0"/>
+              <a:t>勘定一体型</a:t>
+            </a:r>
+            <a:endParaRPr lang="en-US" altLang="ja-JP" dirty="0" smtClean="0"/>
+          </a:p>
+          <a:p>
+            <a:pPr lvl="1"/>
+            <a:r>
+              <a:rPr kumimoji="1" lang="ja-JP" altLang="en-US" dirty="0" smtClean="0"/>
+              <a:t>財務</a:t>
+            </a:r>
+            <a:r>
+              <a:rPr kumimoji="1" lang="en-US" altLang="ja-JP" dirty="0" smtClean="0"/>
+              <a:t>/</a:t>
+            </a:r>
+            <a:r>
+              <a:rPr kumimoji="1" lang="ja-JP" altLang="en-US" dirty="0" smtClean="0"/>
+              <a:t>勘定分離型</a:t>
+            </a:r>
+            <a:endParaRPr kumimoji="1" lang="en-US" altLang="ja-JP" dirty="0" smtClean="0"/>
+          </a:p>
+          <a:p>
+            <a:pPr lvl="1"/>
+            <a:r>
+              <a:rPr lang="ja-JP" altLang="en-US" dirty="0" smtClean="0"/>
+              <a:t>チルダ連結方式</a:t>
+            </a:r>
+            <a:endParaRPr lang="en-US" altLang="ja-JP" dirty="0" smtClean="0"/>
+          </a:p>
+          <a:p>
+            <a:pPr lvl="1"/>
+            <a:endParaRPr kumimoji="1" lang="en-US" altLang="ja-JP" dirty="0"/>
+          </a:p>
+          <a:p>
+            <a:r>
+              <a:rPr lang="ja-JP" altLang="en-US" dirty="0" smtClean="0"/>
+              <a:t>仕分け</a:t>
+            </a:r>
+            <a:endParaRPr lang="en-US" altLang="ja-JP" dirty="0" smtClean="0"/>
+          </a:p>
+          <a:p>
+            <a:pPr lvl="1"/>
+            <a:r>
+              <a:rPr kumimoji="1" lang="ja-JP" altLang="en-US" dirty="0" smtClean="0"/>
+              <a:t>２階層</a:t>
+            </a:r>
+            <a:endParaRPr kumimoji="1" lang="en-US" altLang="ja-JP" dirty="0" smtClean="0"/>
+          </a:p>
+          <a:p>
+            <a:pPr lvl="1"/>
+            <a:r>
+              <a:rPr lang="ja-JP" altLang="en-US" dirty="0" smtClean="0"/>
+              <a:t>３階層</a:t>
+            </a:r>
+            <a:endParaRPr kumimoji="1" lang="ja-JP" altLang="en-US" dirty="0"/>
           </a:p>
         </p:txBody>
       </p:sp>
